--- a/Final/Travel Nest.pptx
+++ b/Final/Travel Nest.pptx
@@ -4793,96 +4793,75 @@
           </a:p>
         </p:txBody>
       </p:sp>
-      <p:grpSp>
-        <p:nvGrpSpPr>
-          <p:cNvPr id="14" name="群組 13">
+      <p:pic>
+        <p:nvPicPr>
+          <p:cNvPr id="37" name="圖片 36">
             <a:extLst>
               <a:ext uri="{FF2B5EF4-FFF2-40B4-BE49-F238E27FC236}">
-                <a16:creationId xmlns:a16="http://schemas.microsoft.com/office/drawing/2014/main" id="{2C165729-B825-4357-BEB2-AD4D777A7665}"/>
+                <a16:creationId xmlns:a16="http://schemas.microsoft.com/office/drawing/2014/main" id="{9E0D1503-A1B1-41E2-881B-2F3E6E403D5E}"/>
               </a:ext>
             </a:extLst>
           </p:cNvPr>
-          <p:cNvGrpSpPr/>
+          <p:cNvPicPr>
+            <a:picLocks noChangeAspect="1"/>
+          </p:cNvPicPr>
           <p:nvPr/>
-        </p:nvGrpSpPr>
-        <p:grpSpPr>
+        </p:nvPicPr>
+        <p:blipFill>
+          <a:blip r:embed="rId2"/>
+          <a:stretch>
+            <a:fillRect/>
+          </a:stretch>
+        </p:blipFill>
+        <p:spPr>
           <a:xfrm>
             <a:off x="1640632" y="3891237"/>
             <a:ext cx="7056784" cy="2453095"/>
-            <a:chOff x="953831" y="4570244"/>
-            <a:chExt cx="6869176" cy="2174617"/>
           </a:xfrm>
-        </p:grpSpPr>
-        <p:pic>
-          <p:nvPicPr>
-            <p:cNvPr id="37" name="圖片 36">
-              <a:extLst>
-                <a:ext uri="{FF2B5EF4-FFF2-40B4-BE49-F238E27FC236}">
-                  <a16:creationId xmlns:a16="http://schemas.microsoft.com/office/drawing/2014/main" id="{9E0D1503-A1B1-41E2-881B-2F3E6E403D5E}"/>
-                </a:ext>
-              </a:extLst>
-            </p:cNvPr>
-            <p:cNvPicPr>
-              <a:picLocks noChangeAspect="1"/>
-            </p:cNvPicPr>
-            <p:nvPr/>
-          </p:nvPicPr>
-          <p:blipFill>
-            <a:blip r:embed="rId2"/>
-            <a:stretch>
-              <a:fillRect/>
-            </a:stretch>
-          </p:blipFill>
-          <p:spPr>
-            <a:xfrm>
-              <a:off x="953831" y="4570244"/>
-              <a:ext cx="6869176" cy="2174617"/>
-            </a:xfrm>
-            <a:prstGeom prst="rect">
-              <a:avLst/>
-            </a:prstGeom>
-          </p:spPr>
-        </p:pic>
-        <p:pic>
-          <p:nvPicPr>
-            <p:cNvPr id="21" name="圖形 20" descr="游標">
-              <a:extLst>
-                <a:ext uri="{FF2B5EF4-FFF2-40B4-BE49-F238E27FC236}">
-                  <a16:creationId xmlns:a16="http://schemas.microsoft.com/office/drawing/2014/main" id="{9632CCF2-2BA2-46DA-A7D7-F0F938AFCEE3}"/>
-                </a:ext>
-              </a:extLst>
-            </p:cNvPr>
-            <p:cNvPicPr>
-              <a:picLocks noChangeAspect="1"/>
-            </p:cNvPicPr>
-            <p:nvPr/>
-          </p:nvPicPr>
-          <p:blipFill>
-            <a:blip r:embed="rId3">
-              <a:extLst>
-                <a:ext uri="{28A0092B-C50C-407E-A947-70E740481C1C}">
-                  <a14:useLocalDpi xmlns:a14="http://schemas.microsoft.com/office/drawing/2010/main" val="0"/>
-                </a:ext>
-                <a:ext uri="{96DAC541-7B7A-43D3-8B79-37D633B846F1}">
-                  <asvg:svgBlip xmlns:asvg="http://schemas.microsoft.com/office/drawing/2016/SVG/main" r:embed="rId4"/>
-                </a:ext>
-              </a:extLst>
-            </a:blip>
-            <a:stretch>
-              <a:fillRect/>
-            </a:stretch>
-          </p:blipFill>
-          <p:spPr>
-            <a:xfrm rot="15588175">
-              <a:off x="7095507" y="4570781"/>
-              <a:ext cx="673224" cy="673224"/>
-            </a:xfrm>
-            <a:prstGeom prst="rect">
-              <a:avLst/>
-            </a:prstGeom>
-          </p:spPr>
-        </p:pic>
-      </p:grpSp>
+          <a:prstGeom prst="rect">
+            <a:avLst/>
+          </a:prstGeom>
+        </p:spPr>
+      </p:pic>
+      <p:pic>
+        <p:nvPicPr>
+          <p:cNvPr id="21" name="圖形 20" descr="游標">
+            <a:extLst>
+              <a:ext uri="{FF2B5EF4-FFF2-40B4-BE49-F238E27FC236}">
+                <a16:creationId xmlns:a16="http://schemas.microsoft.com/office/drawing/2014/main" id="{9632CCF2-2BA2-46DA-A7D7-F0F938AFCEE3}"/>
+              </a:ext>
+            </a:extLst>
+          </p:cNvPr>
+          <p:cNvPicPr>
+            <a:picLocks noChangeAspect="1"/>
+          </p:cNvPicPr>
+          <p:nvPr/>
+        </p:nvPicPr>
+        <p:blipFill>
+          <a:blip r:embed="rId3">
+            <a:extLst>
+              <a:ext uri="{28A0092B-C50C-407E-A947-70E740481C1C}">
+                <a14:useLocalDpi xmlns:a14="http://schemas.microsoft.com/office/drawing/2010/main" val="0"/>
+              </a:ext>
+              <a:ext uri="{96DAC541-7B7A-43D3-8B79-37D633B846F1}">
+                <asvg:svgBlip xmlns:asvg="http://schemas.microsoft.com/office/drawing/2016/SVG/main" r:embed="rId4"/>
+              </a:ext>
+            </a:extLst>
+          </a:blip>
+          <a:stretch>
+            <a:fillRect/>
+          </a:stretch>
+        </p:blipFill>
+        <p:spPr>
+          <a:xfrm rot="15588175">
+            <a:off x="7916134" y="3925755"/>
+            <a:ext cx="759436" cy="691611"/>
+          </a:xfrm>
+          <a:prstGeom prst="rect">
+            <a:avLst/>
+          </a:prstGeom>
+        </p:spPr>
+      </p:pic>
       <p:sp>
         <p:nvSpPr>
           <p:cNvPr id="6" name="Rectangle 2">
@@ -4954,10 +4933,10 @@
       </p:sp>
       <p:grpSp>
         <p:nvGrpSpPr>
-          <p:cNvPr id="18" name="群組 17">
+          <p:cNvPr id="16" name="群組 15">
             <a:extLst>
               <a:ext uri="{FF2B5EF4-FFF2-40B4-BE49-F238E27FC236}">
-                <a16:creationId xmlns:a16="http://schemas.microsoft.com/office/drawing/2014/main" id="{010A186A-281A-4C88-8BFD-DE9C3993836F}"/>
+                <a16:creationId xmlns:a16="http://schemas.microsoft.com/office/drawing/2014/main" id="{E8E33563-C168-4B7D-A18C-5AE72FF37461}"/>
               </a:ext>
             </a:extLst>
           </p:cNvPr>
@@ -4966,277 +4945,569 @@
         </p:nvGrpSpPr>
         <p:grpSpPr>
           <a:xfrm>
-            <a:off x="2142559" y="1557915"/>
-            <a:ext cx="5620881" cy="1975214"/>
-            <a:chOff x="1819322" y="1464891"/>
-            <a:chExt cx="5620881" cy="1975214"/>
+            <a:off x="2142559" y="1844703"/>
+            <a:ext cx="1092631" cy="1255366"/>
+            <a:chOff x="1819322" y="1751679"/>
+            <a:chExt cx="1092631" cy="1255366"/>
           </a:xfrm>
         </p:grpSpPr>
-        <p:grpSp>
-          <p:nvGrpSpPr>
-            <p:cNvPr id="16" name="群組 15">
+        <p:sp>
+          <p:nvSpPr>
+            <p:cNvPr id="45" name="文字方塊 44">
               <a:extLst>
                 <a:ext uri="{FF2B5EF4-FFF2-40B4-BE49-F238E27FC236}">
-                  <a16:creationId xmlns:a16="http://schemas.microsoft.com/office/drawing/2014/main" id="{E8E33563-C168-4B7D-A18C-5AE72FF37461}"/>
+                  <a16:creationId xmlns:a16="http://schemas.microsoft.com/office/drawing/2014/main" id="{3F36A5F9-C6F9-49A3-AB3B-48CAB03942E3}"/>
                 </a:ext>
               </a:extLst>
             </p:cNvPr>
-            <p:cNvGrpSpPr/>
+            <p:cNvSpPr txBox="1"/>
             <p:nvPr/>
-          </p:nvGrpSpPr>
-          <p:grpSpPr>
+          </p:nvSpPr>
+          <p:spPr>
             <a:xfrm>
-              <a:off x="1819322" y="1751679"/>
-              <a:ext cx="1092631" cy="1255366"/>
-              <a:chOff x="1819322" y="1751679"/>
-              <a:chExt cx="1092631" cy="1255366"/>
+              <a:off x="1828618" y="1751679"/>
+              <a:ext cx="1027845" cy="338554"/>
             </a:xfrm>
-          </p:grpSpPr>
-          <p:sp>
-            <p:nvSpPr>
-              <p:cNvPr id="45" name="文字方塊 44">
-                <a:extLst>
-                  <a:ext uri="{FF2B5EF4-FFF2-40B4-BE49-F238E27FC236}">
-                    <a16:creationId xmlns:a16="http://schemas.microsoft.com/office/drawing/2014/main" id="{3F36A5F9-C6F9-49A3-AB3B-48CAB03942E3}"/>
-                  </a:ext>
-                </a:extLst>
-              </p:cNvPr>
-              <p:cNvSpPr txBox="1"/>
-              <p:nvPr/>
-            </p:nvSpPr>
-            <p:spPr>
-              <a:xfrm>
-                <a:off x="1828618" y="1751679"/>
-                <a:ext cx="1027845" cy="338554"/>
-              </a:xfrm>
-              <a:prstGeom prst="rect">
-                <a:avLst/>
-              </a:prstGeom>
-              <a:noFill/>
-            </p:spPr>
-            <p:txBody>
-              <a:bodyPr wrap="none" rtlCol="0">
-                <a:spAutoFit/>
-              </a:bodyPr>
-              <a:lstStyle/>
-              <a:p>
-                <a:pPr algn="ctr"/>
-                <a:r>
-                  <a:rPr lang="en-US" altLang="zh-TW" sz="1600" b="1" dirty="0">
-                    <a:solidFill>
-                      <a:schemeClr val="accent4"/>
-                    </a:solidFill>
-                  </a:rPr>
-                  <a:t>Firebase</a:t>
-                </a:r>
-                <a:endParaRPr lang="zh-TW" altLang="en-US" sz="1600" b="1" dirty="0">
+            <a:prstGeom prst="rect">
+              <a:avLst/>
+            </a:prstGeom>
+            <a:noFill/>
+          </p:spPr>
+          <p:txBody>
+            <a:bodyPr wrap="none" rtlCol="0">
+              <a:spAutoFit/>
+            </a:bodyPr>
+            <a:lstStyle/>
+            <a:p>
+              <a:pPr algn="ctr"/>
+              <a:r>
+                <a:rPr lang="en-US" altLang="zh-TW" sz="1600" b="1" dirty="0">
                   <a:solidFill>
                     <a:schemeClr val="accent4"/>
                   </a:solidFill>
-                </a:endParaRPr>
-              </a:p>
-            </p:txBody>
-          </p:sp>
-          <p:sp>
-            <p:nvSpPr>
-              <p:cNvPr id="7" name="六邊形 6">
-                <a:extLst>
-                  <a:ext uri="{FF2B5EF4-FFF2-40B4-BE49-F238E27FC236}">
-                    <a16:creationId xmlns:a16="http://schemas.microsoft.com/office/drawing/2014/main" id="{00116BC9-0E27-4CE1-89A4-F7C8E7C807AF}"/>
-                  </a:ext>
-                </a:extLst>
-              </p:cNvPr>
-              <p:cNvSpPr/>
-              <p:nvPr/>
-            </p:nvSpPr>
-            <p:spPr>
-              <a:xfrm>
-                <a:off x="1819322" y="2076665"/>
-                <a:ext cx="1092631" cy="930380"/>
-              </a:xfrm>
-              <a:prstGeom prst="hexagon">
-                <a:avLst/>
-              </a:prstGeom>
-              <a:ln/>
-            </p:spPr>
-            <p:style>
-              <a:lnRef idx="1">
-                <a:schemeClr val="accent4"/>
-              </a:lnRef>
-              <a:fillRef idx="3">
-                <a:schemeClr val="accent4"/>
-              </a:fillRef>
-              <a:effectRef idx="2">
-                <a:schemeClr val="accent4"/>
-              </a:effectRef>
-              <a:fontRef idx="minor">
-                <a:schemeClr val="lt1"/>
-              </a:fontRef>
-            </p:style>
-            <p:txBody>
-              <a:bodyPr rtlCol="0" anchor="ctr"/>
-              <a:lstStyle/>
-              <a:p>
-                <a:pPr algn="ctr"/>
-                <a:r>
-                  <a:rPr lang="zh-TW" altLang="en-US" sz="1300" b="1" dirty="0">
-                    <a:solidFill>
-                      <a:schemeClr val="bg2">
-                        <a:lumMod val="10000"/>
-                      </a:schemeClr>
-                    </a:solidFill>
-                  </a:rPr>
-                  <a:t>新建</a:t>
-                </a:r>
-                <a:endParaRPr lang="en-US" altLang="zh-TW" sz="1300" b="1" dirty="0">
+                </a:rPr>
+                <a:t>Firebase</a:t>
+              </a:r>
+              <a:endParaRPr lang="zh-TW" altLang="en-US" sz="1600" b="1" dirty="0">
+                <a:solidFill>
+                  <a:schemeClr val="accent4"/>
+                </a:solidFill>
+              </a:endParaRPr>
+            </a:p>
+          </p:txBody>
+        </p:sp>
+        <p:sp>
+          <p:nvSpPr>
+            <p:cNvPr id="7" name="六邊形 6">
+              <a:extLst>
+                <a:ext uri="{FF2B5EF4-FFF2-40B4-BE49-F238E27FC236}">
+                  <a16:creationId xmlns:a16="http://schemas.microsoft.com/office/drawing/2014/main" id="{00116BC9-0E27-4CE1-89A4-F7C8E7C807AF}"/>
+                </a:ext>
+              </a:extLst>
+            </p:cNvPr>
+            <p:cNvSpPr/>
+            <p:nvPr/>
+          </p:nvSpPr>
+          <p:spPr>
+            <a:xfrm>
+              <a:off x="1819322" y="2076665"/>
+              <a:ext cx="1092631" cy="930380"/>
+            </a:xfrm>
+            <a:prstGeom prst="hexagon">
+              <a:avLst/>
+            </a:prstGeom>
+            <a:ln/>
+          </p:spPr>
+          <p:style>
+            <a:lnRef idx="1">
+              <a:schemeClr val="accent4"/>
+            </a:lnRef>
+            <a:fillRef idx="3">
+              <a:schemeClr val="accent4"/>
+            </a:fillRef>
+            <a:effectRef idx="2">
+              <a:schemeClr val="accent4"/>
+            </a:effectRef>
+            <a:fontRef idx="minor">
+              <a:schemeClr val="lt1"/>
+            </a:fontRef>
+          </p:style>
+          <p:txBody>
+            <a:bodyPr rtlCol="0" anchor="ctr"/>
+            <a:lstStyle/>
+            <a:p>
+              <a:pPr algn="ctr"/>
+              <a:r>
+                <a:rPr lang="zh-TW" altLang="en-US" sz="1300" b="1" dirty="0">
                   <a:solidFill>
                     <a:schemeClr val="bg2">
                       <a:lumMod val="10000"/>
                     </a:schemeClr>
                   </a:solidFill>
-                </a:endParaRPr>
-              </a:p>
-              <a:p>
-                <a:pPr algn="ctr"/>
-                <a:r>
-                  <a:rPr lang="zh-TW" altLang="en-US" sz="1300" b="1" dirty="0">
-                    <a:solidFill>
-                      <a:schemeClr val="bg2">
-                        <a:lumMod val="10000"/>
-                      </a:schemeClr>
-                    </a:solidFill>
-                  </a:rPr>
-                  <a:t>專案</a:t>
-                </a:r>
-              </a:p>
-            </p:txBody>
-          </p:sp>
-        </p:grpSp>
-        <p:grpSp>
-          <p:nvGrpSpPr>
-            <p:cNvPr id="15" name="群組 14">
+                </a:rPr>
+                <a:t>新建</a:t>
+              </a:r>
+              <a:endParaRPr lang="en-US" altLang="zh-TW" sz="1300" b="1" dirty="0">
+                <a:solidFill>
+                  <a:schemeClr val="bg2">
+                    <a:lumMod val="10000"/>
+                  </a:schemeClr>
+                </a:solidFill>
+              </a:endParaRPr>
+            </a:p>
+            <a:p>
+              <a:pPr algn="ctr"/>
+              <a:r>
+                <a:rPr lang="zh-TW" altLang="en-US" sz="1300" b="1" dirty="0">
+                  <a:solidFill>
+                    <a:schemeClr val="bg2">
+                      <a:lumMod val="10000"/>
+                    </a:schemeClr>
+                  </a:solidFill>
+                </a:rPr>
+                <a:t>專案</a:t>
+              </a:r>
+            </a:p>
+          </p:txBody>
+        </p:sp>
+      </p:grpSp>
+      <p:grpSp>
+        <p:nvGrpSpPr>
+          <p:cNvPr id="15" name="群組 14">
+            <a:extLst>
+              <a:ext uri="{FF2B5EF4-FFF2-40B4-BE49-F238E27FC236}">
+                <a16:creationId xmlns:a16="http://schemas.microsoft.com/office/drawing/2014/main" id="{EBD367D5-590B-44C6-B621-EEC2871383C1}"/>
+              </a:ext>
+            </a:extLst>
+          </p:cNvPr>
+          <p:cNvGrpSpPr/>
+          <p:nvPr/>
+        </p:nvGrpSpPr>
+        <p:grpSpPr>
+          <a:xfrm>
+            <a:off x="3828552" y="1557915"/>
+            <a:ext cx="1092631" cy="1273046"/>
+            <a:chOff x="3189924" y="2249953"/>
+            <a:chExt cx="1092631" cy="1273046"/>
+          </a:xfrm>
+        </p:grpSpPr>
+        <p:sp>
+          <p:nvSpPr>
+            <p:cNvPr id="56" name="文字方塊 55">
               <a:extLst>
                 <a:ext uri="{FF2B5EF4-FFF2-40B4-BE49-F238E27FC236}">
-                  <a16:creationId xmlns:a16="http://schemas.microsoft.com/office/drawing/2014/main" id="{EBD367D5-590B-44C6-B621-EEC2871383C1}"/>
+                  <a16:creationId xmlns:a16="http://schemas.microsoft.com/office/drawing/2014/main" id="{D7A13DF7-0FDA-4DA3-83E6-2E689826718E}"/>
                 </a:ext>
               </a:extLst>
             </p:cNvPr>
-            <p:cNvGrpSpPr/>
+            <p:cNvSpPr txBox="1"/>
             <p:nvPr/>
-          </p:nvGrpSpPr>
-          <p:grpSpPr>
+          </p:nvSpPr>
+          <p:spPr>
             <a:xfrm>
-              <a:off x="3505315" y="1464891"/>
-              <a:ext cx="1092631" cy="1273046"/>
-              <a:chOff x="3189924" y="2249953"/>
-              <a:chExt cx="1092631" cy="1273046"/>
+              <a:off x="3422585" y="2249953"/>
+              <a:ext cx="595036" cy="338554"/>
             </a:xfrm>
-          </p:grpSpPr>
-          <p:sp>
-            <p:nvSpPr>
-              <p:cNvPr id="56" name="文字方塊 55">
-                <a:extLst>
-                  <a:ext uri="{FF2B5EF4-FFF2-40B4-BE49-F238E27FC236}">
-                    <a16:creationId xmlns:a16="http://schemas.microsoft.com/office/drawing/2014/main" id="{D7A13DF7-0FDA-4DA3-83E6-2E689826718E}"/>
-                  </a:ext>
-                </a:extLst>
-              </p:cNvPr>
-              <p:cNvSpPr txBox="1"/>
-              <p:nvPr/>
-            </p:nvSpPr>
-            <p:spPr>
-              <a:xfrm>
-                <a:off x="3422585" y="2249953"/>
-                <a:ext cx="595036" cy="338554"/>
-              </a:xfrm>
-              <a:prstGeom prst="rect">
-                <a:avLst/>
-              </a:prstGeom>
-              <a:noFill/>
-            </p:spPr>
-            <p:txBody>
-              <a:bodyPr wrap="none" rtlCol="0">
-                <a:spAutoFit/>
-              </a:bodyPr>
-              <a:lstStyle/>
-              <a:p>
-                <a:pPr algn="ctr"/>
-                <a:r>
-                  <a:rPr lang="zh-TW" altLang="en-US" sz="1600" b="1" dirty="0">
-                    <a:solidFill>
-                      <a:schemeClr val="accent4"/>
-                    </a:solidFill>
-                  </a:rPr>
-                  <a:t>專案</a:t>
-                </a:r>
-              </a:p>
-            </p:txBody>
-          </p:sp>
-          <p:sp>
-            <p:nvSpPr>
-              <p:cNvPr id="28" name="六邊形 27">
-                <a:extLst>
-                  <a:ext uri="{FF2B5EF4-FFF2-40B4-BE49-F238E27FC236}">
-                    <a16:creationId xmlns:a16="http://schemas.microsoft.com/office/drawing/2014/main" id="{6B95F5BA-4BD1-4D48-AC8A-C1CF70F5CC99}"/>
-                  </a:ext>
-                </a:extLst>
-              </p:cNvPr>
-              <p:cNvSpPr/>
-              <p:nvPr/>
-            </p:nvSpPr>
-            <p:spPr>
-              <a:xfrm>
-                <a:off x="3189924" y="2592619"/>
-                <a:ext cx="1092631" cy="930380"/>
-              </a:xfrm>
-              <a:prstGeom prst="hexagon">
-                <a:avLst/>
-              </a:prstGeom>
-              <a:ln/>
-            </p:spPr>
-            <p:style>
-              <a:lnRef idx="1">
-                <a:schemeClr val="accent4"/>
-              </a:lnRef>
-              <a:fillRef idx="3">
-                <a:schemeClr val="accent4"/>
-              </a:fillRef>
-              <a:effectRef idx="2">
-                <a:schemeClr val="accent4"/>
-              </a:effectRef>
-              <a:fontRef idx="minor">
-                <a:schemeClr val="lt1"/>
-              </a:fontRef>
-            </p:style>
-            <p:txBody>
-              <a:bodyPr rtlCol="0" anchor="ctr"/>
-              <a:lstStyle/>
-              <a:p>
-                <a:pPr algn="ctr"/>
-                <a:r>
-                  <a:rPr lang="zh-TW" altLang="en-US" sz="1300" b="1" dirty="0">
-                    <a:solidFill>
-                      <a:schemeClr val="bg2">
-                        <a:lumMod val="10000"/>
-                      </a:schemeClr>
-                    </a:solidFill>
-                  </a:rPr>
-                  <a:t>導入</a:t>
-                </a:r>
-                <a:r>
-                  <a:rPr lang="en-US" altLang="zh-TW" sz="1300" b="1" dirty="0">
-                    <a:solidFill>
-                      <a:schemeClr val="bg2">
-                        <a:lumMod val="10000"/>
-                      </a:schemeClr>
-                    </a:solidFill>
-                  </a:rPr>
-                  <a:t>SDK</a:t>
-                </a:r>
-              </a:p>
-            </p:txBody>
-          </p:sp>
-        </p:grpSp>
+            <a:prstGeom prst="rect">
+              <a:avLst/>
+            </a:prstGeom>
+            <a:noFill/>
+          </p:spPr>
+          <p:txBody>
+            <a:bodyPr wrap="none" rtlCol="0">
+              <a:spAutoFit/>
+            </a:bodyPr>
+            <a:lstStyle/>
+            <a:p>
+              <a:pPr algn="ctr"/>
+              <a:r>
+                <a:rPr lang="zh-TW" altLang="en-US" sz="1600" b="1" dirty="0">
+                  <a:solidFill>
+                    <a:schemeClr val="accent4"/>
+                  </a:solidFill>
+                </a:rPr>
+                <a:t>專案</a:t>
+              </a:r>
+            </a:p>
+          </p:txBody>
+        </p:sp>
+        <p:sp>
+          <p:nvSpPr>
+            <p:cNvPr id="28" name="六邊形 27">
+              <a:extLst>
+                <a:ext uri="{FF2B5EF4-FFF2-40B4-BE49-F238E27FC236}">
+                  <a16:creationId xmlns:a16="http://schemas.microsoft.com/office/drawing/2014/main" id="{6B95F5BA-4BD1-4D48-AC8A-C1CF70F5CC99}"/>
+                </a:ext>
+              </a:extLst>
+            </p:cNvPr>
+            <p:cNvSpPr/>
+            <p:nvPr/>
+          </p:nvSpPr>
+          <p:spPr>
+            <a:xfrm>
+              <a:off x="3189924" y="2592619"/>
+              <a:ext cx="1092631" cy="930380"/>
+            </a:xfrm>
+            <a:prstGeom prst="hexagon">
+              <a:avLst/>
+            </a:prstGeom>
+            <a:ln/>
+          </p:spPr>
+          <p:style>
+            <a:lnRef idx="1">
+              <a:schemeClr val="accent4"/>
+            </a:lnRef>
+            <a:fillRef idx="3">
+              <a:schemeClr val="accent4"/>
+            </a:fillRef>
+            <a:effectRef idx="2">
+              <a:schemeClr val="accent4"/>
+            </a:effectRef>
+            <a:fontRef idx="minor">
+              <a:schemeClr val="lt1"/>
+            </a:fontRef>
+          </p:style>
+          <p:txBody>
+            <a:bodyPr rtlCol="0" anchor="ctr"/>
+            <a:lstStyle/>
+            <a:p>
+              <a:pPr algn="ctr"/>
+              <a:r>
+                <a:rPr lang="zh-TW" altLang="en-US" sz="1300" b="1" dirty="0">
+                  <a:solidFill>
+                    <a:schemeClr val="bg2">
+                      <a:lumMod val="10000"/>
+                    </a:schemeClr>
+                  </a:solidFill>
+                </a:rPr>
+                <a:t>導入</a:t>
+              </a:r>
+              <a:r>
+                <a:rPr lang="en-US" altLang="zh-TW" sz="1300" b="1" dirty="0">
+                  <a:solidFill>
+                    <a:schemeClr val="bg2">
+                      <a:lumMod val="10000"/>
+                    </a:schemeClr>
+                  </a:solidFill>
+                </a:rPr>
+                <a:t>SDK</a:t>
+              </a:r>
+            </a:p>
+          </p:txBody>
+        </p:sp>
+      </p:grpSp>
+      <p:grpSp>
+        <p:nvGrpSpPr>
+          <p:cNvPr id="17" name="群組 16">
+            <a:extLst>
+              <a:ext uri="{FF2B5EF4-FFF2-40B4-BE49-F238E27FC236}">
+                <a16:creationId xmlns:a16="http://schemas.microsoft.com/office/drawing/2014/main" id="{C6DD3632-E1AE-400D-ADC8-B5628BFEC05D}"/>
+              </a:ext>
+            </a:extLst>
+          </p:cNvPr>
+          <p:cNvGrpSpPr/>
+          <p:nvPr/>
+        </p:nvGrpSpPr>
+        <p:grpSpPr>
+          <a:xfrm>
+            <a:off x="5323284" y="2271217"/>
+            <a:ext cx="1092631" cy="1242913"/>
+            <a:chOff x="6167649" y="1769707"/>
+            <a:chExt cx="1092631" cy="1242913"/>
+          </a:xfrm>
+        </p:grpSpPr>
+        <p:sp>
+          <p:nvSpPr>
+            <p:cNvPr id="65" name="文字方塊 64">
+              <a:extLst>
+                <a:ext uri="{FF2B5EF4-FFF2-40B4-BE49-F238E27FC236}">
+                  <a16:creationId xmlns:a16="http://schemas.microsoft.com/office/drawing/2014/main" id="{41A046A1-46B4-4E1A-8092-F7771EDCF3AF}"/>
+                </a:ext>
+              </a:extLst>
+            </p:cNvPr>
+            <p:cNvSpPr txBox="1"/>
+            <p:nvPr/>
+          </p:nvSpPr>
+          <p:spPr>
+            <a:xfrm>
+              <a:off x="6416446" y="1769707"/>
+              <a:ext cx="595035" cy="338554"/>
+            </a:xfrm>
+            <a:prstGeom prst="rect">
+              <a:avLst/>
+            </a:prstGeom>
+            <a:noFill/>
+          </p:spPr>
+          <p:txBody>
+            <a:bodyPr wrap="none" rtlCol="0">
+              <a:spAutoFit/>
+            </a:bodyPr>
+            <a:lstStyle/>
+            <a:p>
+              <a:pPr algn="ctr"/>
+              <a:r>
+                <a:rPr lang="zh-TW" altLang="en-US" sz="1600" b="1" dirty="0">
+                  <a:solidFill>
+                    <a:schemeClr val="accent4"/>
+                  </a:solidFill>
+                </a:rPr>
+                <a:t>用戶</a:t>
+              </a:r>
+            </a:p>
+          </p:txBody>
+        </p:sp>
+        <p:sp>
+          <p:nvSpPr>
+            <p:cNvPr id="30" name="六邊形 29">
+              <a:extLst>
+                <a:ext uri="{FF2B5EF4-FFF2-40B4-BE49-F238E27FC236}">
+                  <a16:creationId xmlns:a16="http://schemas.microsoft.com/office/drawing/2014/main" id="{BD072995-7027-4E8B-A502-DBF65F89FA58}"/>
+                </a:ext>
+              </a:extLst>
+            </p:cNvPr>
+            <p:cNvSpPr/>
+            <p:nvPr/>
+          </p:nvSpPr>
+          <p:spPr>
+            <a:xfrm>
+              <a:off x="6167649" y="2082240"/>
+              <a:ext cx="1092631" cy="930380"/>
+            </a:xfrm>
+            <a:prstGeom prst="hexagon">
+              <a:avLst/>
+            </a:prstGeom>
+            <a:ln/>
+          </p:spPr>
+          <p:style>
+            <a:lnRef idx="1">
+              <a:schemeClr val="accent4"/>
+            </a:lnRef>
+            <a:fillRef idx="3">
+              <a:schemeClr val="accent4"/>
+            </a:fillRef>
+            <a:effectRef idx="2">
+              <a:schemeClr val="accent4"/>
+            </a:effectRef>
+            <a:fontRef idx="minor">
+              <a:schemeClr val="lt1"/>
+            </a:fontRef>
+          </p:style>
+          <p:txBody>
+            <a:bodyPr rtlCol="0" anchor="ctr"/>
+            <a:lstStyle/>
+            <a:p>
+              <a:pPr algn="ctr"/>
+              <a:r>
+                <a:rPr lang="zh-TW" altLang="en-US" sz="1300" b="1" dirty="0">
+                  <a:solidFill>
+                    <a:schemeClr val="bg2">
+                      <a:lumMod val="10000"/>
+                    </a:schemeClr>
+                  </a:solidFill>
+                </a:rPr>
+                <a:t>選擇第三方登入平台</a:t>
+              </a:r>
+              <a:endParaRPr lang="en-US" altLang="zh-TW" sz="1300" b="1" dirty="0">
+                <a:solidFill>
+                  <a:schemeClr val="bg2">
+                    <a:lumMod val="10000"/>
+                  </a:schemeClr>
+                </a:solidFill>
+              </a:endParaRPr>
+            </a:p>
+          </p:txBody>
+        </p:sp>
+      </p:grpSp>
+      <p:sp>
+        <p:nvSpPr>
+          <p:cNvPr id="9" name="箭號: 弧形下彎 8">
+            <a:extLst>
+              <a:ext uri="{FF2B5EF4-FFF2-40B4-BE49-F238E27FC236}">
+                <a16:creationId xmlns:a16="http://schemas.microsoft.com/office/drawing/2014/main" id="{E24F36AF-9B5C-4A5B-AABF-A2A189695B39}"/>
+              </a:ext>
+            </a:extLst>
+          </p:cNvPr>
+          <p:cNvSpPr/>
+          <p:nvPr/>
+        </p:nvSpPr>
+        <p:spPr>
+          <a:xfrm rot="20309755">
+            <a:off x="3121034" y="1967118"/>
+            <a:ext cx="776447" cy="365549"/>
+          </a:xfrm>
+          <a:prstGeom prst="curvedDownArrow">
+            <a:avLst>
+              <a:gd name="adj1" fmla="val 25000"/>
+              <a:gd name="adj2" fmla="val 50000"/>
+              <a:gd name="adj3" fmla="val 37078"/>
+            </a:avLst>
+          </a:prstGeom>
+          <a:solidFill>
+            <a:schemeClr val="bg1"/>
+          </a:solidFill>
+          <a:ln>
+            <a:noFill/>
+          </a:ln>
+        </p:spPr>
+        <p:style>
+          <a:lnRef idx="1">
+            <a:schemeClr val="accent4"/>
+          </a:lnRef>
+          <a:fillRef idx="3">
+            <a:schemeClr val="accent4"/>
+          </a:fillRef>
+          <a:effectRef idx="2">
+            <a:schemeClr val="accent4"/>
+          </a:effectRef>
+          <a:fontRef idx="minor">
+            <a:schemeClr val="lt1"/>
+          </a:fontRef>
+        </p:style>
+        <p:txBody>
+          <a:bodyPr rtlCol="0" anchor="ctr"/>
+          <a:lstStyle/>
+          <a:p>
+            <a:pPr algn="ctr"/>
+            <a:endParaRPr lang="zh-TW" altLang="en-US">
+              <a:solidFill>
+                <a:srgbClr val="FFFFFF"/>
+              </a:solidFill>
+            </a:endParaRPr>
+          </a:p>
+        </p:txBody>
+      </p:sp>
+      <p:sp>
+        <p:nvSpPr>
+          <p:cNvPr id="11" name="箭號: 弧形上彎 10">
+            <a:extLst>
+              <a:ext uri="{FF2B5EF4-FFF2-40B4-BE49-F238E27FC236}">
+                <a16:creationId xmlns:a16="http://schemas.microsoft.com/office/drawing/2014/main" id="{DC6950A4-75D5-4965-8654-A6EAA3EC352E}"/>
+              </a:ext>
+            </a:extLst>
+          </p:cNvPr>
+          <p:cNvSpPr/>
+          <p:nvPr/>
+        </p:nvSpPr>
+        <p:spPr>
+          <a:xfrm rot="1603859">
+            <a:off x="4354127" y="3082896"/>
+            <a:ext cx="952775" cy="450233"/>
+          </a:xfrm>
+          <a:prstGeom prst="curvedUpArrow">
+            <a:avLst>
+              <a:gd name="adj1" fmla="val 25000"/>
+              <a:gd name="adj2" fmla="val 57720"/>
+              <a:gd name="adj3" fmla="val 32654"/>
+            </a:avLst>
+          </a:prstGeom>
+          <a:solidFill>
+            <a:schemeClr val="bg1"/>
+          </a:solidFill>
+          <a:ln>
+            <a:noFill/>
+          </a:ln>
+        </p:spPr>
+        <p:style>
+          <a:lnRef idx="1">
+            <a:schemeClr val="accent4"/>
+          </a:lnRef>
+          <a:fillRef idx="3">
+            <a:schemeClr val="accent4"/>
+          </a:fillRef>
+          <a:effectRef idx="2">
+            <a:schemeClr val="accent4"/>
+          </a:effectRef>
+          <a:fontRef idx="minor">
+            <a:schemeClr val="lt1"/>
+          </a:fontRef>
+        </p:style>
+        <p:txBody>
+          <a:bodyPr rtlCol="0" anchor="ctr"/>
+          <a:lstStyle/>
+          <a:p>
+            <a:pPr algn="ctr"/>
+            <a:endParaRPr lang="zh-TW" altLang="en-US">
+              <a:solidFill>
+                <a:schemeClr val="tx1"/>
+              </a:solidFill>
+            </a:endParaRPr>
+          </a:p>
+        </p:txBody>
+      </p:sp>
+      <p:sp>
+        <p:nvSpPr>
+          <p:cNvPr id="12" name="箭號: 弧形下彎 11">
+            <a:extLst>
+              <a:ext uri="{FF2B5EF4-FFF2-40B4-BE49-F238E27FC236}">
+                <a16:creationId xmlns:a16="http://schemas.microsoft.com/office/drawing/2014/main" id="{569A6E5A-5509-41DD-A27E-5CEA70EBB66B}"/>
+              </a:ext>
+            </a:extLst>
+          </p:cNvPr>
+          <p:cNvSpPr/>
+          <p:nvPr/>
+        </p:nvSpPr>
+        <p:spPr>
+          <a:xfrm rot="20509776">
+            <a:off x="6149436" y="1929547"/>
+            <a:ext cx="792088" cy="427141"/>
+          </a:xfrm>
+          <a:prstGeom prst="curvedDownArrow">
+            <a:avLst/>
+          </a:prstGeom>
+          <a:solidFill>
+            <a:srgbClr val="FFFFFF"/>
+          </a:solidFill>
+          <a:ln>
+            <a:noFill/>
+          </a:ln>
+        </p:spPr>
+        <p:style>
+          <a:lnRef idx="1">
+            <a:schemeClr val="accent4"/>
+          </a:lnRef>
+          <a:fillRef idx="3">
+            <a:schemeClr val="accent4"/>
+          </a:fillRef>
+          <a:effectRef idx="2">
+            <a:schemeClr val="accent4"/>
+          </a:effectRef>
+          <a:fontRef idx="minor">
+            <a:schemeClr val="lt1"/>
+          </a:fontRef>
+        </p:style>
+        <p:txBody>
+          <a:bodyPr rtlCol="0" anchor="ctr"/>
+          <a:lstStyle/>
+          <a:p>
+            <a:pPr algn="ctr"/>
+            <a:endParaRPr lang="zh-TW" altLang="en-US">
+              <a:solidFill>
+                <a:schemeClr val="tx1"/>
+              </a:solidFill>
+            </a:endParaRPr>
+          </a:p>
+        </p:txBody>
+      </p:sp>
+      <p:grpSp>
+        <p:nvGrpSpPr>
+          <p:cNvPr id="5" name="群組 4">
+            <a:extLst>
+              <a:ext uri="{FF2B5EF4-FFF2-40B4-BE49-F238E27FC236}">
+                <a16:creationId xmlns:a16="http://schemas.microsoft.com/office/drawing/2014/main" id="{EBAE6538-51D4-857C-8CCD-81561A132182}"/>
+              </a:ext>
+            </a:extLst>
+          </p:cNvPr>
+          <p:cNvGrpSpPr/>
+          <p:nvPr/>
+        </p:nvGrpSpPr>
+        <p:grpSpPr>
+          <a:xfrm>
+            <a:off x="6842734" y="1790762"/>
+            <a:ext cx="1092631" cy="1278802"/>
+            <a:chOff x="6842734" y="1790762"/>
+            <a:chExt cx="1092631" cy="1278802"/>
+          </a:xfrm>
+        </p:grpSpPr>
         <p:sp>
           <p:nvSpPr>
             <p:cNvPr id="29" name="六邊形 28">
@@ -5251,7 +5522,7 @@
           </p:nvSpPr>
           <p:spPr>
             <a:xfrm>
-              <a:off x="4926513" y="2343933"/>
+              <a:off x="6842734" y="2139184"/>
               <a:ext cx="1092631" cy="930380"/>
             </a:xfrm>
             <a:prstGeom prst="hexagon">
@@ -5298,295 +5569,43 @@
             </a:p>
           </p:txBody>
         </p:sp>
-        <p:grpSp>
-          <p:nvGrpSpPr>
-            <p:cNvPr id="17" name="群組 16">
+        <p:sp>
+          <p:nvSpPr>
+            <p:cNvPr id="3" name="文字方塊 2">
               <a:extLst>
                 <a:ext uri="{FF2B5EF4-FFF2-40B4-BE49-F238E27FC236}">
-                  <a16:creationId xmlns:a16="http://schemas.microsoft.com/office/drawing/2014/main" id="{C6DD3632-E1AE-400D-ADC8-B5628BFEC05D}"/>
+                  <a16:creationId xmlns:a16="http://schemas.microsoft.com/office/drawing/2014/main" id="{BC2E3B80-24A3-1B8E-4CB7-607EB95F8903}"/>
                 </a:ext>
               </a:extLst>
             </p:cNvPr>
-            <p:cNvGrpSpPr/>
-            <p:nvPr/>
-          </p:nvGrpSpPr>
-          <p:grpSpPr>
-            <a:xfrm>
-              <a:off x="6347572" y="1776828"/>
-              <a:ext cx="1092631" cy="1242913"/>
-              <a:chOff x="6167649" y="1769707"/>
-              <a:chExt cx="1092631" cy="1242913"/>
-            </a:xfrm>
-          </p:grpSpPr>
-          <p:sp>
-            <p:nvSpPr>
-              <p:cNvPr id="65" name="文字方塊 64">
-                <a:extLst>
-                  <a:ext uri="{FF2B5EF4-FFF2-40B4-BE49-F238E27FC236}">
-                    <a16:creationId xmlns:a16="http://schemas.microsoft.com/office/drawing/2014/main" id="{41A046A1-46B4-4E1A-8092-F7771EDCF3AF}"/>
-                  </a:ext>
-                </a:extLst>
-              </p:cNvPr>
-              <p:cNvSpPr txBox="1"/>
-              <p:nvPr/>
-            </p:nvSpPr>
-            <p:spPr>
-              <a:xfrm>
-                <a:off x="6416446" y="1769707"/>
-                <a:ext cx="595035" cy="338554"/>
-              </a:xfrm>
-              <a:prstGeom prst="rect">
-                <a:avLst/>
-              </a:prstGeom>
-              <a:noFill/>
-            </p:spPr>
-            <p:txBody>
-              <a:bodyPr wrap="none" rtlCol="0">
-                <a:spAutoFit/>
-              </a:bodyPr>
-              <a:lstStyle/>
-              <a:p>
-                <a:pPr algn="ctr"/>
-                <a:r>
-                  <a:rPr lang="zh-TW" altLang="en-US" sz="1600" b="1" dirty="0">
-                    <a:solidFill>
-                      <a:schemeClr val="accent4"/>
-                    </a:solidFill>
-                  </a:rPr>
-                  <a:t>用戶</a:t>
-                </a:r>
-              </a:p>
-            </p:txBody>
-          </p:sp>
-          <p:sp>
-            <p:nvSpPr>
-              <p:cNvPr id="30" name="六邊形 29">
-                <a:extLst>
-                  <a:ext uri="{FF2B5EF4-FFF2-40B4-BE49-F238E27FC236}">
-                    <a16:creationId xmlns:a16="http://schemas.microsoft.com/office/drawing/2014/main" id="{BD072995-7027-4E8B-A502-DBF65F89FA58}"/>
-                  </a:ext>
-                </a:extLst>
-              </p:cNvPr>
-              <p:cNvSpPr/>
-              <p:nvPr/>
-            </p:nvSpPr>
-            <p:spPr>
-              <a:xfrm>
-                <a:off x="6167649" y="2082240"/>
-                <a:ext cx="1092631" cy="930380"/>
-              </a:xfrm>
-              <a:prstGeom prst="hexagon">
-                <a:avLst/>
-              </a:prstGeom>
-              <a:ln/>
-            </p:spPr>
-            <p:style>
-              <a:lnRef idx="1">
-                <a:schemeClr val="accent4"/>
-              </a:lnRef>
-              <a:fillRef idx="3">
-                <a:schemeClr val="accent4"/>
-              </a:fillRef>
-              <a:effectRef idx="2">
-                <a:schemeClr val="accent4"/>
-              </a:effectRef>
-              <a:fontRef idx="minor">
-                <a:schemeClr val="lt1"/>
-              </a:fontRef>
-            </p:style>
-            <p:txBody>
-              <a:bodyPr rtlCol="0" anchor="ctr"/>
-              <a:lstStyle/>
-              <a:p>
-                <a:pPr algn="ctr"/>
-                <a:r>
-                  <a:rPr lang="zh-TW" altLang="en-US" sz="1300" b="1" dirty="0">
-                    <a:solidFill>
-                      <a:schemeClr val="bg2">
-                        <a:lumMod val="10000"/>
-                      </a:schemeClr>
-                    </a:solidFill>
-                  </a:rPr>
-                  <a:t>選擇第三方登入平台</a:t>
-                </a:r>
-                <a:endParaRPr lang="en-US" altLang="zh-TW" sz="1300" b="1" dirty="0">
-                  <a:solidFill>
-                    <a:schemeClr val="bg2">
-                      <a:lumMod val="10000"/>
-                    </a:schemeClr>
-                  </a:solidFill>
-                </a:endParaRPr>
-              </a:p>
-            </p:txBody>
-          </p:sp>
-        </p:grpSp>
-        <p:sp>
-          <p:nvSpPr>
-            <p:cNvPr id="9" name="箭號: 弧形下彎 8">
-              <a:extLst>
-                <a:ext uri="{FF2B5EF4-FFF2-40B4-BE49-F238E27FC236}">
-                  <a16:creationId xmlns:a16="http://schemas.microsoft.com/office/drawing/2014/main" id="{E24F36AF-9B5C-4A5B-AABF-A2A189695B39}"/>
-                </a:ext>
-              </a:extLst>
-            </p:cNvPr>
-            <p:cNvSpPr/>
+            <p:cNvSpPr txBox="1"/>
             <p:nvPr/>
           </p:nvSpPr>
           <p:spPr>
-            <a:xfrm rot="19803394">
-              <a:off x="2797797" y="1874094"/>
-              <a:ext cx="776447" cy="365549"/>
+            <a:xfrm>
+              <a:off x="7086310" y="1790762"/>
+              <a:ext cx="595035" cy="338554"/>
             </a:xfrm>
-            <a:prstGeom prst="curvedDownArrow">
-              <a:avLst>
-                <a:gd name="adj1" fmla="val 25000"/>
-                <a:gd name="adj2" fmla="val 50000"/>
-                <a:gd name="adj3" fmla="val 37078"/>
-              </a:avLst>
+            <a:prstGeom prst="rect">
+              <a:avLst/>
             </a:prstGeom>
-            <a:solidFill>
-              <a:schemeClr val="bg1"/>
-            </a:solidFill>
-            <a:ln>
-              <a:noFill/>
-            </a:ln>
+            <a:noFill/>
           </p:spPr>
-          <p:style>
-            <a:lnRef idx="1">
-              <a:schemeClr val="accent4"/>
-            </a:lnRef>
-            <a:fillRef idx="3">
-              <a:schemeClr val="accent4"/>
-            </a:fillRef>
-            <a:effectRef idx="2">
-              <a:schemeClr val="accent4"/>
-            </a:effectRef>
-            <a:fontRef idx="minor">
-              <a:schemeClr val="lt1"/>
-            </a:fontRef>
-          </p:style>
           <p:txBody>
-            <a:bodyPr rtlCol="0" anchor="ctr"/>
+            <a:bodyPr wrap="none" rtlCol="0">
+              <a:spAutoFit/>
+            </a:bodyPr>
             <a:lstStyle/>
             <a:p>
               <a:pPr algn="ctr"/>
-              <a:endParaRPr lang="zh-TW" altLang="en-US">
-                <a:solidFill>
-                  <a:srgbClr val="FFFFFF"/>
-                </a:solidFill>
-              </a:endParaRPr>
-            </a:p>
-          </p:txBody>
-        </p:sp>
-        <p:sp>
-          <p:nvSpPr>
-            <p:cNvPr id="11" name="箭號: 弧形上彎 10">
-              <a:extLst>
-                <a:ext uri="{FF2B5EF4-FFF2-40B4-BE49-F238E27FC236}">
-                  <a16:creationId xmlns:a16="http://schemas.microsoft.com/office/drawing/2014/main" id="{DC6950A4-75D5-4965-8654-A6EAA3EC352E}"/>
-                </a:ext>
-              </a:extLst>
-            </p:cNvPr>
-            <p:cNvSpPr/>
-            <p:nvPr/>
-          </p:nvSpPr>
-          <p:spPr>
-            <a:xfrm rot="1603859">
-              <a:off x="4030890" y="2989872"/>
-              <a:ext cx="952775" cy="450233"/>
-            </a:xfrm>
-            <a:prstGeom prst="curvedUpArrow">
-              <a:avLst>
-                <a:gd name="adj1" fmla="val 25000"/>
-                <a:gd name="adj2" fmla="val 57720"/>
-                <a:gd name="adj3" fmla="val 32654"/>
-              </a:avLst>
-            </a:prstGeom>
-            <a:solidFill>
-              <a:schemeClr val="bg1"/>
-            </a:solidFill>
-            <a:ln>
-              <a:noFill/>
-            </a:ln>
-          </p:spPr>
-          <p:style>
-            <a:lnRef idx="1">
-              <a:schemeClr val="accent4"/>
-            </a:lnRef>
-            <a:fillRef idx="3">
-              <a:schemeClr val="accent4"/>
-            </a:fillRef>
-            <a:effectRef idx="2">
-              <a:schemeClr val="accent4"/>
-            </a:effectRef>
-            <a:fontRef idx="minor">
-              <a:schemeClr val="lt1"/>
-            </a:fontRef>
-          </p:style>
-          <p:txBody>
-            <a:bodyPr rtlCol="0" anchor="ctr"/>
-            <a:lstStyle/>
-            <a:p>
-              <a:pPr algn="ctr"/>
-              <a:endParaRPr lang="zh-TW" altLang="en-US">
-                <a:solidFill>
-                  <a:schemeClr val="tx1"/>
-                </a:solidFill>
-              </a:endParaRPr>
-            </a:p>
-          </p:txBody>
-        </p:sp>
-        <p:sp>
-          <p:nvSpPr>
-            <p:cNvPr id="12" name="箭號: 弧形下彎 11">
-              <a:extLst>
-                <a:ext uri="{FF2B5EF4-FFF2-40B4-BE49-F238E27FC236}">
-                  <a16:creationId xmlns:a16="http://schemas.microsoft.com/office/drawing/2014/main" id="{569A6E5A-5509-41DD-A27E-5CEA70EBB66B}"/>
-                </a:ext>
-              </a:extLst>
-            </p:cNvPr>
-            <p:cNvSpPr/>
-            <p:nvPr/>
-          </p:nvSpPr>
-          <p:spPr>
-            <a:xfrm rot="20509776">
-              <a:off x="5593215" y="1729730"/>
-              <a:ext cx="792088" cy="427141"/>
-            </a:xfrm>
-            <a:prstGeom prst="curvedDownArrow">
-              <a:avLst/>
-            </a:prstGeom>
-            <a:solidFill>
-              <a:srgbClr val="FFFFFF"/>
-            </a:solidFill>
-            <a:ln>
-              <a:noFill/>
-            </a:ln>
-          </p:spPr>
-          <p:style>
-            <a:lnRef idx="1">
-              <a:schemeClr val="accent4"/>
-            </a:lnRef>
-            <a:fillRef idx="3">
-              <a:schemeClr val="accent4"/>
-            </a:fillRef>
-            <a:effectRef idx="2">
-              <a:schemeClr val="accent4"/>
-            </a:effectRef>
-            <a:fontRef idx="minor">
-              <a:schemeClr val="lt1"/>
-            </a:fontRef>
-          </p:style>
-          <p:txBody>
-            <a:bodyPr rtlCol="0" anchor="ctr"/>
-            <a:lstStyle/>
-            <a:p>
-              <a:pPr algn="ctr"/>
-              <a:endParaRPr lang="zh-TW" altLang="en-US">
-                <a:solidFill>
-                  <a:schemeClr val="tx1"/>
-                </a:solidFill>
-              </a:endParaRPr>
+              <a:r>
+                <a:rPr lang="zh-TW" altLang="en-US" sz="1600" b="1" dirty="0">
+                  <a:solidFill>
+                    <a:schemeClr val="accent4"/>
+                  </a:solidFill>
+                </a:rPr>
+                <a:t>專案</a:t>
+              </a:r>
             </a:p>
           </p:txBody>
         </p:sp>
@@ -5613,6 +5632,456 @@
       </p:transition>
     </mc:Fallback>
   </mc:AlternateContent>
+  <p:timing>
+    <p:tnLst>
+      <p:par>
+        <p:cTn id="1" dur="indefinite" restart="never" nodeType="tmRoot">
+          <p:childTnLst>
+            <p:seq concurrent="1" nextAc="seek">
+              <p:cTn id="2" dur="indefinite" nodeType="mainSeq">
+                <p:childTnLst>
+                  <p:par>
+                    <p:cTn id="3" fill="hold">
+                      <p:stCondLst>
+                        <p:cond delay="indefinite"/>
+                      </p:stCondLst>
+                      <p:childTnLst>
+                        <p:par>
+                          <p:cTn id="4" fill="hold">
+                            <p:stCondLst>
+                              <p:cond delay="0"/>
+                            </p:stCondLst>
+                            <p:childTnLst>
+                              <p:par>
+                                <p:cTn id="5" presetID="10" presetClass="entr" presetSubtype="0" fill="hold" nodeType="clickEffect">
+                                  <p:stCondLst>
+                                    <p:cond delay="0"/>
+                                  </p:stCondLst>
+                                  <p:childTnLst>
+                                    <p:set>
+                                      <p:cBhvr>
+                                        <p:cTn id="6" dur="1" fill="hold">
+                                          <p:stCondLst>
+                                            <p:cond delay="0"/>
+                                          </p:stCondLst>
+                                        </p:cTn>
+                                        <p:tgtEl>
+                                          <p:spTgt spid="16"/>
+                                        </p:tgtEl>
+                                        <p:attrNameLst>
+                                          <p:attrName>style.visibility</p:attrName>
+                                        </p:attrNameLst>
+                                      </p:cBhvr>
+                                      <p:to>
+                                        <p:strVal val="visible"/>
+                                      </p:to>
+                                    </p:set>
+                                    <p:animEffect transition="in" filter="fade">
+                                      <p:cBhvr>
+                                        <p:cTn id="7" dur="500"/>
+                                        <p:tgtEl>
+                                          <p:spTgt spid="16"/>
+                                        </p:tgtEl>
+                                      </p:cBhvr>
+                                    </p:animEffect>
+                                  </p:childTnLst>
+                                </p:cTn>
+                              </p:par>
+                            </p:childTnLst>
+                          </p:cTn>
+                        </p:par>
+                      </p:childTnLst>
+                    </p:cTn>
+                  </p:par>
+                  <p:par>
+                    <p:cTn id="8" fill="hold">
+                      <p:stCondLst>
+                        <p:cond delay="indefinite"/>
+                      </p:stCondLst>
+                      <p:childTnLst>
+                        <p:par>
+                          <p:cTn id="9" fill="hold">
+                            <p:stCondLst>
+                              <p:cond delay="0"/>
+                            </p:stCondLst>
+                            <p:childTnLst>
+                              <p:par>
+                                <p:cTn id="10" presetID="10" presetClass="entr" presetSubtype="0" fill="hold" grpId="0" nodeType="clickEffect">
+                                  <p:stCondLst>
+                                    <p:cond delay="0"/>
+                                  </p:stCondLst>
+                                  <p:childTnLst>
+                                    <p:set>
+                                      <p:cBhvr>
+                                        <p:cTn id="11" dur="1" fill="hold">
+                                          <p:stCondLst>
+                                            <p:cond delay="0"/>
+                                          </p:stCondLst>
+                                        </p:cTn>
+                                        <p:tgtEl>
+                                          <p:spTgt spid="9"/>
+                                        </p:tgtEl>
+                                        <p:attrNameLst>
+                                          <p:attrName>style.visibility</p:attrName>
+                                        </p:attrNameLst>
+                                      </p:cBhvr>
+                                      <p:to>
+                                        <p:strVal val="visible"/>
+                                      </p:to>
+                                    </p:set>
+                                    <p:animEffect transition="in" filter="fade">
+                                      <p:cBhvr>
+                                        <p:cTn id="12" dur="500"/>
+                                        <p:tgtEl>
+                                          <p:spTgt spid="9"/>
+                                        </p:tgtEl>
+                                      </p:cBhvr>
+                                    </p:animEffect>
+                                  </p:childTnLst>
+                                </p:cTn>
+                              </p:par>
+                            </p:childTnLst>
+                          </p:cTn>
+                        </p:par>
+                      </p:childTnLst>
+                    </p:cTn>
+                  </p:par>
+                  <p:par>
+                    <p:cTn id="13" fill="hold">
+                      <p:stCondLst>
+                        <p:cond delay="indefinite"/>
+                      </p:stCondLst>
+                      <p:childTnLst>
+                        <p:par>
+                          <p:cTn id="14" fill="hold">
+                            <p:stCondLst>
+                              <p:cond delay="0"/>
+                            </p:stCondLst>
+                            <p:childTnLst>
+                              <p:par>
+                                <p:cTn id="15" presetID="10" presetClass="entr" presetSubtype="0" fill="hold" nodeType="clickEffect">
+                                  <p:stCondLst>
+                                    <p:cond delay="0"/>
+                                  </p:stCondLst>
+                                  <p:childTnLst>
+                                    <p:set>
+                                      <p:cBhvr>
+                                        <p:cTn id="16" dur="1" fill="hold">
+                                          <p:stCondLst>
+                                            <p:cond delay="0"/>
+                                          </p:stCondLst>
+                                        </p:cTn>
+                                        <p:tgtEl>
+                                          <p:spTgt spid="15"/>
+                                        </p:tgtEl>
+                                        <p:attrNameLst>
+                                          <p:attrName>style.visibility</p:attrName>
+                                        </p:attrNameLst>
+                                      </p:cBhvr>
+                                      <p:to>
+                                        <p:strVal val="visible"/>
+                                      </p:to>
+                                    </p:set>
+                                    <p:animEffect transition="in" filter="fade">
+                                      <p:cBhvr>
+                                        <p:cTn id="17" dur="500"/>
+                                        <p:tgtEl>
+                                          <p:spTgt spid="15"/>
+                                        </p:tgtEl>
+                                      </p:cBhvr>
+                                    </p:animEffect>
+                                  </p:childTnLst>
+                                </p:cTn>
+                              </p:par>
+                            </p:childTnLst>
+                          </p:cTn>
+                        </p:par>
+                      </p:childTnLst>
+                    </p:cTn>
+                  </p:par>
+                  <p:par>
+                    <p:cTn id="18" fill="hold">
+                      <p:stCondLst>
+                        <p:cond delay="indefinite"/>
+                      </p:stCondLst>
+                      <p:childTnLst>
+                        <p:par>
+                          <p:cTn id="19" fill="hold">
+                            <p:stCondLst>
+                              <p:cond delay="0"/>
+                            </p:stCondLst>
+                            <p:childTnLst>
+                              <p:par>
+                                <p:cTn id="20" presetID="10" presetClass="entr" presetSubtype="0" fill="hold" grpId="0" nodeType="clickEffect">
+                                  <p:stCondLst>
+                                    <p:cond delay="0"/>
+                                  </p:stCondLst>
+                                  <p:childTnLst>
+                                    <p:set>
+                                      <p:cBhvr>
+                                        <p:cTn id="21" dur="1" fill="hold">
+                                          <p:stCondLst>
+                                            <p:cond delay="0"/>
+                                          </p:stCondLst>
+                                        </p:cTn>
+                                        <p:tgtEl>
+                                          <p:spTgt spid="11"/>
+                                        </p:tgtEl>
+                                        <p:attrNameLst>
+                                          <p:attrName>style.visibility</p:attrName>
+                                        </p:attrNameLst>
+                                      </p:cBhvr>
+                                      <p:to>
+                                        <p:strVal val="visible"/>
+                                      </p:to>
+                                    </p:set>
+                                    <p:animEffect transition="in" filter="fade">
+                                      <p:cBhvr>
+                                        <p:cTn id="22" dur="500"/>
+                                        <p:tgtEl>
+                                          <p:spTgt spid="11"/>
+                                        </p:tgtEl>
+                                      </p:cBhvr>
+                                    </p:animEffect>
+                                  </p:childTnLst>
+                                </p:cTn>
+                              </p:par>
+                            </p:childTnLst>
+                          </p:cTn>
+                        </p:par>
+                      </p:childTnLst>
+                    </p:cTn>
+                  </p:par>
+                  <p:par>
+                    <p:cTn id="23" fill="hold">
+                      <p:stCondLst>
+                        <p:cond delay="indefinite"/>
+                      </p:stCondLst>
+                      <p:childTnLst>
+                        <p:par>
+                          <p:cTn id="24" fill="hold">
+                            <p:stCondLst>
+                              <p:cond delay="0"/>
+                            </p:stCondLst>
+                            <p:childTnLst>
+                              <p:par>
+                                <p:cTn id="25" presetID="10" presetClass="entr" presetSubtype="0" fill="hold" nodeType="clickEffect">
+                                  <p:stCondLst>
+                                    <p:cond delay="0"/>
+                                  </p:stCondLst>
+                                  <p:childTnLst>
+                                    <p:set>
+                                      <p:cBhvr>
+                                        <p:cTn id="26" dur="1" fill="hold">
+                                          <p:stCondLst>
+                                            <p:cond delay="0"/>
+                                          </p:stCondLst>
+                                        </p:cTn>
+                                        <p:tgtEl>
+                                          <p:spTgt spid="17"/>
+                                        </p:tgtEl>
+                                        <p:attrNameLst>
+                                          <p:attrName>style.visibility</p:attrName>
+                                        </p:attrNameLst>
+                                      </p:cBhvr>
+                                      <p:to>
+                                        <p:strVal val="visible"/>
+                                      </p:to>
+                                    </p:set>
+                                    <p:animEffect transition="in" filter="fade">
+                                      <p:cBhvr>
+                                        <p:cTn id="27" dur="500"/>
+                                        <p:tgtEl>
+                                          <p:spTgt spid="17"/>
+                                        </p:tgtEl>
+                                      </p:cBhvr>
+                                    </p:animEffect>
+                                  </p:childTnLst>
+                                </p:cTn>
+                              </p:par>
+                            </p:childTnLst>
+                          </p:cTn>
+                        </p:par>
+                      </p:childTnLst>
+                    </p:cTn>
+                  </p:par>
+                  <p:par>
+                    <p:cTn id="28" fill="hold">
+                      <p:stCondLst>
+                        <p:cond delay="indefinite"/>
+                      </p:stCondLst>
+                      <p:childTnLst>
+                        <p:par>
+                          <p:cTn id="29" fill="hold">
+                            <p:stCondLst>
+                              <p:cond delay="0"/>
+                            </p:stCondLst>
+                            <p:childTnLst>
+                              <p:par>
+                                <p:cTn id="30" presetID="10" presetClass="entr" presetSubtype="0" fill="hold" grpId="0" nodeType="clickEffect">
+                                  <p:stCondLst>
+                                    <p:cond delay="0"/>
+                                  </p:stCondLst>
+                                  <p:childTnLst>
+                                    <p:set>
+                                      <p:cBhvr>
+                                        <p:cTn id="31" dur="1" fill="hold">
+                                          <p:stCondLst>
+                                            <p:cond delay="0"/>
+                                          </p:stCondLst>
+                                        </p:cTn>
+                                        <p:tgtEl>
+                                          <p:spTgt spid="12"/>
+                                        </p:tgtEl>
+                                        <p:attrNameLst>
+                                          <p:attrName>style.visibility</p:attrName>
+                                        </p:attrNameLst>
+                                      </p:cBhvr>
+                                      <p:to>
+                                        <p:strVal val="visible"/>
+                                      </p:to>
+                                    </p:set>
+                                    <p:animEffect transition="in" filter="fade">
+                                      <p:cBhvr>
+                                        <p:cTn id="32" dur="500"/>
+                                        <p:tgtEl>
+                                          <p:spTgt spid="12"/>
+                                        </p:tgtEl>
+                                      </p:cBhvr>
+                                    </p:animEffect>
+                                  </p:childTnLst>
+                                </p:cTn>
+                              </p:par>
+                            </p:childTnLst>
+                          </p:cTn>
+                        </p:par>
+                      </p:childTnLst>
+                    </p:cTn>
+                  </p:par>
+                  <p:par>
+                    <p:cTn id="33" fill="hold">
+                      <p:stCondLst>
+                        <p:cond delay="indefinite"/>
+                      </p:stCondLst>
+                      <p:childTnLst>
+                        <p:par>
+                          <p:cTn id="34" fill="hold">
+                            <p:stCondLst>
+                              <p:cond delay="0"/>
+                            </p:stCondLst>
+                            <p:childTnLst>
+                              <p:par>
+                                <p:cTn id="35" presetID="10" presetClass="entr" presetSubtype="0" fill="hold" nodeType="clickEffect">
+                                  <p:stCondLst>
+                                    <p:cond delay="0"/>
+                                  </p:stCondLst>
+                                  <p:childTnLst>
+                                    <p:set>
+                                      <p:cBhvr>
+                                        <p:cTn id="36" dur="1" fill="hold">
+                                          <p:stCondLst>
+                                            <p:cond delay="0"/>
+                                          </p:stCondLst>
+                                        </p:cTn>
+                                        <p:tgtEl>
+                                          <p:spTgt spid="5"/>
+                                        </p:tgtEl>
+                                        <p:attrNameLst>
+                                          <p:attrName>style.visibility</p:attrName>
+                                        </p:attrNameLst>
+                                      </p:cBhvr>
+                                      <p:to>
+                                        <p:strVal val="visible"/>
+                                      </p:to>
+                                    </p:set>
+                                    <p:animEffect transition="in" filter="fade">
+                                      <p:cBhvr>
+                                        <p:cTn id="37" dur="500"/>
+                                        <p:tgtEl>
+                                          <p:spTgt spid="5"/>
+                                        </p:tgtEl>
+                                      </p:cBhvr>
+                                    </p:animEffect>
+                                  </p:childTnLst>
+                                </p:cTn>
+                              </p:par>
+                            </p:childTnLst>
+                          </p:cTn>
+                        </p:par>
+                      </p:childTnLst>
+                    </p:cTn>
+                  </p:par>
+                  <p:par>
+                    <p:cTn id="38" fill="hold">
+                      <p:stCondLst>
+                        <p:cond delay="indefinite"/>
+                      </p:stCondLst>
+                      <p:childTnLst>
+                        <p:par>
+                          <p:cTn id="39" fill="hold">
+                            <p:stCondLst>
+                              <p:cond delay="0"/>
+                            </p:stCondLst>
+                            <p:childTnLst>
+                              <p:par>
+                                <p:cTn id="40" presetID="26" presetClass="emph" presetSubtype="0" fill="hold" nodeType="clickEffect">
+                                  <p:stCondLst>
+                                    <p:cond delay="0"/>
+                                  </p:stCondLst>
+                                  <p:childTnLst>
+                                    <p:animEffect transition="out" filter="fade">
+                                      <p:cBhvr>
+                                        <p:cTn id="41" dur="500" tmFilter="0, 0; .2, .5; .8, .5; 1, 0"/>
+                                        <p:tgtEl>
+                                          <p:spTgt spid="21"/>
+                                        </p:tgtEl>
+                                      </p:cBhvr>
+                                    </p:animEffect>
+                                    <p:animScale>
+                                      <p:cBhvr>
+                                        <p:cTn id="42" dur="250" autoRev="1" fill="hold"/>
+                                        <p:tgtEl>
+                                          <p:spTgt spid="21"/>
+                                        </p:tgtEl>
+                                      </p:cBhvr>
+                                      <p:by x="105000" y="105000"/>
+                                    </p:animScale>
+                                  </p:childTnLst>
+                                </p:cTn>
+                              </p:par>
+                            </p:childTnLst>
+                          </p:cTn>
+                        </p:par>
+                      </p:childTnLst>
+                    </p:cTn>
+                  </p:par>
+                </p:childTnLst>
+              </p:cTn>
+              <p:prevCondLst>
+                <p:cond evt="onPrev" delay="0">
+                  <p:tgtEl>
+                    <p:sldTgt/>
+                  </p:tgtEl>
+                </p:cond>
+              </p:prevCondLst>
+              <p:nextCondLst>
+                <p:cond evt="onNext" delay="0">
+                  <p:tgtEl>
+                    <p:sldTgt/>
+                  </p:tgtEl>
+                </p:cond>
+              </p:nextCondLst>
+            </p:seq>
+          </p:childTnLst>
+        </p:cTn>
+      </p:par>
+    </p:tnLst>
+    <p:bldLst>
+      <p:bldP spid="9" grpId="0" animBg="1"/>
+      <p:bldP spid="11" grpId="0" animBg="1"/>
+      <p:bldP spid="12" grpId="0" animBg="1"/>
+    </p:bldLst>
+  </p:timing>
 </p:sld>
 </file>
 
@@ -5975,1386 +6444,1260 @@
           </a:p>
         </p:txBody>
       </p:sp>
-      <p:grpSp>
-        <p:nvGrpSpPr>
-          <p:cNvPr id="66" name="群組 65">
+      <p:sp>
+        <p:nvSpPr>
+          <p:cNvPr id="8" name="圓角矩形 6">
             <a:extLst>
               <a:ext uri="{FF2B5EF4-FFF2-40B4-BE49-F238E27FC236}">
-                <a16:creationId xmlns:a16="http://schemas.microsoft.com/office/drawing/2014/main" id="{2FF98EEB-C409-448F-B518-D2798171BB22}"/>
+                <a16:creationId xmlns:a16="http://schemas.microsoft.com/office/drawing/2014/main" id="{14AD08DA-D654-6B9E-EA2E-7EA73D9E6347}"/>
               </a:ext>
             </a:extLst>
           </p:cNvPr>
-          <p:cNvGrpSpPr/>
+          <p:cNvSpPr/>
           <p:nvPr/>
-        </p:nvGrpSpPr>
-        <p:grpSpPr>
+        </p:nvSpPr>
+        <p:spPr>
           <a:xfrm>
-            <a:off x="600020" y="1916832"/>
-            <a:ext cx="8673460" cy="2736304"/>
-            <a:chOff x="416496" y="1844824"/>
-            <a:chExt cx="8673460" cy="2736304"/>
+            <a:off x="724932" y="2490136"/>
+            <a:ext cx="1084494" cy="462707"/>
           </a:xfrm>
-        </p:grpSpPr>
-        <p:grpSp>
-          <p:nvGrpSpPr>
-            <p:cNvPr id="45" name="群組 44">
-              <a:extLst>
-                <a:ext uri="{FF2B5EF4-FFF2-40B4-BE49-F238E27FC236}">
-                  <a16:creationId xmlns:a16="http://schemas.microsoft.com/office/drawing/2014/main" id="{023D9BC3-3088-4D0F-3C15-7E2A09A24EE7}"/>
-                </a:ext>
-              </a:extLst>
-            </p:cNvPr>
-            <p:cNvGrpSpPr/>
-            <p:nvPr/>
-          </p:nvGrpSpPr>
-          <p:grpSpPr>
-            <a:xfrm>
-              <a:off x="416496" y="1849513"/>
-              <a:ext cx="8673460" cy="2731615"/>
-              <a:chOff x="633873" y="3462752"/>
-              <a:chExt cx="8673460" cy="2731615"/>
-            </a:xfrm>
-          </p:grpSpPr>
-          <p:grpSp>
-            <p:nvGrpSpPr>
-              <p:cNvPr id="7" name="群組 6">
-                <a:extLst>
-                  <a:ext uri="{FF2B5EF4-FFF2-40B4-BE49-F238E27FC236}">
-                    <a16:creationId xmlns:a16="http://schemas.microsoft.com/office/drawing/2014/main" id="{377997E2-E71B-BF7E-2FB2-AB7CDAD305FD}"/>
-                  </a:ext>
-                </a:extLst>
-              </p:cNvPr>
-              <p:cNvGrpSpPr/>
-              <p:nvPr/>
-            </p:nvGrpSpPr>
-            <p:grpSpPr>
-              <a:xfrm>
-                <a:off x="633873" y="3462752"/>
-                <a:ext cx="8673460" cy="2731615"/>
-                <a:chOff x="664124" y="1446497"/>
-                <a:chExt cx="8673460" cy="2731615"/>
-              </a:xfrm>
-            </p:grpSpPr>
-            <p:sp>
-              <p:nvSpPr>
-                <p:cNvPr id="8" name="圓角矩形 6">
-                  <a:extLst>
-                    <a:ext uri="{FF2B5EF4-FFF2-40B4-BE49-F238E27FC236}">
-                      <a16:creationId xmlns:a16="http://schemas.microsoft.com/office/drawing/2014/main" id="{14AD08DA-D654-6B9E-EA2E-7EA73D9E6347}"/>
-                    </a:ext>
-                  </a:extLst>
-                </p:cNvPr>
-                <p:cNvSpPr/>
-                <p:nvPr/>
-              </p:nvSpPr>
-              <p:spPr>
-                <a:xfrm>
-                  <a:off x="789036" y="2015112"/>
-                  <a:ext cx="1084494" cy="462707"/>
-                </a:xfrm>
-                <a:prstGeom prst="roundRect">
-                  <a:avLst/>
-                </a:prstGeom>
-                <a:ln/>
-              </p:spPr>
-              <p:style>
-                <a:lnRef idx="1">
-                  <a:schemeClr val="accent4"/>
-                </a:lnRef>
-                <a:fillRef idx="3">
-                  <a:schemeClr val="accent4"/>
-                </a:fillRef>
-                <a:effectRef idx="2">
-                  <a:schemeClr val="accent4"/>
-                </a:effectRef>
-                <a:fontRef idx="minor">
-                  <a:schemeClr val="lt1"/>
-                </a:fontRef>
-              </p:style>
-              <p:txBody>
-                <a:bodyPr rtlCol="0" anchor="ctr"/>
-                <a:lstStyle/>
-                <a:p>
-                  <a:pPr algn="ctr"/>
-                  <a:r>
-                    <a:rPr lang="zh-TW" altLang="en-US" sz="1400" b="1" dirty="0">
-                      <a:solidFill>
-                        <a:srgbClr val="292929"/>
-                      </a:solidFill>
-                    </a:rPr>
-                    <a:t>進入</a:t>
-                  </a:r>
-                  <a:endParaRPr lang="en-US" altLang="zh-TW" sz="1400" b="1" dirty="0">
-                    <a:solidFill>
-                      <a:srgbClr val="292929"/>
-                    </a:solidFill>
-                  </a:endParaRPr>
-                </a:p>
-                <a:p>
-                  <a:pPr algn="ctr"/>
-                  <a:r>
-                    <a:rPr lang="zh-TW" altLang="en-US" sz="1400" b="1" dirty="0">
-                      <a:solidFill>
-                        <a:srgbClr val="292929"/>
-                      </a:solidFill>
-                    </a:rPr>
-                    <a:t>特定網頁</a:t>
-                  </a:r>
-                </a:p>
-              </p:txBody>
-            </p:sp>
-            <p:sp>
-              <p:nvSpPr>
-                <p:cNvPr id="9" name="圓角矩形 10">
-                  <a:extLst>
-                    <a:ext uri="{FF2B5EF4-FFF2-40B4-BE49-F238E27FC236}">
-                      <a16:creationId xmlns:a16="http://schemas.microsoft.com/office/drawing/2014/main" id="{BB756B9E-90E7-020E-8C38-27A2705A6DE7}"/>
-                    </a:ext>
-                  </a:extLst>
-                </p:cNvPr>
-                <p:cNvSpPr/>
-                <p:nvPr/>
-              </p:nvSpPr>
-              <p:spPr>
-                <a:xfrm>
-                  <a:off x="664124" y="1842265"/>
-                  <a:ext cx="1334320" cy="2335847"/>
-                </a:xfrm>
-                <a:prstGeom prst="roundRect">
-                  <a:avLst/>
-                </a:prstGeom>
-                <a:noFill/>
-                <a:ln w="28575"/>
-              </p:spPr>
-              <p:style>
-                <a:lnRef idx="1">
-                  <a:schemeClr val="accent4"/>
-                </a:lnRef>
-                <a:fillRef idx="3">
-                  <a:schemeClr val="accent4"/>
-                </a:fillRef>
-                <a:effectRef idx="2">
-                  <a:schemeClr val="accent4"/>
-                </a:effectRef>
-                <a:fontRef idx="minor">
-                  <a:schemeClr val="lt1"/>
-                </a:fontRef>
-              </p:style>
-              <p:txBody>
-                <a:bodyPr rtlCol="0" anchor="ctr"/>
-                <a:lstStyle/>
-                <a:p>
-                  <a:pPr algn="ctr"/>
-                  <a:endParaRPr lang="zh-TW" altLang="en-US"/>
-                </a:p>
-              </p:txBody>
-            </p:sp>
-            <p:sp>
-              <p:nvSpPr>
-                <p:cNvPr id="10" name="文字方塊 9">
-                  <a:extLst>
-                    <a:ext uri="{FF2B5EF4-FFF2-40B4-BE49-F238E27FC236}">
-                      <a16:creationId xmlns:a16="http://schemas.microsoft.com/office/drawing/2014/main" id="{45ABB2E4-4640-E47A-EBEC-D7E0C8128EF5}"/>
-                    </a:ext>
-                  </a:extLst>
-                </p:cNvPr>
-                <p:cNvSpPr txBox="1"/>
-                <p:nvPr/>
-              </p:nvSpPr>
-              <p:spPr>
-                <a:xfrm>
-                  <a:off x="1012760" y="1456742"/>
-                  <a:ext cx="595035" cy="338554"/>
-                </a:xfrm>
-                <a:prstGeom prst="rect">
-                  <a:avLst/>
-                </a:prstGeom>
-                <a:noFill/>
-              </p:spPr>
-              <p:txBody>
-                <a:bodyPr wrap="none" rtlCol="0">
-                  <a:spAutoFit/>
-                </a:bodyPr>
-                <a:lstStyle/>
-                <a:p>
-                  <a:pPr algn="ctr"/>
-                  <a:r>
-                    <a:rPr lang="zh-TW" altLang="en-US" sz="1600" dirty="0">
-                      <a:solidFill>
-                        <a:schemeClr val="accent4"/>
-                      </a:solidFill>
-                    </a:rPr>
-                    <a:t>前端</a:t>
-                  </a:r>
-                </a:p>
-              </p:txBody>
-            </p:sp>
-            <p:grpSp>
-              <p:nvGrpSpPr>
-                <p:cNvPr id="13" name="群組 12">
-                  <a:extLst>
-                    <a:ext uri="{FF2B5EF4-FFF2-40B4-BE49-F238E27FC236}">
-                      <a16:creationId xmlns:a16="http://schemas.microsoft.com/office/drawing/2014/main" id="{0ED49524-5EF0-4196-0E78-FE83F118EEE4}"/>
-                    </a:ext>
-                  </a:extLst>
-                </p:cNvPr>
-                <p:cNvGrpSpPr/>
-                <p:nvPr/>
-              </p:nvGrpSpPr>
-              <p:grpSpPr>
-                <a:xfrm>
-                  <a:off x="1873530" y="1448100"/>
-                  <a:ext cx="4316334" cy="2038864"/>
-                  <a:chOff x="1873530" y="1448100"/>
-                  <a:chExt cx="4316334" cy="2038864"/>
-                </a:xfrm>
-              </p:grpSpPr>
-              <p:sp>
-                <p:nvSpPr>
-                  <p:cNvPr id="38" name="圓角矩形 15">
-                    <a:extLst>
-                      <a:ext uri="{FF2B5EF4-FFF2-40B4-BE49-F238E27FC236}">
-                        <a16:creationId xmlns:a16="http://schemas.microsoft.com/office/drawing/2014/main" id="{1EC68EA7-99CA-47E6-637B-01B3BD074708}"/>
-                      </a:ext>
-                    </a:extLst>
-                  </p:cNvPr>
-                  <p:cNvSpPr/>
-                  <p:nvPr/>
-                </p:nvSpPr>
-                <p:spPr>
-                  <a:xfrm>
-                    <a:off x="4198626" y="1839551"/>
-                    <a:ext cx="1991238" cy="1647413"/>
-                  </a:xfrm>
-                  <a:prstGeom prst="roundRect">
-                    <a:avLst/>
-                  </a:prstGeom>
-                  <a:noFill/>
-                  <a:ln w="28575"/>
-                </p:spPr>
-                <p:style>
-                  <a:lnRef idx="1">
-                    <a:schemeClr val="accent4"/>
-                  </a:lnRef>
-                  <a:fillRef idx="3">
-                    <a:schemeClr val="accent4"/>
-                  </a:fillRef>
-                  <a:effectRef idx="2">
-                    <a:schemeClr val="accent4"/>
-                  </a:effectRef>
-                  <a:fontRef idx="minor">
-                    <a:schemeClr val="lt1"/>
-                  </a:fontRef>
-                </p:style>
-                <p:txBody>
-                  <a:bodyPr rtlCol="0" anchor="ctr"/>
-                  <a:lstStyle/>
-                  <a:p>
-                    <a:pPr algn="ctr"/>
-                    <a:endParaRPr lang="zh-TW" altLang="en-US"/>
-                  </a:p>
-                </p:txBody>
-              </p:sp>
-              <p:sp>
-                <p:nvSpPr>
-                  <p:cNvPr id="39" name="文字方塊 38">
-                    <a:extLst>
-                      <a:ext uri="{FF2B5EF4-FFF2-40B4-BE49-F238E27FC236}">
-                        <a16:creationId xmlns:a16="http://schemas.microsoft.com/office/drawing/2014/main" id="{77437901-5BF2-27EE-DAD2-DCEAE24AF0F6}"/>
-                      </a:ext>
-                    </a:extLst>
-                  </p:cNvPr>
-                  <p:cNvSpPr txBox="1"/>
-                  <p:nvPr/>
-                </p:nvSpPr>
-                <p:spPr>
-                  <a:xfrm>
-                    <a:off x="5063545" y="1448100"/>
-                    <a:ext cx="184730" cy="338554"/>
-                  </a:xfrm>
-                  <a:prstGeom prst="rect">
-                    <a:avLst/>
-                  </a:prstGeom>
-                  <a:noFill/>
-                </p:spPr>
-                <p:txBody>
-                  <a:bodyPr wrap="none" rtlCol="0">
-                    <a:spAutoFit/>
-                  </a:bodyPr>
-                  <a:lstStyle/>
-                  <a:p>
-                    <a:pPr algn="ctr"/>
-                    <a:endParaRPr lang="zh-TW" altLang="en-US" sz="1600" dirty="0">
-                      <a:solidFill>
-                        <a:schemeClr val="accent4"/>
-                      </a:solidFill>
-                    </a:endParaRPr>
-                  </a:p>
-                </p:txBody>
-              </p:sp>
-              <p:sp>
-                <p:nvSpPr>
-                  <p:cNvPr id="40" name="圓角矩形 14">
-                    <a:extLst>
-                      <a:ext uri="{FF2B5EF4-FFF2-40B4-BE49-F238E27FC236}">
-                        <a16:creationId xmlns:a16="http://schemas.microsoft.com/office/drawing/2014/main" id="{ECA3E8DB-0858-2211-E9CF-BA263EE49619}"/>
-                      </a:ext>
-                    </a:extLst>
-                  </p:cNvPr>
-                  <p:cNvSpPr/>
-                  <p:nvPr/>
-                </p:nvSpPr>
-                <p:spPr>
-                  <a:xfrm>
-                    <a:off x="4431436" y="2017527"/>
-                    <a:ext cx="1553697" cy="462707"/>
-                  </a:xfrm>
-                  <a:prstGeom prst="roundRect">
-                    <a:avLst/>
-                  </a:prstGeom>
-                  <a:ln/>
-                </p:spPr>
-                <p:style>
-                  <a:lnRef idx="1">
-                    <a:schemeClr val="accent4"/>
-                  </a:lnRef>
-                  <a:fillRef idx="3">
-                    <a:schemeClr val="accent4"/>
-                  </a:fillRef>
-                  <a:effectRef idx="2">
-                    <a:schemeClr val="accent4"/>
-                  </a:effectRef>
-                  <a:fontRef idx="minor">
-                    <a:schemeClr val="lt1"/>
-                  </a:fontRef>
-                </p:style>
-                <p:txBody>
-                  <a:bodyPr rtlCol="0" anchor="ctr"/>
-                  <a:lstStyle/>
-                  <a:p>
-                    <a:pPr algn="ctr"/>
-                    <a:r>
-                      <a:rPr lang="zh-TW" altLang="en-US" sz="1400" b="1" dirty="0">
-                        <a:solidFill>
-                          <a:srgbClr val="292929"/>
-                        </a:solidFill>
-                      </a:rPr>
-                      <a:t>檢查</a:t>
-                    </a:r>
-                    <a:r>
-                      <a:rPr lang="en-US" altLang="zh-TW" sz="1400" b="1" dirty="0">
-                        <a:solidFill>
-                          <a:srgbClr val="292929"/>
-                        </a:solidFill>
-                      </a:rPr>
-                      <a:t>UID</a:t>
-                    </a:r>
-                    <a:endParaRPr lang="zh-TW" altLang="en-US" sz="1400" b="1" dirty="0">
-                      <a:solidFill>
-                        <a:srgbClr val="292929"/>
-                      </a:solidFill>
-                    </a:endParaRPr>
-                  </a:p>
-                </p:txBody>
-              </p:sp>
-              <p:cxnSp>
-                <p:nvCxnSpPr>
-                  <p:cNvPr id="41" name="直線單箭頭接點 40">
-                    <a:extLst>
-                      <a:ext uri="{FF2B5EF4-FFF2-40B4-BE49-F238E27FC236}">
-                        <a16:creationId xmlns:a16="http://schemas.microsoft.com/office/drawing/2014/main" id="{94C9C7CE-7D1A-1B49-656E-3DA74DFF14A4}"/>
-                      </a:ext>
-                    </a:extLst>
-                  </p:cNvPr>
-                  <p:cNvCxnSpPr>
-                    <a:cxnSpLocks/>
-                    <a:stCxn id="8" idx="3"/>
-                    <a:endCxn id="40" idx="1"/>
-                  </p:cNvCxnSpPr>
-                  <p:nvPr/>
-                </p:nvCxnSpPr>
-                <p:spPr>
-                  <a:xfrm>
-                    <a:off x="1873530" y="2246466"/>
-                    <a:ext cx="2557906" cy="2415"/>
-                  </a:xfrm>
-                  <a:prstGeom prst="straightConnector1">
-                    <a:avLst/>
-                  </a:prstGeom>
-                  <a:ln w="38100">
-                    <a:tailEnd type="triangle"/>
-                  </a:ln>
-                </p:spPr>
-                <p:style>
-                  <a:lnRef idx="1">
-                    <a:schemeClr val="accent1"/>
-                  </a:lnRef>
-                  <a:fillRef idx="0">
-                    <a:schemeClr val="accent1"/>
-                  </a:fillRef>
-                  <a:effectRef idx="0">
-                    <a:schemeClr val="accent1"/>
-                  </a:effectRef>
-                  <a:fontRef idx="minor">
-                    <a:schemeClr val="tx1"/>
-                  </a:fontRef>
-                </p:style>
-              </p:cxnSp>
-              <p:sp>
-                <p:nvSpPr>
-                  <p:cNvPr id="42" name="文字方塊 41">
-                    <a:extLst>
-                      <a:ext uri="{FF2B5EF4-FFF2-40B4-BE49-F238E27FC236}">
-                        <a16:creationId xmlns:a16="http://schemas.microsoft.com/office/drawing/2014/main" id="{6A9CBB23-3253-C9A2-D394-BD1DBB1DE136}"/>
-                      </a:ext>
-                    </a:extLst>
-                  </p:cNvPr>
-                  <p:cNvSpPr txBox="1"/>
-                  <p:nvPr/>
-                </p:nvSpPr>
-                <p:spPr>
-                  <a:xfrm>
-                    <a:off x="2354336" y="1822278"/>
-                    <a:ext cx="1539203" cy="338554"/>
-                  </a:xfrm>
-                  <a:prstGeom prst="rect">
-                    <a:avLst/>
-                  </a:prstGeom>
-                  <a:noFill/>
-                </p:spPr>
-                <p:txBody>
-                  <a:bodyPr wrap="none" rtlCol="0">
-                    <a:spAutoFit/>
-                  </a:bodyPr>
-                  <a:lstStyle/>
-                  <a:p>
-                    <a:pPr algn="ctr"/>
-                    <a:r>
-                      <a:rPr lang="zh-TW" altLang="en-US" sz="1600" dirty="0">
-                        <a:solidFill>
-                          <a:schemeClr val="accent1"/>
-                        </a:solidFill>
-                      </a:rPr>
-                      <a:t>傳送</a:t>
-                    </a:r>
-                    <a:r>
-                      <a:rPr lang="en-US" altLang="zh-TW" sz="1600" dirty="0">
-                        <a:solidFill>
-                          <a:schemeClr val="accent1"/>
-                        </a:solidFill>
-                      </a:rPr>
-                      <a:t>HTTP</a:t>
-                    </a:r>
-                    <a:r>
-                      <a:rPr lang="zh-TW" altLang="en-US" sz="1600" dirty="0">
-                        <a:solidFill>
-                          <a:schemeClr val="accent1"/>
-                        </a:solidFill>
-                      </a:rPr>
-                      <a:t>請求</a:t>
-                    </a:r>
-                  </a:p>
-                </p:txBody>
-              </p:sp>
-            </p:grpSp>
-            <p:grpSp>
-              <p:nvGrpSpPr>
-                <p:cNvPr id="17" name="群組 16">
-                  <a:extLst>
-                    <a:ext uri="{FF2B5EF4-FFF2-40B4-BE49-F238E27FC236}">
-                      <a16:creationId xmlns:a16="http://schemas.microsoft.com/office/drawing/2014/main" id="{A30F1A3B-C542-601F-8F53-FF33B306F386}"/>
-                    </a:ext>
-                  </a:extLst>
-                </p:cNvPr>
-                <p:cNvGrpSpPr/>
-                <p:nvPr/>
-              </p:nvGrpSpPr>
-              <p:grpSpPr>
-                <a:xfrm>
-                  <a:off x="6217943" y="1446497"/>
-                  <a:ext cx="3119641" cy="2731615"/>
-                  <a:chOff x="6217943" y="1446497"/>
-                  <a:chExt cx="3119641" cy="2731615"/>
-                </a:xfrm>
-              </p:grpSpPr>
-              <p:sp>
-                <p:nvSpPr>
-                  <p:cNvPr id="32" name="圓角矩形 33">
-                    <a:extLst>
-                      <a:ext uri="{FF2B5EF4-FFF2-40B4-BE49-F238E27FC236}">
-                        <a16:creationId xmlns:a16="http://schemas.microsoft.com/office/drawing/2014/main" id="{2867DC83-C664-D705-87E2-1C574B7145B7}"/>
-                      </a:ext>
-                    </a:extLst>
-                  </p:cNvPr>
-                  <p:cNvSpPr/>
-                  <p:nvPr/>
-                </p:nvSpPr>
-                <p:spPr>
-                  <a:xfrm>
-                    <a:off x="7948500" y="2724973"/>
-                    <a:ext cx="1343076" cy="652650"/>
-                  </a:xfrm>
-                  <a:prstGeom prst="roundRect">
-                    <a:avLst/>
-                  </a:prstGeom>
-                  <a:ln/>
-                </p:spPr>
-                <p:style>
-                  <a:lnRef idx="1">
-                    <a:schemeClr val="accent4"/>
-                  </a:lnRef>
-                  <a:fillRef idx="3">
-                    <a:schemeClr val="accent4"/>
-                  </a:fillRef>
-                  <a:effectRef idx="2">
-                    <a:schemeClr val="accent4"/>
-                  </a:effectRef>
-                  <a:fontRef idx="minor">
-                    <a:schemeClr val="lt1"/>
-                  </a:fontRef>
-                </p:style>
-                <p:txBody>
-                  <a:bodyPr rtlCol="0" anchor="ctr"/>
-                  <a:lstStyle/>
-                  <a:p>
-                    <a:pPr algn="ctr"/>
-                    <a:r>
-                      <a:rPr lang="zh-TW" altLang="en-US" sz="1400" b="1" dirty="0">
-                        <a:solidFill>
-                          <a:schemeClr val="bg2">
-                            <a:lumMod val="10000"/>
-                          </a:schemeClr>
-                        </a:solidFill>
-                      </a:rPr>
-                      <a:t>系統回應</a:t>
-                    </a:r>
-                  </a:p>
-                </p:txBody>
-              </p:sp>
-              <p:sp>
-                <p:nvSpPr>
-                  <p:cNvPr id="34" name="圓角矩形 34">
-                    <a:extLst>
-                      <a:ext uri="{FF2B5EF4-FFF2-40B4-BE49-F238E27FC236}">
-                        <a16:creationId xmlns:a16="http://schemas.microsoft.com/office/drawing/2014/main" id="{ADE90763-907E-C486-2721-5C5BF3129CEE}"/>
-                      </a:ext>
-                    </a:extLst>
-                  </p:cNvPr>
-                  <p:cNvSpPr/>
-                  <p:nvPr/>
-                </p:nvSpPr>
-                <p:spPr>
-                  <a:xfrm>
-                    <a:off x="7902492" y="1884518"/>
-                    <a:ext cx="1435092" cy="2293594"/>
-                  </a:xfrm>
-                  <a:prstGeom prst="roundRect">
-                    <a:avLst/>
-                  </a:prstGeom>
-                  <a:noFill/>
-                  <a:ln w="28575"/>
-                </p:spPr>
-                <p:style>
-                  <a:lnRef idx="1">
-                    <a:schemeClr val="accent4"/>
-                  </a:lnRef>
-                  <a:fillRef idx="3">
-                    <a:schemeClr val="accent4"/>
-                  </a:fillRef>
-                  <a:effectRef idx="2">
-                    <a:schemeClr val="accent4"/>
-                  </a:effectRef>
-                  <a:fontRef idx="minor">
-                    <a:schemeClr val="lt1"/>
-                  </a:fontRef>
-                </p:style>
-                <p:txBody>
-                  <a:bodyPr rtlCol="0" anchor="ctr"/>
-                  <a:lstStyle/>
-                  <a:p>
-                    <a:pPr algn="ctr"/>
-                    <a:endParaRPr lang="zh-TW" altLang="en-US" sz="1600"/>
-                  </a:p>
-                </p:txBody>
-              </p:sp>
-              <p:sp>
-                <p:nvSpPr>
-                  <p:cNvPr id="35" name="文字方塊 34">
-                    <a:extLst>
-                      <a:ext uri="{FF2B5EF4-FFF2-40B4-BE49-F238E27FC236}">
-                        <a16:creationId xmlns:a16="http://schemas.microsoft.com/office/drawing/2014/main" id="{DC841DE1-C3B8-5EF4-1BEA-79034DDF172A}"/>
-                      </a:ext>
-                    </a:extLst>
-                  </p:cNvPr>
-                  <p:cNvSpPr txBox="1"/>
-                  <p:nvPr/>
-                </p:nvSpPr>
-                <p:spPr>
-                  <a:xfrm>
-                    <a:off x="8114035" y="1446497"/>
-                    <a:ext cx="1005403" cy="338554"/>
-                  </a:xfrm>
-                  <a:prstGeom prst="rect">
-                    <a:avLst/>
-                  </a:prstGeom>
-                  <a:noFill/>
-                </p:spPr>
-                <p:txBody>
-                  <a:bodyPr wrap="none" rtlCol="0">
-                    <a:spAutoFit/>
-                  </a:bodyPr>
-                  <a:lstStyle/>
-                  <a:p>
-                    <a:pPr algn="ctr"/>
-                    <a:r>
-                      <a:rPr lang="zh-TW" altLang="en-US" sz="1600" dirty="0">
-                        <a:solidFill>
-                          <a:schemeClr val="accent4"/>
-                        </a:solidFill>
-                      </a:rPr>
-                      <a:t>伺服器端</a:t>
-                    </a:r>
-                  </a:p>
-                </p:txBody>
-              </p:sp>
-              <p:sp>
-                <p:nvSpPr>
-                  <p:cNvPr id="37" name="文字方塊 36">
-                    <a:extLst>
-                      <a:ext uri="{FF2B5EF4-FFF2-40B4-BE49-F238E27FC236}">
-                        <a16:creationId xmlns:a16="http://schemas.microsoft.com/office/drawing/2014/main" id="{66AD0919-4633-AF79-1B62-6FD91A93E6C0}"/>
-                      </a:ext>
-                    </a:extLst>
-                  </p:cNvPr>
-                  <p:cNvSpPr txBox="1"/>
-                  <p:nvPr/>
-                </p:nvSpPr>
-                <p:spPr>
-                  <a:xfrm>
-                    <a:off x="6217943" y="1837490"/>
-                    <a:ext cx="184731" cy="369332"/>
-                  </a:xfrm>
-                  <a:prstGeom prst="rect">
-                    <a:avLst/>
-                  </a:prstGeom>
-                  <a:noFill/>
-                </p:spPr>
-                <p:txBody>
-                  <a:bodyPr wrap="none" rtlCol="0">
-                    <a:spAutoFit/>
-                  </a:bodyPr>
-                  <a:lstStyle/>
-                  <a:p>
-                    <a:endParaRPr lang="zh-TW" altLang="en-US" dirty="0">
-                      <a:solidFill>
-                        <a:schemeClr val="bg1"/>
-                      </a:solidFill>
-                    </a:endParaRPr>
-                  </a:p>
-                </p:txBody>
-              </p:sp>
-            </p:grpSp>
-            <p:sp>
-              <p:nvSpPr>
-                <p:cNvPr id="29" name="圓角矩形 60">
-                  <a:extLst>
-                    <a:ext uri="{FF2B5EF4-FFF2-40B4-BE49-F238E27FC236}">
-                      <a16:creationId xmlns:a16="http://schemas.microsoft.com/office/drawing/2014/main" id="{EF1D494D-F13A-2E1F-E342-E577C7E7F0C9}"/>
-                    </a:ext>
-                  </a:extLst>
-                </p:cNvPr>
-                <p:cNvSpPr/>
-                <p:nvPr/>
-              </p:nvSpPr>
-              <p:spPr>
-                <a:xfrm>
-                  <a:off x="4311257" y="2884435"/>
-                  <a:ext cx="828251" cy="333726"/>
-                </a:xfrm>
-                <a:prstGeom prst="roundRect">
-                  <a:avLst/>
-                </a:prstGeom>
-                <a:ln/>
-              </p:spPr>
-              <p:style>
-                <a:lnRef idx="1">
-                  <a:schemeClr val="accent4"/>
-                </a:lnRef>
-                <a:fillRef idx="3">
-                  <a:schemeClr val="accent4"/>
-                </a:fillRef>
-                <a:effectRef idx="2">
-                  <a:schemeClr val="accent4"/>
-                </a:effectRef>
-                <a:fontRef idx="minor">
-                  <a:schemeClr val="lt1"/>
-                </a:fontRef>
-              </p:style>
-              <p:txBody>
-                <a:bodyPr rtlCol="0" anchor="ctr"/>
-                <a:lstStyle/>
-                <a:p>
-                  <a:pPr algn="ctr"/>
-                  <a:r>
-                    <a:rPr lang="en-US" altLang="zh-TW" sz="1400" b="1" dirty="0">
-                      <a:solidFill>
-                        <a:srgbClr val="292929"/>
-                      </a:solidFill>
-                    </a:rPr>
-                    <a:t>False</a:t>
-                  </a:r>
-                  <a:endParaRPr lang="zh-TW" altLang="en-US" sz="1400" b="1" dirty="0">
-                    <a:solidFill>
-                      <a:srgbClr val="292929"/>
-                    </a:solidFill>
-                  </a:endParaRPr>
-                </a:p>
-              </p:txBody>
-            </p:sp>
-            <p:grpSp>
-              <p:nvGrpSpPr>
-                <p:cNvPr id="19" name="群組 18">
-                  <a:extLst>
-                    <a:ext uri="{FF2B5EF4-FFF2-40B4-BE49-F238E27FC236}">
-                      <a16:creationId xmlns:a16="http://schemas.microsoft.com/office/drawing/2014/main" id="{E42DD1E4-6912-F673-D88D-1AF51173FD10}"/>
-                    </a:ext>
-                  </a:extLst>
-                </p:cNvPr>
-                <p:cNvGrpSpPr/>
-                <p:nvPr/>
-              </p:nvGrpSpPr>
-              <p:grpSpPr>
-                <a:xfrm>
-                  <a:off x="747517" y="2828100"/>
-                  <a:ext cx="3563740" cy="462707"/>
-                  <a:chOff x="747517" y="2828100"/>
-                  <a:chExt cx="3563740" cy="462707"/>
-                </a:xfrm>
-              </p:grpSpPr>
-              <p:sp>
-                <p:nvSpPr>
-                  <p:cNvPr id="21" name="圓角矩形 117">
-                    <a:extLst>
-                      <a:ext uri="{FF2B5EF4-FFF2-40B4-BE49-F238E27FC236}">
-                        <a16:creationId xmlns:a16="http://schemas.microsoft.com/office/drawing/2014/main" id="{B638F6E1-0AC5-33F7-AC3A-0B88D410A69E}"/>
-                      </a:ext>
-                    </a:extLst>
-                  </p:cNvPr>
-                  <p:cNvSpPr/>
-                  <p:nvPr/>
-                </p:nvSpPr>
-                <p:spPr>
-                  <a:xfrm>
-                    <a:off x="747517" y="2828100"/>
-                    <a:ext cx="1167533" cy="462707"/>
-                  </a:xfrm>
-                  <a:prstGeom prst="roundRect">
-                    <a:avLst/>
-                  </a:prstGeom>
-                  <a:ln/>
-                </p:spPr>
-                <p:style>
-                  <a:lnRef idx="1">
-                    <a:schemeClr val="accent4"/>
-                  </a:lnRef>
-                  <a:fillRef idx="3">
-                    <a:schemeClr val="accent4"/>
-                  </a:fillRef>
-                  <a:effectRef idx="2">
-                    <a:schemeClr val="accent4"/>
-                  </a:effectRef>
-                  <a:fontRef idx="minor">
-                    <a:schemeClr val="lt1"/>
-                  </a:fontRef>
-                </p:style>
-                <p:txBody>
-                  <a:bodyPr rtlCol="0" anchor="ctr"/>
-                  <a:lstStyle/>
-                  <a:p>
-                    <a:pPr algn="ctr"/>
-                    <a:r>
-                      <a:rPr lang="zh-TW" altLang="en-US" sz="1400" b="1" dirty="0">
-                        <a:solidFill>
-                          <a:srgbClr val="FF0000"/>
-                        </a:solidFill>
-                      </a:rPr>
-                      <a:t>跳轉至</a:t>
-                    </a:r>
-                    <a:endParaRPr lang="en-US" altLang="zh-TW" sz="1400" b="1" dirty="0">
-                      <a:solidFill>
-                        <a:srgbClr val="FF0000"/>
-                      </a:solidFill>
-                    </a:endParaRPr>
-                  </a:p>
-                  <a:p>
-                    <a:pPr algn="ctr"/>
-                    <a:r>
-                      <a:rPr lang="zh-TW" altLang="en-US" sz="1400" b="1" dirty="0">
-                        <a:solidFill>
-                          <a:srgbClr val="FF0000"/>
-                        </a:solidFill>
-                      </a:rPr>
-                      <a:t>登入畫面</a:t>
-                    </a:r>
-                  </a:p>
-                </p:txBody>
-              </p:sp>
-              <p:cxnSp>
-                <p:nvCxnSpPr>
-                  <p:cNvPr id="25" name="直線單箭頭接點 24">
-                    <a:extLst>
-                      <a:ext uri="{FF2B5EF4-FFF2-40B4-BE49-F238E27FC236}">
-                        <a16:creationId xmlns:a16="http://schemas.microsoft.com/office/drawing/2014/main" id="{759F9858-5100-2337-25E1-5149A0CA60AA}"/>
-                      </a:ext>
-                    </a:extLst>
-                  </p:cNvPr>
-                  <p:cNvCxnSpPr>
-                    <a:cxnSpLocks/>
-                    <a:stCxn id="21" idx="3"/>
-                    <a:endCxn id="29" idx="1"/>
-                  </p:cNvCxnSpPr>
-                  <p:nvPr/>
-                </p:nvCxnSpPr>
-                <p:spPr>
-                  <a:xfrm flipV="1">
-                    <a:off x="1915050" y="3051298"/>
-                    <a:ext cx="2396207" cy="8156"/>
-                  </a:xfrm>
-                  <a:prstGeom prst="straightConnector1">
-                    <a:avLst/>
-                  </a:prstGeom>
-                  <a:ln w="38100">
-                    <a:headEnd type="triangle" w="med" len="med"/>
-                    <a:tailEnd type="none" w="med" len="med"/>
-                  </a:ln>
-                </p:spPr>
-                <p:style>
-                  <a:lnRef idx="1">
-                    <a:schemeClr val="accent1"/>
-                  </a:lnRef>
-                  <a:fillRef idx="0">
-                    <a:schemeClr val="accent1"/>
-                  </a:fillRef>
-                  <a:effectRef idx="0">
-                    <a:schemeClr val="accent1"/>
-                  </a:effectRef>
-                  <a:fontRef idx="minor">
-                    <a:schemeClr val="tx1"/>
-                  </a:fontRef>
-                </p:style>
-              </p:cxnSp>
-            </p:grpSp>
-          </p:grpSp>
-          <p:sp>
-            <p:nvSpPr>
-              <p:cNvPr id="44" name="文字方塊 43">
-                <a:extLst>
-                  <a:ext uri="{FF2B5EF4-FFF2-40B4-BE49-F238E27FC236}">
-                    <a16:creationId xmlns:a16="http://schemas.microsoft.com/office/drawing/2014/main" id="{775C819C-0FE4-2A98-459C-739C60B8755E}"/>
-                  </a:ext>
-                </a:extLst>
-              </p:cNvPr>
-              <p:cNvSpPr txBox="1"/>
-              <p:nvPr/>
-            </p:nvSpPr>
-            <p:spPr>
-              <a:xfrm>
-                <a:off x="6903900" y="3833572"/>
-                <a:ext cx="184730" cy="338554"/>
-              </a:xfrm>
-              <a:prstGeom prst="rect">
-                <a:avLst/>
-              </a:prstGeom>
-              <a:noFill/>
-            </p:spPr>
-            <p:txBody>
-              <a:bodyPr wrap="none" rtlCol="0">
-                <a:spAutoFit/>
-              </a:bodyPr>
-              <a:lstStyle/>
-              <a:p>
-                <a:pPr algn="ctr"/>
-                <a:endParaRPr lang="en-US" altLang="zh-TW" sz="1600" dirty="0">
-                  <a:solidFill>
-                    <a:schemeClr val="accent1"/>
-                  </a:solidFill>
-                </a:endParaRPr>
-              </a:p>
-            </p:txBody>
-          </p:sp>
-        </p:grpSp>
-        <p:sp>
-          <p:nvSpPr>
-            <p:cNvPr id="43" name="文字方塊 42">
-              <a:extLst>
-                <a:ext uri="{FF2B5EF4-FFF2-40B4-BE49-F238E27FC236}">
-                  <a16:creationId xmlns:a16="http://schemas.microsoft.com/office/drawing/2014/main" id="{CD3C1BD0-A49A-4028-A543-60F265EB90EF}"/>
-                </a:ext>
-              </a:extLst>
-            </p:cNvPr>
-            <p:cNvSpPr txBox="1"/>
-            <p:nvPr/>
-          </p:nvSpPr>
-          <p:spPr>
-            <a:xfrm>
-              <a:off x="4546507" y="1844824"/>
-              <a:ext cx="800219" cy="338554"/>
-            </a:xfrm>
-            <a:prstGeom prst="rect">
-              <a:avLst/>
-            </a:prstGeom>
-            <a:noFill/>
-          </p:spPr>
-          <p:txBody>
-            <a:bodyPr wrap="none" rtlCol="0">
-              <a:spAutoFit/>
-            </a:bodyPr>
-            <a:lstStyle/>
-            <a:p>
-              <a:pPr algn="ctr"/>
-              <a:r>
-                <a:rPr lang="zh-TW" altLang="en-US" sz="1600" dirty="0">
-                  <a:solidFill>
-                    <a:schemeClr val="accent4"/>
-                  </a:solidFill>
-                </a:rPr>
-                <a:t>攔截器</a:t>
-              </a:r>
-            </a:p>
-          </p:txBody>
-        </p:sp>
-        <p:sp>
-          <p:nvSpPr>
-            <p:cNvPr id="46" name="圓角矩形 60">
-              <a:extLst>
-                <a:ext uri="{FF2B5EF4-FFF2-40B4-BE49-F238E27FC236}">
-                  <a16:creationId xmlns:a16="http://schemas.microsoft.com/office/drawing/2014/main" id="{676E1831-5407-4040-8510-4A4AADAC5CD1}"/>
-                </a:ext>
-              </a:extLst>
-            </p:cNvPr>
-            <p:cNvSpPr/>
-            <p:nvPr/>
-          </p:nvSpPr>
-          <p:spPr>
-            <a:xfrm>
-              <a:off x="5039937" y="3287451"/>
-              <a:ext cx="828251" cy="333726"/>
-            </a:xfrm>
-            <a:prstGeom prst="roundRect">
-              <a:avLst/>
-            </a:prstGeom>
-            <a:ln/>
-          </p:spPr>
-          <p:style>
-            <a:lnRef idx="1">
-              <a:schemeClr val="accent4"/>
-            </a:lnRef>
-            <a:fillRef idx="3">
-              <a:schemeClr val="accent4"/>
-            </a:fillRef>
-            <a:effectRef idx="2">
-              <a:schemeClr val="accent4"/>
-            </a:effectRef>
-            <a:fontRef idx="minor">
-              <a:schemeClr val="lt1"/>
-            </a:fontRef>
-          </p:style>
-          <p:txBody>
-            <a:bodyPr rtlCol="0" anchor="ctr"/>
-            <a:lstStyle/>
-            <a:p>
-              <a:pPr algn="ctr"/>
-              <a:r>
-                <a:rPr lang="en-US" altLang="zh-TW" sz="1400" b="1" dirty="0">
-                  <a:solidFill>
-                    <a:srgbClr val="292929"/>
-                  </a:solidFill>
-                </a:rPr>
-                <a:t>True</a:t>
-              </a:r>
-              <a:endParaRPr lang="zh-TW" altLang="en-US" sz="1400" b="1" dirty="0">
+          <a:prstGeom prst="roundRect">
+            <a:avLst/>
+          </a:prstGeom>
+          <a:ln/>
+        </p:spPr>
+        <p:style>
+          <a:lnRef idx="1">
+            <a:schemeClr val="accent4"/>
+          </a:lnRef>
+          <a:fillRef idx="3">
+            <a:schemeClr val="accent4"/>
+          </a:fillRef>
+          <a:effectRef idx="2">
+            <a:schemeClr val="accent4"/>
+          </a:effectRef>
+          <a:fontRef idx="minor">
+            <a:schemeClr val="lt1"/>
+          </a:fontRef>
+        </p:style>
+        <p:txBody>
+          <a:bodyPr rtlCol="0" anchor="ctr"/>
+          <a:lstStyle/>
+          <a:p>
+            <a:pPr algn="ctr"/>
+            <a:r>
+              <a:rPr lang="zh-TW" altLang="en-US" sz="1400" b="1" dirty="0">
                 <a:solidFill>
                   <a:srgbClr val="292929"/>
                 </a:solidFill>
-              </a:endParaRPr>
-            </a:p>
-          </p:txBody>
-        </p:sp>
-        <p:cxnSp>
-          <p:nvCxnSpPr>
-            <p:cNvPr id="12" name="直線單箭頭接點 11">
-              <a:extLst>
-                <a:ext uri="{FF2B5EF4-FFF2-40B4-BE49-F238E27FC236}">
-                  <a16:creationId xmlns:a16="http://schemas.microsoft.com/office/drawing/2014/main" id="{F81ED37A-923B-480C-A052-B6A0AB664F7D}"/>
-                </a:ext>
-              </a:extLst>
-            </p:cNvPr>
-            <p:cNvCxnSpPr>
-              <a:stCxn id="40" idx="2"/>
-              <a:endCxn id="29" idx="0"/>
-            </p:cNvCxnSpPr>
-            <p:nvPr/>
-          </p:nvCxnSpPr>
-          <p:spPr>
-            <a:xfrm flipH="1">
-              <a:off x="4477755" y="2883250"/>
-              <a:ext cx="482902" cy="404201"/>
-            </a:xfrm>
-            <a:prstGeom prst="straightConnector1">
-              <a:avLst/>
-            </a:prstGeom>
-            <a:ln w="38100">
-              <a:tailEnd type="triangle"/>
-            </a:ln>
-          </p:spPr>
-          <p:style>
-            <a:lnRef idx="1">
-              <a:schemeClr val="accent1"/>
-            </a:lnRef>
-            <a:fillRef idx="0">
-              <a:schemeClr val="accent1"/>
-            </a:fillRef>
-            <a:effectRef idx="0">
-              <a:schemeClr val="accent1"/>
-            </a:effectRef>
-            <a:fontRef idx="minor">
-              <a:schemeClr val="tx1"/>
-            </a:fontRef>
-          </p:style>
-        </p:cxnSp>
-        <p:cxnSp>
-          <p:nvCxnSpPr>
-            <p:cNvPr id="15" name="直線單箭頭接點 14">
-              <a:extLst>
-                <a:ext uri="{FF2B5EF4-FFF2-40B4-BE49-F238E27FC236}">
-                  <a16:creationId xmlns:a16="http://schemas.microsoft.com/office/drawing/2014/main" id="{A1F428E4-7FA1-4F4B-B618-9C14E62661F5}"/>
-                </a:ext>
-              </a:extLst>
-            </p:cNvPr>
-            <p:cNvCxnSpPr>
-              <a:stCxn id="40" idx="2"/>
-              <a:endCxn id="46" idx="0"/>
-            </p:cNvCxnSpPr>
-            <p:nvPr/>
-          </p:nvCxnSpPr>
-          <p:spPr>
-            <a:xfrm>
-              <a:off x="4960657" y="2883250"/>
-              <a:ext cx="493406" cy="404201"/>
-            </a:xfrm>
-            <a:prstGeom prst="straightConnector1">
-              <a:avLst/>
-            </a:prstGeom>
-            <a:ln w="38100">
-              <a:tailEnd type="triangle"/>
-            </a:ln>
-          </p:spPr>
-          <p:style>
-            <a:lnRef idx="1">
-              <a:schemeClr val="accent1"/>
-            </a:lnRef>
-            <a:fillRef idx="0">
-              <a:schemeClr val="accent1"/>
-            </a:fillRef>
-            <a:effectRef idx="0">
-              <a:schemeClr val="accent1"/>
-            </a:effectRef>
-            <a:fontRef idx="minor">
-              <a:schemeClr val="tx1"/>
-            </a:fontRef>
-          </p:style>
-        </p:cxnSp>
-        <p:cxnSp>
-          <p:nvCxnSpPr>
-            <p:cNvPr id="50" name="直線單箭頭接點 49">
-              <a:extLst>
-                <a:ext uri="{FF2B5EF4-FFF2-40B4-BE49-F238E27FC236}">
-                  <a16:creationId xmlns:a16="http://schemas.microsoft.com/office/drawing/2014/main" id="{93B97194-EFF2-40B2-BBA9-4E98C691ED52}"/>
-                </a:ext>
-              </a:extLst>
-            </p:cNvPr>
-            <p:cNvCxnSpPr>
-              <a:cxnSpLocks/>
-              <a:stCxn id="46" idx="3"/>
-              <a:endCxn id="32" idx="1"/>
-            </p:cNvCxnSpPr>
-            <p:nvPr/>
-          </p:nvCxnSpPr>
-          <p:spPr>
-            <a:xfrm>
-              <a:off x="5868188" y="3454314"/>
-              <a:ext cx="1832684" cy="0"/>
-            </a:xfrm>
-            <a:prstGeom prst="straightConnector1">
-              <a:avLst/>
-            </a:prstGeom>
-            <a:ln w="38100">
-              <a:tailEnd type="triangle"/>
-            </a:ln>
-          </p:spPr>
-          <p:style>
-            <a:lnRef idx="1">
-              <a:schemeClr val="accent1"/>
-            </a:lnRef>
-            <a:fillRef idx="0">
-              <a:schemeClr val="accent1"/>
-            </a:fillRef>
-            <a:effectRef idx="0">
-              <a:schemeClr val="accent1"/>
-            </a:effectRef>
-            <a:fontRef idx="minor">
-              <a:schemeClr val="tx1"/>
-            </a:fontRef>
-          </p:style>
-        </p:cxnSp>
-        <p:sp>
-          <p:nvSpPr>
-            <p:cNvPr id="54" name="文字方塊 53">
-              <a:extLst>
-                <a:ext uri="{FF2B5EF4-FFF2-40B4-BE49-F238E27FC236}">
-                  <a16:creationId xmlns:a16="http://schemas.microsoft.com/office/drawing/2014/main" id="{D21CBE87-FFE7-4CBD-AEFB-545A77283BAF}"/>
-                </a:ext>
-              </a:extLst>
-            </p:cNvPr>
-            <p:cNvSpPr txBox="1"/>
-            <p:nvPr/>
-          </p:nvSpPr>
-          <p:spPr>
-            <a:xfrm>
-              <a:off x="6053294" y="3541237"/>
-              <a:ext cx="1477072" cy="338554"/>
-            </a:xfrm>
-            <a:prstGeom prst="rect">
-              <a:avLst/>
-            </a:prstGeom>
-            <a:noFill/>
-          </p:spPr>
-          <p:txBody>
-            <a:bodyPr wrap="none" rtlCol="0">
-              <a:spAutoFit/>
-            </a:bodyPr>
-            <a:lstStyle/>
-            <a:p>
-              <a:pPr algn="ctr"/>
-              <a:r>
-                <a:rPr lang="en-US" altLang="zh-TW" sz="1600" dirty="0">
-                  <a:solidFill>
-                    <a:schemeClr val="accent1"/>
-                  </a:solidFill>
-                </a:rPr>
-                <a:t>True:</a:t>
-              </a:r>
-              <a:r>
-                <a:rPr lang="zh-TW" altLang="en-US" sz="1600" dirty="0">
-                  <a:solidFill>
-                    <a:schemeClr val="accent1"/>
-                  </a:solidFill>
-                </a:rPr>
-                <a:t>發送請求</a:t>
-              </a:r>
-            </a:p>
-          </p:txBody>
-        </p:sp>
-        <p:sp>
-          <p:nvSpPr>
-            <p:cNvPr id="59" name="文字方塊 58">
-              <a:extLst>
-                <a:ext uri="{FF2B5EF4-FFF2-40B4-BE49-F238E27FC236}">
-                  <a16:creationId xmlns:a16="http://schemas.microsoft.com/office/drawing/2014/main" id="{734EDD54-BF4F-4DEF-BDB9-A692EB3E8BFF}"/>
-                </a:ext>
-              </a:extLst>
-            </p:cNvPr>
-            <p:cNvSpPr txBox="1"/>
-            <p:nvPr/>
-          </p:nvSpPr>
-          <p:spPr>
-            <a:xfrm>
-              <a:off x="2085376" y="3551425"/>
-              <a:ext cx="1563249" cy="338554"/>
-            </a:xfrm>
-            <a:prstGeom prst="rect">
-              <a:avLst/>
-            </a:prstGeom>
-            <a:noFill/>
-          </p:spPr>
-          <p:txBody>
-            <a:bodyPr wrap="none" rtlCol="0">
-              <a:spAutoFit/>
-            </a:bodyPr>
-            <a:lstStyle/>
-            <a:p>
-              <a:pPr algn="ctr"/>
-              <a:r>
-                <a:rPr lang="en-US" altLang="zh-TW" sz="1600" dirty="0">
-                  <a:solidFill>
-                    <a:schemeClr val="accent1"/>
-                  </a:solidFill>
-                </a:rPr>
-                <a:t>False:</a:t>
-              </a:r>
-              <a:r>
-                <a:rPr lang="zh-TW" altLang="en-US" sz="1600" dirty="0">
-                  <a:solidFill>
-                    <a:schemeClr val="accent1"/>
-                  </a:solidFill>
-                </a:rPr>
-                <a:t>終止請求</a:t>
-              </a:r>
-            </a:p>
-          </p:txBody>
-        </p:sp>
-        <p:sp>
-          <p:nvSpPr>
-            <p:cNvPr id="60" name="圓角矩形 6">
-              <a:extLst>
-                <a:ext uri="{FF2B5EF4-FFF2-40B4-BE49-F238E27FC236}">
-                  <a16:creationId xmlns:a16="http://schemas.microsoft.com/office/drawing/2014/main" id="{0A642A46-9BE0-4ADF-B680-724908885393}"/>
-                </a:ext>
-              </a:extLst>
-            </p:cNvPr>
-            <p:cNvSpPr/>
-            <p:nvPr/>
-          </p:nvSpPr>
-          <p:spPr>
-            <a:xfrm>
-              <a:off x="541408" y="3935363"/>
-              <a:ext cx="1084494" cy="462707"/>
-            </a:xfrm>
-            <a:prstGeom prst="roundRect">
-              <a:avLst/>
-            </a:prstGeom>
-            <a:ln/>
-          </p:spPr>
-          <p:style>
-            <a:lnRef idx="1">
-              <a:schemeClr val="accent4"/>
-            </a:lnRef>
-            <a:fillRef idx="3">
-              <a:schemeClr val="accent4"/>
-            </a:fillRef>
-            <a:effectRef idx="2">
-              <a:schemeClr val="accent4"/>
-            </a:effectRef>
-            <a:fontRef idx="minor">
-              <a:schemeClr val="lt1"/>
-            </a:fontRef>
-          </p:style>
-          <p:txBody>
-            <a:bodyPr rtlCol="0" anchor="ctr"/>
-            <a:lstStyle/>
-            <a:p>
-              <a:pPr algn="ctr"/>
-              <a:r>
-                <a:rPr lang="zh-TW" altLang="en-US" sz="1400" b="1" dirty="0">
-                  <a:solidFill>
-                    <a:srgbClr val="292929"/>
-                  </a:solidFill>
-                </a:rPr>
-                <a:t>回到</a:t>
-              </a:r>
-              <a:endParaRPr lang="en-US" altLang="zh-TW" sz="1400" b="1" dirty="0">
+              </a:rPr>
+              <a:t>進入</a:t>
+            </a:r>
+            <a:endParaRPr lang="en-US" altLang="zh-TW" sz="1400" b="1" dirty="0">
+              <a:solidFill>
+                <a:srgbClr val="292929"/>
+              </a:solidFill>
+            </a:endParaRPr>
+          </a:p>
+          <a:p>
+            <a:pPr algn="ctr"/>
+            <a:r>
+              <a:rPr lang="zh-TW" altLang="en-US" sz="1400" b="1" dirty="0">
                 <a:solidFill>
                   <a:srgbClr val="292929"/>
                 </a:solidFill>
-              </a:endParaRPr>
-            </a:p>
-            <a:p>
-              <a:pPr algn="ctr"/>
-              <a:r>
-                <a:rPr lang="zh-TW" altLang="en-US" sz="1400" b="1" dirty="0">
-                  <a:solidFill>
-                    <a:srgbClr val="292929"/>
-                  </a:solidFill>
-                </a:rPr>
-                <a:t>特定網頁</a:t>
-              </a:r>
-            </a:p>
-          </p:txBody>
-        </p:sp>
-        <p:cxnSp>
-          <p:nvCxnSpPr>
-            <p:cNvPr id="62" name="接點: 肘形 61">
-              <a:extLst>
-                <a:ext uri="{FF2B5EF4-FFF2-40B4-BE49-F238E27FC236}">
-                  <a16:creationId xmlns:a16="http://schemas.microsoft.com/office/drawing/2014/main" id="{4577FDEE-95C3-4B61-8958-AEF18AFB6C32}"/>
-                </a:ext>
-              </a:extLst>
-            </p:cNvPr>
-            <p:cNvCxnSpPr>
-              <a:cxnSpLocks/>
-              <a:stCxn id="32" idx="2"/>
-              <a:endCxn id="60" idx="3"/>
-            </p:cNvCxnSpPr>
-            <p:nvPr/>
-          </p:nvCxnSpPr>
-          <p:spPr>
-            <a:xfrm rot="5400000">
-              <a:off x="4806117" y="600424"/>
-              <a:ext cx="386078" cy="6746508"/>
-            </a:xfrm>
-            <a:prstGeom prst="bentConnector2">
-              <a:avLst/>
-            </a:prstGeom>
-            <a:ln w="38100">
-              <a:tailEnd type="triangle"/>
-            </a:ln>
-          </p:spPr>
-          <p:style>
-            <a:lnRef idx="1">
-              <a:schemeClr val="accent1"/>
-            </a:lnRef>
-            <a:fillRef idx="0">
-              <a:schemeClr val="accent1"/>
-            </a:fillRef>
-            <a:effectRef idx="0">
-              <a:schemeClr val="accent1"/>
-            </a:effectRef>
-            <a:fontRef idx="minor">
-              <a:schemeClr val="tx1"/>
-            </a:fontRef>
-          </p:style>
-        </p:cxnSp>
-        <p:sp>
-          <p:nvSpPr>
-            <p:cNvPr id="64" name="文字方塊 63">
-              <a:extLst>
-                <a:ext uri="{FF2B5EF4-FFF2-40B4-BE49-F238E27FC236}">
-                  <a16:creationId xmlns:a16="http://schemas.microsoft.com/office/drawing/2014/main" id="{929FE290-8A8A-4547-8820-D0CC486D21C9}"/>
-                </a:ext>
-              </a:extLst>
-            </p:cNvPr>
-            <p:cNvSpPr txBox="1"/>
-            <p:nvPr/>
-          </p:nvSpPr>
-          <p:spPr>
-            <a:xfrm>
-              <a:off x="4496454" y="4236842"/>
-              <a:ext cx="1005403" cy="338554"/>
-            </a:xfrm>
-            <a:prstGeom prst="rect">
-              <a:avLst/>
-            </a:prstGeom>
-            <a:noFill/>
-          </p:spPr>
-          <p:txBody>
-            <a:bodyPr wrap="none" rtlCol="0">
-              <a:spAutoFit/>
-            </a:bodyPr>
-            <a:lstStyle/>
-            <a:p>
-              <a:pPr algn="ctr"/>
-              <a:r>
-                <a:rPr lang="zh-TW" altLang="en-US" sz="1600" b="1" dirty="0">
-                  <a:solidFill>
-                    <a:srgbClr val="FFFFFF"/>
-                  </a:solidFill>
-                </a:rPr>
-                <a:t>返回頁面</a:t>
-              </a:r>
-            </a:p>
-          </p:txBody>
-        </p:sp>
-      </p:grpSp>
+              </a:rPr>
+              <a:t>特定網頁</a:t>
+            </a:r>
+          </a:p>
+        </p:txBody>
+      </p:sp>
+      <p:sp>
+        <p:nvSpPr>
+          <p:cNvPr id="9" name="圓角矩形 10">
+            <a:extLst>
+              <a:ext uri="{FF2B5EF4-FFF2-40B4-BE49-F238E27FC236}">
+                <a16:creationId xmlns:a16="http://schemas.microsoft.com/office/drawing/2014/main" id="{BB756B9E-90E7-020E-8C38-27A2705A6DE7}"/>
+              </a:ext>
+            </a:extLst>
+          </p:cNvPr>
+          <p:cNvSpPr/>
+          <p:nvPr/>
+        </p:nvSpPr>
+        <p:spPr>
+          <a:xfrm>
+            <a:off x="600020" y="2317289"/>
+            <a:ext cx="1334320" cy="2335847"/>
+          </a:xfrm>
+          <a:prstGeom prst="roundRect">
+            <a:avLst/>
+          </a:prstGeom>
+          <a:noFill/>
+          <a:ln w="28575"/>
+        </p:spPr>
+        <p:style>
+          <a:lnRef idx="1">
+            <a:schemeClr val="accent4"/>
+          </a:lnRef>
+          <a:fillRef idx="3">
+            <a:schemeClr val="accent4"/>
+          </a:fillRef>
+          <a:effectRef idx="2">
+            <a:schemeClr val="accent4"/>
+          </a:effectRef>
+          <a:fontRef idx="minor">
+            <a:schemeClr val="lt1"/>
+          </a:fontRef>
+        </p:style>
+        <p:txBody>
+          <a:bodyPr rtlCol="0" anchor="ctr"/>
+          <a:lstStyle/>
+          <a:p>
+            <a:pPr algn="ctr"/>
+            <a:endParaRPr lang="zh-TW" altLang="en-US"/>
+          </a:p>
+        </p:txBody>
+      </p:sp>
+      <p:sp>
+        <p:nvSpPr>
+          <p:cNvPr id="10" name="文字方塊 9">
+            <a:extLst>
+              <a:ext uri="{FF2B5EF4-FFF2-40B4-BE49-F238E27FC236}">
+                <a16:creationId xmlns:a16="http://schemas.microsoft.com/office/drawing/2014/main" id="{45ABB2E4-4640-E47A-EBEC-D7E0C8128EF5}"/>
+              </a:ext>
+            </a:extLst>
+          </p:cNvPr>
+          <p:cNvSpPr txBox="1"/>
+          <p:nvPr/>
+        </p:nvSpPr>
+        <p:spPr>
+          <a:xfrm>
+            <a:off x="948656" y="1931766"/>
+            <a:ext cx="595035" cy="338554"/>
+          </a:xfrm>
+          <a:prstGeom prst="rect">
+            <a:avLst/>
+          </a:prstGeom>
+          <a:noFill/>
+        </p:spPr>
+        <p:txBody>
+          <a:bodyPr wrap="none" rtlCol="0">
+            <a:spAutoFit/>
+          </a:bodyPr>
+          <a:lstStyle/>
+          <a:p>
+            <a:pPr algn="ctr"/>
+            <a:r>
+              <a:rPr lang="zh-TW" altLang="en-US" sz="1600" dirty="0">
+                <a:solidFill>
+                  <a:schemeClr val="accent4"/>
+                </a:solidFill>
+              </a:rPr>
+              <a:t>前端</a:t>
+            </a:r>
+          </a:p>
+        </p:txBody>
+      </p:sp>
+      <p:sp>
+        <p:nvSpPr>
+          <p:cNvPr id="38" name="圓角矩形 15">
+            <a:extLst>
+              <a:ext uri="{FF2B5EF4-FFF2-40B4-BE49-F238E27FC236}">
+                <a16:creationId xmlns:a16="http://schemas.microsoft.com/office/drawing/2014/main" id="{1EC68EA7-99CA-47E6-637B-01B3BD074708}"/>
+              </a:ext>
+            </a:extLst>
+          </p:cNvPr>
+          <p:cNvSpPr/>
+          <p:nvPr/>
+        </p:nvSpPr>
+        <p:spPr>
+          <a:xfrm>
+            <a:off x="4134522" y="2314575"/>
+            <a:ext cx="1991238" cy="1647413"/>
+          </a:xfrm>
+          <a:prstGeom prst="roundRect">
+            <a:avLst/>
+          </a:prstGeom>
+          <a:noFill/>
+          <a:ln w="28575"/>
+        </p:spPr>
+        <p:style>
+          <a:lnRef idx="1">
+            <a:schemeClr val="accent4"/>
+          </a:lnRef>
+          <a:fillRef idx="3">
+            <a:schemeClr val="accent4"/>
+          </a:fillRef>
+          <a:effectRef idx="2">
+            <a:schemeClr val="accent4"/>
+          </a:effectRef>
+          <a:fontRef idx="minor">
+            <a:schemeClr val="lt1"/>
+          </a:fontRef>
+        </p:style>
+        <p:txBody>
+          <a:bodyPr rtlCol="0" anchor="ctr"/>
+          <a:lstStyle/>
+          <a:p>
+            <a:pPr algn="ctr"/>
+            <a:endParaRPr lang="zh-TW" altLang="en-US"/>
+          </a:p>
+        </p:txBody>
+      </p:sp>
+      <p:sp>
+        <p:nvSpPr>
+          <p:cNvPr id="39" name="文字方塊 38">
+            <a:extLst>
+              <a:ext uri="{FF2B5EF4-FFF2-40B4-BE49-F238E27FC236}">
+                <a16:creationId xmlns:a16="http://schemas.microsoft.com/office/drawing/2014/main" id="{77437901-5BF2-27EE-DAD2-DCEAE24AF0F6}"/>
+              </a:ext>
+            </a:extLst>
+          </p:cNvPr>
+          <p:cNvSpPr txBox="1"/>
+          <p:nvPr/>
+        </p:nvSpPr>
+        <p:spPr>
+          <a:xfrm>
+            <a:off x="4999441" y="1923124"/>
+            <a:ext cx="184730" cy="338554"/>
+          </a:xfrm>
+          <a:prstGeom prst="rect">
+            <a:avLst/>
+          </a:prstGeom>
+          <a:noFill/>
+        </p:spPr>
+        <p:txBody>
+          <a:bodyPr wrap="none" rtlCol="0">
+            <a:spAutoFit/>
+          </a:bodyPr>
+          <a:lstStyle/>
+          <a:p>
+            <a:pPr algn="ctr"/>
+            <a:endParaRPr lang="zh-TW" altLang="en-US" sz="1600" dirty="0">
+              <a:solidFill>
+                <a:schemeClr val="accent4"/>
+              </a:solidFill>
+            </a:endParaRPr>
+          </a:p>
+        </p:txBody>
+      </p:sp>
+      <p:sp>
+        <p:nvSpPr>
+          <p:cNvPr id="40" name="圓角矩形 14">
+            <a:extLst>
+              <a:ext uri="{FF2B5EF4-FFF2-40B4-BE49-F238E27FC236}">
+                <a16:creationId xmlns:a16="http://schemas.microsoft.com/office/drawing/2014/main" id="{ECA3E8DB-0858-2211-E9CF-BA263EE49619}"/>
+              </a:ext>
+            </a:extLst>
+          </p:cNvPr>
+          <p:cNvSpPr/>
+          <p:nvPr/>
+        </p:nvSpPr>
+        <p:spPr>
+          <a:xfrm>
+            <a:off x="4367332" y="2492551"/>
+            <a:ext cx="1553697" cy="462707"/>
+          </a:xfrm>
+          <a:prstGeom prst="roundRect">
+            <a:avLst/>
+          </a:prstGeom>
+          <a:ln/>
+        </p:spPr>
+        <p:style>
+          <a:lnRef idx="1">
+            <a:schemeClr val="accent4"/>
+          </a:lnRef>
+          <a:fillRef idx="3">
+            <a:schemeClr val="accent4"/>
+          </a:fillRef>
+          <a:effectRef idx="2">
+            <a:schemeClr val="accent4"/>
+          </a:effectRef>
+          <a:fontRef idx="minor">
+            <a:schemeClr val="lt1"/>
+          </a:fontRef>
+        </p:style>
+        <p:txBody>
+          <a:bodyPr rtlCol="0" anchor="ctr"/>
+          <a:lstStyle/>
+          <a:p>
+            <a:pPr algn="ctr"/>
+            <a:r>
+              <a:rPr lang="zh-TW" altLang="en-US" sz="1400" b="1" dirty="0">
+                <a:solidFill>
+                  <a:srgbClr val="292929"/>
+                </a:solidFill>
+              </a:rPr>
+              <a:t>檢查</a:t>
+            </a:r>
+            <a:r>
+              <a:rPr lang="en-US" altLang="zh-TW" sz="1400" b="1" dirty="0">
+                <a:solidFill>
+                  <a:srgbClr val="292929"/>
+                </a:solidFill>
+              </a:rPr>
+              <a:t>UID</a:t>
+            </a:r>
+            <a:endParaRPr lang="zh-TW" altLang="en-US" sz="1400" b="1" dirty="0">
+              <a:solidFill>
+                <a:srgbClr val="292929"/>
+              </a:solidFill>
+            </a:endParaRPr>
+          </a:p>
+        </p:txBody>
+      </p:sp>
+      <p:cxnSp>
+        <p:nvCxnSpPr>
+          <p:cNvPr id="41" name="直線單箭頭接點 40">
+            <a:extLst>
+              <a:ext uri="{FF2B5EF4-FFF2-40B4-BE49-F238E27FC236}">
+                <a16:creationId xmlns:a16="http://schemas.microsoft.com/office/drawing/2014/main" id="{94C9C7CE-7D1A-1B49-656E-3DA74DFF14A4}"/>
+              </a:ext>
+            </a:extLst>
+          </p:cNvPr>
+          <p:cNvCxnSpPr>
+            <a:cxnSpLocks/>
+            <a:stCxn id="8" idx="3"/>
+            <a:endCxn id="40" idx="1"/>
+          </p:cNvCxnSpPr>
+          <p:nvPr/>
+        </p:nvCxnSpPr>
+        <p:spPr>
+          <a:xfrm>
+            <a:off x="1809426" y="2721490"/>
+            <a:ext cx="2557906" cy="2415"/>
+          </a:xfrm>
+          <a:prstGeom prst="straightConnector1">
+            <a:avLst/>
+          </a:prstGeom>
+          <a:ln w="38100">
+            <a:tailEnd type="triangle"/>
+          </a:ln>
+        </p:spPr>
+        <p:style>
+          <a:lnRef idx="1">
+            <a:schemeClr val="accent1"/>
+          </a:lnRef>
+          <a:fillRef idx="0">
+            <a:schemeClr val="accent1"/>
+          </a:fillRef>
+          <a:effectRef idx="0">
+            <a:schemeClr val="accent1"/>
+          </a:effectRef>
+          <a:fontRef idx="minor">
+            <a:schemeClr val="tx1"/>
+          </a:fontRef>
+        </p:style>
+      </p:cxnSp>
+      <p:sp>
+        <p:nvSpPr>
+          <p:cNvPr id="42" name="文字方塊 41">
+            <a:extLst>
+              <a:ext uri="{FF2B5EF4-FFF2-40B4-BE49-F238E27FC236}">
+                <a16:creationId xmlns:a16="http://schemas.microsoft.com/office/drawing/2014/main" id="{6A9CBB23-3253-C9A2-D394-BD1DBB1DE136}"/>
+              </a:ext>
+            </a:extLst>
+          </p:cNvPr>
+          <p:cNvSpPr txBox="1"/>
+          <p:nvPr/>
+        </p:nvSpPr>
+        <p:spPr>
+          <a:xfrm>
+            <a:off x="2290232" y="2297302"/>
+            <a:ext cx="1539203" cy="338554"/>
+          </a:xfrm>
+          <a:prstGeom prst="rect">
+            <a:avLst/>
+          </a:prstGeom>
+          <a:noFill/>
+        </p:spPr>
+        <p:txBody>
+          <a:bodyPr wrap="none" rtlCol="0">
+            <a:spAutoFit/>
+          </a:bodyPr>
+          <a:lstStyle/>
+          <a:p>
+            <a:pPr algn="ctr"/>
+            <a:r>
+              <a:rPr lang="zh-TW" altLang="en-US" sz="1600" dirty="0">
+                <a:solidFill>
+                  <a:schemeClr val="accent1"/>
+                </a:solidFill>
+              </a:rPr>
+              <a:t>傳送</a:t>
+            </a:r>
+            <a:r>
+              <a:rPr lang="en-US" altLang="zh-TW" sz="1600" dirty="0">
+                <a:solidFill>
+                  <a:schemeClr val="accent1"/>
+                </a:solidFill>
+              </a:rPr>
+              <a:t>HTTP</a:t>
+            </a:r>
+            <a:r>
+              <a:rPr lang="zh-TW" altLang="en-US" sz="1600" dirty="0">
+                <a:solidFill>
+                  <a:schemeClr val="accent1"/>
+                </a:solidFill>
+              </a:rPr>
+              <a:t>請求</a:t>
+            </a:r>
+          </a:p>
+        </p:txBody>
+      </p:sp>
+      <p:sp>
+        <p:nvSpPr>
+          <p:cNvPr id="32" name="圓角矩形 33">
+            <a:extLst>
+              <a:ext uri="{FF2B5EF4-FFF2-40B4-BE49-F238E27FC236}">
+                <a16:creationId xmlns:a16="http://schemas.microsoft.com/office/drawing/2014/main" id="{2867DC83-C664-D705-87E2-1C574B7145B7}"/>
+              </a:ext>
+            </a:extLst>
+          </p:cNvPr>
+          <p:cNvSpPr/>
+          <p:nvPr/>
+        </p:nvSpPr>
+        <p:spPr>
+          <a:xfrm>
+            <a:off x="7884396" y="3199997"/>
+            <a:ext cx="1343076" cy="652650"/>
+          </a:xfrm>
+          <a:prstGeom prst="roundRect">
+            <a:avLst/>
+          </a:prstGeom>
+          <a:ln/>
+        </p:spPr>
+        <p:style>
+          <a:lnRef idx="1">
+            <a:schemeClr val="accent4"/>
+          </a:lnRef>
+          <a:fillRef idx="3">
+            <a:schemeClr val="accent4"/>
+          </a:fillRef>
+          <a:effectRef idx="2">
+            <a:schemeClr val="accent4"/>
+          </a:effectRef>
+          <a:fontRef idx="minor">
+            <a:schemeClr val="lt1"/>
+          </a:fontRef>
+        </p:style>
+        <p:txBody>
+          <a:bodyPr rtlCol="0" anchor="ctr"/>
+          <a:lstStyle/>
+          <a:p>
+            <a:pPr algn="ctr"/>
+            <a:r>
+              <a:rPr lang="zh-TW" altLang="en-US" sz="1400" b="1" dirty="0">
+                <a:solidFill>
+                  <a:schemeClr val="bg2">
+                    <a:lumMod val="10000"/>
+                  </a:schemeClr>
+                </a:solidFill>
+              </a:rPr>
+              <a:t>系統回應</a:t>
+            </a:r>
+          </a:p>
+        </p:txBody>
+      </p:sp>
+      <p:sp>
+        <p:nvSpPr>
+          <p:cNvPr id="34" name="圓角矩形 34">
+            <a:extLst>
+              <a:ext uri="{FF2B5EF4-FFF2-40B4-BE49-F238E27FC236}">
+                <a16:creationId xmlns:a16="http://schemas.microsoft.com/office/drawing/2014/main" id="{ADE90763-907E-C486-2721-5C5BF3129CEE}"/>
+              </a:ext>
+            </a:extLst>
+          </p:cNvPr>
+          <p:cNvSpPr/>
+          <p:nvPr/>
+        </p:nvSpPr>
+        <p:spPr>
+          <a:xfrm>
+            <a:off x="7838388" y="2359542"/>
+            <a:ext cx="1435092" cy="2293594"/>
+          </a:xfrm>
+          <a:prstGeom prst="roundRect">
+            <a:avLst/>
+          </a:prstGeom>
+          <a:noFill/>
+          <a:ln w="28575"/>
+        </p:spPr>
+        <p:style>
+          <a:lnRef idx="1">
+            <a:schemeClr val="accent4"/>
+          </a:lnRef>
+          <a:fillRef idx="3">
+            <a:schemeClr val="accent4"/>
+          </a:fillRef>
+          <a:effectRef idx="2">
+            <a:schemeClr val="accent4"/>
+          </a:effectRef>
+          <a:fontRef idx="minor">
+            <a:schemeClr val="lt1"/>
+          </a:fontRef>
+        </p:style>
+        <p:txBody>
+          <a:bodyPr rtlCol="0" anchor="ctr"/>
+          <a:lstStyle/>
+          <a:p>
+            <a:pPr algn="ctr"/>
+            <a:endParaRPr lang="zh-TW" altLang="en-US" sz="1600"/>
+          </a:p>
+        </p:txBody>
+      </p:sp>
+      <p:sp>
+        <p:nvSpPr>
+          <p:cNvPr id="35" name="文字方塊 34">
+            <a:extLst>
+              <a:ext uri="{FF2B5EF4-FFF2-40B4-BE49-F238E27FC236}">
+                <a16:creationId xmlns:a16="http://schemas.microsoft.com/office/drawing/2014/main" id="{DC841DE1-C3B8-5EF4-1BEA-79034DDF172A}"/>
+              </a:ext>
+            </a:extLst>
+          </p:cNvPr>
+          <p:cNvSpPr txBox="1"/>
+          <p:nvPr/>
+        </p:nvSpPr>
+        <p:spPr>
+          <a:xfrm>
+            <a:off x="8049931" y="1921521"/>
+            <a:ext cx="1005403" cy="338554"/>
+          </a:xfrm>
+          <a:prstGeom prst="rect">
+            <a:avLst/>
+          </a:prstGeom>
+          <a:noFill/>
+        </p:spPr>
+        <p:txBody>
+          <a:bodyPr wrap="none" rtlCol="0">
+            <a:spAutoFit/>
+          </a:bodyPr>
+          <a:lstStyle/>
+          <a:p>
+            <a:pPr algn="ctr"/>
+            <a:r>
+              <a:rPr lang="zh-TW" altLang="en-US" sz="1600" dirty="0">
+                <a:solidFill>
+                  <a:schemeClr val="accent4"/>
+                </a:solidFill>
+              </a:rPr>
+              <a:t>伺服器端</a:t>
+            </a:r>
+          </a:p>
+        </p:txBody>
+      </p:sp>
+      <p:sp>
+        <p:nvSpPr>
+          <p:cNvPr id="37" name="文字方塊 36">
+            <a:extLst>
+              <a:ext uri="{FF2B5EF4-FFF2-40B4-BE49-F238E27FC236}">
+                <a16:creationId xmlns:a16="http://schemas.microsoft.com/office/drawing/2014/main" id="{66AD0919-4633-AF79-1B62-6FD91A93E6C0}"/>
+              </a:ext>
+            </a:extLst>
+          </p:cNvPr>
+          <p:cNvSpPr txBox="1"/>
+          <p:nvPr/>
+        </p:nvSpPr>
+        <p:spPr>
+          <a:xfrm>
+            <a:off x="6153839" y="2312514"/>
+            <a:ext cx="184731" cy="369332"/>
+          </a:xfrm>
+          <a:prstGeom prst="rect">
+            <a:avLst/>
+          </a:prstGeom>
+          <a:noFill/>
+        </p:spPr>
+        <p:txBody>
+          <a:bodyPr wrap="none" rtlCol="0">
+            <a:spAutoFit/>
+          </a:bodyPr>
+          <a:lstStyle/>
+          <a:p>
+            <a:endParaRPr lang="zh-TW" altLang="en-US" dirty="0">
+              <a:solidFill>
+                <a:schemeClr val="bg1"/>
+              </a:solidFill>
+            </a:endParaRPr>
+          </a:p>
+        </p:txBody>
+      </p:sp>
+      <p:sp>
+        <p:nvSpPr>
+          <p:cNvPr id="29" name="圓角矩形 60">
+            <a:extLst>
+              <a:ext uri="{FF2B5EF4-FFF2-40B4-BE49-F238E27FC236}">
+                <a16:creationId xmlns:a16="http://schemas.microsoft.com/office/drawing/2014/main" id="{EF1D494D-F13A-2E1F-E342-E577C7E7F0C9}"/>
+              </a:ext>
+            </a:extLst>
+          </p:cNvPr>
+          <p:cNvSpPr/>
+          <p:nvPr/>
+        </p:nvSpPr>
+        <p:spPr>
+          <a:xfrm>
+            <a:off x="4247153" y="3359459"/>
+            <a:ext cx="828251" cy="333726"/>
+          </a:xfrm>
+          <a:prstGeom prst="roundRect">
+            <a:avLst/>
+          </a:prstGeom>
+          <a:ln/>
+        </p:spPr>
+        <p:style>
+          <a:lnRef idx="1">
+            <a:schemeClr val="accent4"/>
+          </a:lnRef>
+          <a:fillRef idx="3">
+            <a:schemeClr val="accent4"/>
+          </a:fillRef>
+          <a:effectRef idx="2">
+            <a:schemeClr val="accent4"/>
+          </a:effectRef>
+          <a:fontRef idx="minor">
+            <a:schemeClr val="lt1"/>
+          </a:fontRef>
+        </p:style>
+        <p:txBody>
+          <a:bodyPr rtlCol="0" anchor="ctr"/>
+          <a:lstStyle/>
+          <a:p>
+            <a:pPr algn="ctr"/>
+            <a:r>
+              <a:rPr lang="en-US" altLang="zh-TW" sz="1400" b="1" dirty="0">
+                <a:solidFill>
+                  <a:srgbClr val="292929"/>
+                </a:solidFill>
+              </a:rPr>
+              <a:t>False</a:t>
+            </a:r>
+            <a:endParaRPr lang="zh-TW" altLang="en-US" sz="1400" b="1" dirty="0">
+              <a:solidFill>
+                <a:srgbClr val="292929"/>
+              </a:solidFill>
+            </a:endParaRPr>
+          </a:p>
+        </p:txBody>
+      </p:sp>
+      <p:sp>
+        <p:nvSpPr>
+          <p:cNvPr id="21" name="圓角矩形 117">
+            <a:extLst>
+              <a:ext uri="{FF2B5EF4-FFF2-40B4-BE49-F238E27FC236}">
+                <a16:creationId xmlns:a16="http://schemas.microsoft.com/office/drawing/2014/main" id="{B638F6E1-0AC5-33F7-AC3A-0B88D410A69E}"/>
+              </a:ext>
+            </a:extLst>
+          </p:cNvPr>
+          <p:cNvSpPr/>
+          <p:nvPr/>
+        </p:nvSpPr>
+        <p:spPr>
+          <a:xfrm>
+            <a:off x="683413" y="3303124"/>
+            <a:ext cx="1167533" cy="462707"/>
+          </a:xfrm>
+          <a:prstGeom prst="roundRect">
+            <a:avLst/>
+          </a:prstGeom>
+          <a:ln/>
+        </p:spPr>
+        <p:style>
+          <a:lnRef idx="1">
+            <a:schemeClr val="accent4"/>
+          </a:lnRef>
+          <a:fillRef idx="3">
+            <a:schemeClr val="accent4"/>
+          </a:fillRef>
+          <a:effectRef idx="2">
+            <a:schemeClr val="accent4"/>
+          </a:effectRef>
+          <a:fontRef idx="minor">
+            <a:schemeClr val="lt1"/>
+          </a:fontRef>
+        </p:style>
+        <p:txBody>
+          <a:bodyPr rtlCol="0" anchor="ctr"/>
+          <a:lstStyle/>
+          <a:p>
+            <a:pPr algn="ctr"/>
+            <a:r>
+              <a:rPr lang="zh-TW" altLang="en-US" sz="1400" b="1" dirty="0">
+                <a:solidFill>
+                  <a:srgbClr val="FF0000"/>
+                </a:solidFill>
+              </a:rPr>
+              <a:t>跳轉至</a:t>
+            </a:r>
+            <a:endParaRPr lang="en-US" altLang="zh-TW" sz="1400" b="1" dirty="0">
+              <a:solidFill>
+                <a:srgbClr val="FF0000"/>
+              </a:solidFill>
+            </a:endParaRPr>
+          </a:p>
+          <a:p>
+            <a:pPr algn="ctr"/>
+            <a:r>
+              <a:rPr lang="zh-TW" altLang="en-US" sz="1400" b="1" dirty="0">
+                <a:solidFill>
+                  <a:srgbClr val="FF0000"/>
+                </a:solidFill>
+              </a:rPr>
+              <a:t>登入畫面</a:t>
+            </a:r>
+          </a:p>
+        </p:txBody>
+      </p:sp>
+      <p:cxnSp>
+        <p:nvCxnSpPr>
+          <p:cNvPr id="25" name="直線單箭頭接點 24">
+            <a:extLst>
+              <a:ext uri="{FF2B5EF4-FFF2-40B4-BE49-F238E27FC236}">
+                <a16:creationId xmlns:a16="http://schemas.microsoft.com/office/drawing/2014/main" id="{759F9858-5100-2337-25E1-5149A0CA60AA}"/>
+              </a:ext>
+            </a:extLst>
+          </p:cNvPr>
+          <p:cNvCxnSpPr>
+            <a:cxnSpLocks/>
+            <a:stCxn id="21" idx="3"/>
+            <a:endCxn id="29" idx="1"/>
+          </p:cNvCxnSpPr>
+          <p:nvPr/>
+        </p:nvCxnSpPr>
+        <p:spPr>
+          <a:xfrm flipV="1">
+            <a:off x="1850946" y="3526322"/>
+            <a:ext cx="2396207" cy="8156"/>
+          </a:xfrm>
+          <a:prstGeom prst="straightConnector1">
+            <a:avLst/>
+          </a:prstGeom>
+          <a:ln w="38100">
+            <a:headEnd type="triangle" w="med" len="med"/>
+            <a:tailEnd type="none" w="med" len="med"/>
+          </a:ln>
+        </p:spPr>
+        <p:style>
+          <a:lnRef idx="1">
+            <a:schemeClr val="accent1"/>
+          </a:lnRef>
+          <a:fillRef idx="0">
+            <a:schemeClr val="accent1"/>
+          </a:fillRef>
+          <a:effectRef idx="0">
+            <a:schemeClr val="accent1"/>
+          </a:effectRef>
+          <a:fontRef idx="minor">
+            <a:schemeClr val="tx1"/>
+          </a:fontRef>
+        </p:style>
+      </p:cxnSp>
+      <p:sp>
+        <p:nvSpPr>
+          <p:cNvPr id="44" name="文字方塊 43">
+            <a:extLst>
+              <a:ext uri="{FF2B5EF4-FFF2-40B4-BE49-F238E27FC236}">
+                <a16:creationId xmlns:a16="http://schemas.microsoft.com/office/drawing/2014/main" id="{775C819C-0FE4-2A98-459C-739C60B8755E}"/>
+              </a:ext>
+            </a:extLst>
+          </p:cNvPr>
+          <p:cNvSpPr txBox="1"/>
+          <p:nvPr/>
+        </p:nvSpPr>
+        <p:spPr>
+          <a:xfrm>
+            <a:off x="6870047" y="2292341"/>
+            <a:ext cx="184730" cy="338554"/>
+          </a:xfrm>
+          <a:prstGeom prst="rect">
+            <a:avLst/>
+          </a:prstGeom>
+          <a:noFill/>
+        </p:spPr>
+        <p:txBody>
+          <a:bodyPr wrap="none" rtlCol="0">
+            <a:spAutoFit/>
+          </a:bodyPr>
+          <a:lstStyle/>
+          <a:p>
+            <a:pPr algn="ctr"/>
+            <a:endParaRPr lang="en-US" altLang="zh-TW" sz="1600" dirty="0">
+              <a:solidFill>
+                <a:schemeClr val="accent1"/>
+              </a:solidFill>
+            </a:endParaRPr>
+          </a:p>
+        </p:txBody>
+      </p:sp>
+      <p:sp>
+        <p:nvSpPr>
+          <p:cNvPr id="43" name="文字方塊 42">
+            <a:extLst>
+              <a:ext uri="{FF2B5EF4-FFF2-40B4-BE49-F238E27FC236}">
+                <a16:creationId xmlns:a16="http://schemas.microsoft.com/office/drawing/2014/main" id="{CD3C1BD0-A49A-4028-A543-60F265EB90EF}"/>
+              </a:ext>
+            </a:extLst>
+          </p:cNvPr>
+          <p:cNvSpPr txBox="1"/>
+          <p:nvPr/>
+        </p:nvSpPr>
+        <p:spPr>
+          <a:xfrm>
+            <a:off x="4730031" y="1916832"/>
+            <a:ext cx="800219" cy="338554"/>
+          </a:xfrm>
+          <a:prstGeom prst="rect">
+            <a:avLst/>
+          </a:prstGeom>
+          <a:noFill/>
+        </p:spPr>
+        <p:txBody>
+          <a:bodyPr wrap="none" rtlCol="0">
+            <a:spAutoFit/>
+          </a:bodyPr>
+          <a:lstStyle/>
+          <a:p>
+            <a:pPr algn="ctr"/>
+            <a:r>
+              <a:rPr lang="zh-TW" altLang="en-US" sz="1600" dirty="0">
+                <a:solidFill>
+                  <a:schemeClr val="accent4"/>
+                </a:solidFill>
+              </a:rPr>
+              <a:t>攔截器</a:t>
+            </a:r>
+          </a:p>
+        </p:txBody>
+      </p:sp>
+      <p:sp>
+        <p:nvSpPr>
+          <p:cNvPr id="46" name="圓角矩形 60">
+            <a:extLst>
+              <a:ext uri="{FF2B5EF4-FFF2-40B4-BE49-F238E27FC236}">
+                <a16:creationId xmlns:a16="http://schemas.microsoft.com/office/drawing/2014/main" id="{676E1831-5407-4040-8510-4A4AADAC5CD1}"/>
+              </a:ext>
+            </a:extLst>
+          </p:cNvPr>
+          <p:cNvSpPr/>
+          <p:nvPr/>
+        </p:nvSpPr>
+        <p:spPr>
+          <a:xfrm>
+            <a:off x="5223461" y="3359459"/>
+            <a:ext cx="828251" cy="333726"/>
+          </a:xfrm>
+          <a:prstGeom prst="roundRect">
+            <a:avLst/>
+          </a:prstGeom>
+          <a:ln/>
+        </p:spPr>
+        <p:style>
+          <a:lnRef idx="1">
+            <a:schemeClr val="accent4"/>
+          </a:lnRef>
+          <a:fillRef idx="3">
+            <a:schemeClr val="accent4"/>
+          </a:fillRef>
+          <a:effectRef idx="2">
+            <a:schemeClr val="accent4"/>
+          </a:effectRef>
+          <a:fontRef idx="minor">
+            <a:schemeClr val="lt1"/>
+          </a:fontRef>
+        </p:style>
+        <p:txBody>
+          <a:bodyPr rtlCol="0" anchor="ctr"/>
+          <a:lstStyle/>
+          <a:p>
+            <a:pPr algn="ctr"/>
+            <a:r>
+              <a:rPr lang="en-US" altLang="zh-TW" sz="1400" b="1" dirty="0">
+                <a:solidFill>
+                  <a:srgbClr val="292929"/>
+                </a:solidFill>
+              </a:rPr>
+              <a:t>True</a:t>
+            </a:r>
+            <a:endParaRPr lang="zh-TW" altLang="en-US" sz="1400" b="1" dirty="0">
+              <a:solidFill>
+                <a:srgbClr val="292929"/>
+              </a:solidFill>
+            </a:endParaRPr>
+          </a:p>
+        </p:txBody>
+      </p:sp>
+      <p:cxnSp>
+        <p:nvCxnSpPr>
+          <p:cNvPr id="12" name="直線單箭頭接點 11">
+            <a:extLst>
+              <a:ext uri="{FF2B5EF4-FFF2-40B4-BE49-F238E27FC236}">
+                <a16:creationId xmlns:a16="http://schemas.microsoft.com/office/drawing/2014/main" id="{F81ED37A-923B-480C-A052-B6A0AB664F7D}"/>
+              </a:ext>
+            </a:extLst>
+          </p:cNvPr>
+          <p:cNvCxnSpPr>
+            <a:stCxn id="40" idx="2"/>
+            <a:endCxn id="29" idx="0"/>
+          </p:cNvCxnSpPr>
+          <p:nvPr/>
+        </p:nvCxnSpPr>
+        <p:spPr>
+          <a:xfrm flipH="1">
+            <a:off x="4661279" y="2955258"/>
+            <a:ext cx="482902" cy="404201"/>
+          </a:xfrm>
+          <a:prstGeom prst="straightConnector1">
+            <a:avLst/>
+          </a:prstGeom>
+          <a:ln w="38100">
+            <a:tailEnd type="triangle"/>
+          </a:ln>
+        </p:spPr>
+        <p:style>
+          <a:lnRef idx="1">
+            <a:schemeClr val="accent1"/>
+          </a:lnRef>
+          <a:fillRef idx="0">
+            <a:schemeClr val="accent1"/>
+          </a:fillRef>
+          <a:effectRef idx="0">
+            <a:schemeClr val="accent1"/>
+          </a:effectRef>
+          <a:fontRef idx="minor">
+            <a:schemeClr val="tx1"/>
+          </a:fontRef>
+        </p:style>
+      </p:cxnSp>
+      <p:cxnSp>
+        <p:nvCxnSpPr>
+          <p:cNvPr id="15" name="直線單箭頭接點 14">
+            <a:extLst>
+              <a:ext uri="{FF2B5EF4-FFF2-40B4-BE49-F238E27FC236}">
+                <a16:creationId xmlns:a16="http://schemas.microsoft.com/office/drawing/2014/main" id="{A1F428E4-7FA1-4F4B-B618-9C14E62661F5}"/>
+              </a:ext>
+            </a:extLst>
+          </p:cNvPr>
+          <p:cNvCxnSpPr>
+            <a:stCxn id="40" idx="2"/>
+            <a:endCxn id="46" idx="0"/>
+          </p:cNvCxnSpPr>
+          <p:nvPr/>
+        </p:nvCxnSpPr>
+        <p:spPr>
+          <a:xfrm>
+            <a:off x="5144181" y="2955258"/>
+            <a:ext cx="493406" cy="404201"/>
+          </a:xfrm>
+          <a:prstGeom prst="straightConnector1">
+            <a:avLst/>
+          </a:prstGeom>
+          <a:ln w="38100">
+            <a:tailEnd type="triangle"/>
+          </a:ln>
+        </p:spPr>
+        <p:style>
+          <a:lnRef idx="1">
+            <a:schemeClr val="accent1"/>
+          </a:lnRef>
+          <a:fillRef idx="0">
+            <a:schemeClr val="accent1"/>
+          </a:fillRef>
+          <a:effectRef idx="0">
+            <a:schemeClr val="accent1"/>
+          </a:effectRef>
+          <a:fontRef idx="minor">
+            <a:schemeClr val="tx1"/>
+          </a:fontRef>
+        </p:style>
+      </p:cxnSp>
+      <p:cxnSp>
+        <p:nvCxnSpPr>
+          <p:cNvPr id="50" name="直線單箭頭接點 49">
+            <a:extLst>
+              <a:ext uri="{FF2B5EF4-FFF2-40B4-BE49-F238E27FC236}">
+                <a16:creationId xmlns:a16="http://schemas.microsoft.com/office/drawing/2014/main" id="{93B97194-EFF2-40B2-BBA9-4E98C691ED52}"/>
+              </a:ext>
+            </a:extLst>
+          </p:cNvPr>
+          <p:cNvCxnSpPr>
+            <a:cxnSpLocks/>
+            <a:stCxn id="46" idx="3"/>
+            <a:endCxn id="32" idx="1"/>
+          </p:cNvCxnSpPr>
+          <p:nvPr/>
+        </p:nvCxnSpPr>
+        <p:spPr>
+          <a:xfrm>
+            <a:off x="6051712" y="3526322"/>
+            <a:ext cx="1832684" cy="0"/>
+          </a:xfrm>
+          <a:prstGeom prst="straightConnector1">
+            <a:avLst/>
+          </a:prstGeom>
+          <a:ln w="38100">
+            <a:tailEnd type="triangle"/>
+          </a:ln>
+        </p:spPr>
+        <p:style>
+          <a:lnRef idx="1">
+            <a:schemeClr val="accent1"/>
+          </a:lnRef>
+          <a:fillRef idx="0">
+            <a:schemeClr val="accent1"/>
+          </a:fillRef>
+          <a:effectRef idx="0">
+            <a:schemeClr val="accent1"/>
+          </a:effectRef>
+          <a:fontRef idx="minor">
+            <a:schemeClr val="tx1"/>
+          </a:fontRef>
+        </p:style>
+      </p:cxnSp>
+      <p:sp>
+        <p:nvSpPr>
+          <p:cNvPr id="54" name="文字方塊 53">
+            <a:extLst>
+              <a:ext uri="{FF2B5EF4-FFF2-40B4-BE49-F238E27FC236}">
+                <a16:creationId xmlns:a16="http://schemas.microsoft.com/office/drawing/2014/main" id="{D21CBE87-FFE7-4CBD-AEFB-545A77283BAF}"/>
+              </a:ext>
+            </a:extLst>
+          </p:cNvPr>
+          <p:cNvSpPr txBox="1"/>
+          <p:nvPr/>
+        </p:nvSpPr>
+        <p:spPr>
+          <a:xfrm>
+            <a:off x="6236818" y="3613245"/>
+            <a:ext cx="1477072" cy="338554"/>
+          </a:xfrm>
+          <a:prstGeom prst="rect">
+            <a:avLst/>
+          </a:prstGeom>
+          <a:noFill/>
+        </p:spPr>
+        <p:txBody>
+          <a:bodyPr wrap="none" rtlCol="0">
+            <a:spAutoFit/>
+          </a:bodyPr>
+          <a:lstStyle/>
+          <a:p>
+            <a:pPr algn="ctr"/>
+            <a:r>
+              <a:rPr lang="en-US" altLang="zh-TW" sz="1600" dirty="0">
+                <a:solidFill>
+                  <a:schemeClr val="accent1"/>
+                </a:solidFill>
+              </a:rPr>
+              <a:t>True:</a:t>
+            </a:r>
+            <a:r>
+              <a:rPr lang="zh-TW" altLang="en-US" sz="1600" dirty="0">
+                <a:solidFill>
+                  <a:schemeClr val="accent1"/>
+                </a:solidFill>
+              </a:rPr>
+              <a:t>發送請求</a:t>
+            </a:r>
+          </a:p>
+        </p:txBody>
+      </p:sp>
+      <p:sp>
+        <p:nvSpPr>
+          <p:cNvPr id="59" name="文字方塊 58">
+            <a:extLst>
+              <a:ext uri="{FF2B5EF4-FFF2-40B4-BE49-F238E27FC236}">
+                <a16:creationId xmlns:a16="http://schemas.microsoft.com/office/drawing/2014/main" id="{734EDD54-BF4F-4DEF-BDB9-A692EB3E8BFF}"/>
+              </a:ext>
+            </a:extLst>
+          </p:cNvPr>
+          <p:cNvSpPr txBox="1"/>
+          <p:nvPr/>
+        </p:nvSpPr>
+        <p:spPr>
+          <a:xfrm>
+            <a:off x="2268900" y="3623433"/>
+            <a:ext cx="1563249" cy="338554"/>
+          </a:xfrm>
+          <a:prstGeom prst="rect">
+            <a:avLst/>
+          </a:prstGeom>
+          <a:noFill/>
+        </p:spPr>
+        <p:txBody>
+          <a:bodyPr wrap="none" rtlCol="0">
+            <a:spAutoFit/>
+          </a:bodyPr>
+          <a:lstStyle/>
+          <a:p>
+            <a:pPr algn="ctr"/>
+            <a:r>
+              <a:rPr lang="en-US" altLang="zh-TW" sz="1600" dirty="0">
+                <a:solidFill>
+                  <a:schemeClr val="accent1"/>
+                </a:solidFill>
+              </a:rPr>
+              <a:t>False:</a:t>
+            </a:r>
+            <a:r>
+              <a:rPr lang="zh-TW" altLang="en-US" sz="1600" dirty="0">
+                <a:solidFill>
+                  <a:schemeClr val="accent1"/>
+                </a:solidFill>
+              </a:rPr>
+              <a:t>終止請求</a:t>
+            </a:r>
+          </a:p>
+        </p:txBody>
+      </p:sp>
+      <p:sp>
+        <p:nvSpPr>
+          <p:cNvPr id="60" name="圓角矩形 6">
+            <a:extLst>
+              <a:ext uri="{FF2B5EF4-FFF2-40B4-BE49-F238E27FC236}">
+                <a16:creationId xmlns:a16="http://schemas.microsoft.com/office/drawing/2014/main" id="{0A642A46-9BE0-4ADF-B680-724908885393}"/>
+              </a:ext>
+            </a:extLst>
+          </p:cNvPr>
+          <p:cNvSpPr/>
+          <p:nvPr/>
+        </p:nvSpPr>
+        <p:spPr>
+          <a:xfrm>
+            <a:off x="724932" y="4007371"/>
+            <a:ext cx="1084494" cy="462707"/>
+          </a:xfrm>
+          <a:prstGeom prst="roundRect">
+            <a:avLst/>
+          </a:prstGeom>
+          <a:ln/>
+        </p:spPr>
+        <p:style>
+          <a:lnRef idx="1">
+            <a:schemeClr val="accent4"/>
+          </a:lnRef>
+          <a:fillRef idx="3">
+            <a:schemeClr val="accent4"/>
+          </a:fillRef>
+          <a:effectRef idx="2">
+            <a:schemeClr val="accent4"/>
+          </a:effectRef>
+          <a:fontRef idx="minor">
+            <a:schemeClr val="lt1"/>
+          </a:fontRef>
+        </p:style>
+        <p:txBody>
+          <a:bodyPr rtlCol="0" anchor="ctr"/>
+          <a:lstStyle/>
+          <a:p>
+            <a:pPr algn="ctr"/>
+            <a:r>
+              <a:rPr lang="zh-TW" altLang="en-US" sz="1400" b="1" dirty="0">
+                <a:solidFill>
+                  <a:srgbClr val="292929"/>
+                </a:solidFill>
+              </a:rPr>
+              <a:t>回到</a:t>
+            </a:r>
+            <a:endParaRPr lang="en-US" altLang="zh-TW" sz="1400" b="1" dirty="0">
+              <a:solidFill>
+                <a:srgbClr val="292929"/>
+              </a:solidFill>
+            </a:endParaRPr>
+          </a:p>
+          <a:p>
+            <a:pPr algn="ctr"/>
+            <a:r>
+              <a:rPr lang="zh-TW" altLang="en-US" sz="1400" b="1" dirty="0">
+                <a:solidFill>
+                  <a:srgbClr val="292929"/>
+                </a:solidFill>
+              </a:rPr>
+              <a:t>特定網頁</a:t>
+            </a:r>
+          </a:p>
+        </p:txBody>
+      </p:sp>
+      <p:cxnSp>
+        <p:nvCxnSpPr>
+          <p:cNvPr id="62" name="接點: 肘形 61">
+            <a:extLst>
+              <a:ext uri="{FF2B5EF4-FFF2-40B4-BE49-F238E27FC236}">
+                <a16:creationId xmlns:a16="http://schemas.microsoft.com/office/drawing/2014/main" id="{4577FDEE-95C3-4B61-8958-AEF18AFB6C32}"/>
+              </a:ext>
+            </a:extLst>
+          </p:cNvPr>
+          <p:cNvCxnSpPr>
+            <a:cxnSpLocks/>
+            <a:stCxn id="32" idx="2"/>
+            <a:endCxn id="60" idx="3"/>
+          </p:cNvCxnSpPr>
+          <p:nvPr/>
+        </p:nvCxnSpPr>
+        <p:spPr>
+          <a:xfrm rot="5400000">
+            <a:off x="4989641" y="672432"/>
+            <a:ext cx="386078" cy="6746508"/>
+          </a:xfrm>
+          <a:prstGeom prst="bentConnector2">
+            <a:avLst/>
+          </a:prstGeom>
+          <a:ln w="38100">
+            <a:tailEnd type="triangle"/>
+          </a:ln>
+        </p:spPr>
+        <p:style>
+          <a:lnRef idx="1">
+            <a:schemeClr val="accent1"/>
+          </a:lnRef>
+          <a:fillRef idx="0">
+            <a:schemeClr val="accent1"/>
+          </a:fillRef>
+          <a:effectRef idx="0">
+            <a:schemeClr val="accent1"/>
+          </a:effectRef>
+          <a:fontRef idx="minor">
+            <a:schemeClr val="tx1"/>
+          </a:fontRef>
+        </p:style>
+      </p:cxnSp>
+      <p:sp>
+        <p:nvSpPr>
+          <p:cNvPr id="64" name="文字方塊 63">
+            <a:extLst>
+              <a:ext uri="{FF2B5EF4-FFF2-40B4-BE49-F238E27FC236}">
+                <a16:creationId xmlns:a16="http://schemas.microsoft.com/office/drawing/2014/main" id="{929FE290-8A8A-4547-8820-D0CC486D21C9}"/>
+              </a:ext>
+            </a:extLst>
+          </p:cNvPr>
+          <p:cNvSpPr txBox="1"/>
+          <p:nvPr/>
+        </p:nvSpPr>
+        <p:spPr>
+          <a:xfrm>
+            <a:off x="4679978" y="4308850"/>
+            <a:ext cx="1005403" cy="338554"/>
+          </a:xfrm>
+          <a:prstGeom prst="rect">
+            <a:avLst/>
+          </a:prstGeom>
+          <a:noFill/>
+        </p:spPr>
+        <p:txBody>
+          <a:bodyPr wrap="none" rtlCol="0">
+            <a:spAutoFit/>
+          </a:bodyPr>
+          <a:lstStyle/>
+          <a:p>
+            <a:pPr algn="ctr"/>
+            <a:r>
+              <a:rPr lang="zh-TW" altLang="en-US" sz="1600" b="1" dirty="0">
+                <a:solidFill>
+                  <a:srgbClr val="FFFFFF"/>
+                </a:solidFill>
+              </a:rPr>
+              <a:t>返回頁面</a:t>
+            </a:r>
+          </a:p>
+        </p:txBody>
+      </p:sp>
       <p:sp>
         <p:nvSpPr>
           <p:cNvPr id="65" name="文字方塊 64">
@@ -7413,6 +7756,986 @@
   <p:clrMapOvr>
     <a:masterClrMapping/>
   </p:clrMapOvr>
+  <p:timing>
+    <p:tnLst>
+      <p:par>
+        <p:cTn id="1" dur="indefinite" restart="never" nodeType="tmRoot">
+          <p:childTnLst>
+            <p:seq concurrent="1" nextAc="seek">
+              <p:cTn id="2" dur="indefinite" nodeType="mainSeq">
+                <p:childTnLst>
+                  <p:par>
+                    <p:cTn id="3" fill="hold">
+                      <p:stCondLst>
+                        <p:cond delay="indefinite"/>
+                      </p:stCondLst>
+                      <p:childTnLst>
+                        <p:par>
+                          <p:cTn id="4" fill="hold">
+                            <p:stCondLst>
+                              <p:cond delay="0"/>
+                            </p:stCondLst>
+                            <p:childTnLst>
+                              <p:par>
+                                <p:cTn id="5" presetID="10" presetClass="entr" presetSubtype="0" fill="hold" grpId="0" nodeType="clickEffect">
+                                  <p:stCondLst>
+                                    <p:cond delay="0"/>
+                                  </p:stCondLst>
+                                  <p:childTnLst>
+                                    <p:set>
+                                      <p:cBhvr>
+                                        <p:cTn id="6" dur="1" fill="hold">
+                                          <p:stCondLst>
+                                            <p:cond delay="0"/>
+                                          </p:stCondLst>
+                                        </p:cTn>
+                                        <p:tgtEl>
+                                          <p:spTgt spid="10"/>
+                                        </p:tgtEl>
+                                        <p:attrNameLst>
+                                          <p:attrName>style.visibility</p:attrName>
+                                        </p:attrNameLst>
+                                      </p:cBhvr>
+                                      <p:to>
+                                        <p:strVal val="visible"/>
+                                      </p:to>
+                                    </p:set>
+                                    <p:animEffect transition="in" filter="fade">
+                                      <p:cBhvr>
+                                        <p:cTn id="7" dur="500"/>
+                                        <p:tgtEl>
+                                          <p:spTgt spid="10"/>
+                                        </p:tgtEl>
+                                      </p:cBhvr>
+                                    </p:animEffect>
+                                  </p:childTnLst>
+                                </p:cTn>
+                              </p:par>
+                              <p:par>
+                                <p:cTn id="8" presetID="10" presetClass="entr" presetSubtype="0" fill="hold" grpId="0" nodeType="withEffect">
+                                  <p:stCondLst>
+                                    <p:cond delay="0"/>
+                                  </p:stCondLst>
+                                  <p:childTnLst>
+                                    <p:set>
+                                      <p:cBhvr>
+                                        <p:cTn id="9" dur="1" fill="hold">
+                                          <p:stCondLst>
+                                            <p:cond delay="0"/>
+                                          </p:stCondLst>
+                                        </p:cTn>
+                                        <p:tgtEl>
+                                          <p:spTgt spid="9"/>
+                                        </p:tgtEl>
+                                        <p:attrNameLst>
+                                          <p:attrName>style.visibility</p:attrName>
+                                        </p:attrNameLst>
+                                      </p:cBhvr>
+                                      <p:to>
+                                        <p:strVal val="visible"/>
+                                      </p:to>
+                                    </p:set>
+                                    <p:animEffect transition="in" filter="fade">
+                                      <p:cBhvr>
+                                        <p:cTn id="10" dur="500"/>
+                                        <p:tgtEl>
+                                          <p:spTgt spid="9"/>
+                                        </p:tgtEl>
+                                      </p:cBhvr>
+                                    </p:animEffect>
+                                  </p:childTnLst>
+                                </p:cTn>
+                              </p:par>
+                              <p:par>
+                                <p:cTn id="11" presetID="10" presetClass="entr" presetSubtype="0" fill="hold" grpId="0" nodeType="withEffect">
+                                  <p:stCondLst>
+                                    <p:cond delay="0"/>
+                                  </p:stCondLst>
+                                  <p:childTnLst>
+                                    <p:set>
+                                      <p:cBhvr>
+                                        <p:cTn id="12" dur="1" fill="hold">
+                                          <p:stCondLst>
+                                            <p:cond delay="0"/>
+                                          </p:stCondLst>
+                                        </p:cTn>
+                                        <p:tgtEl>
+                                          <p:spTgt spid="8"/>
+                                        </p:tgtEl>
+                                        <p:attrNameLst>
+                                          <p:attrName>style.visibility</p:attrName>
+                                        </p:attrNameLst>
+                                      </p:cBhvr>
+                                      <p:to>
+                                        <p:strVal val="visible"/>
+                                      </p:to>
+                                    </p:set>
+                                    <p:animEffect transition="in" filter="fade">
+                                      <p:cBhvr>
+                                        <p:cTn id="13" dur="500"/>
+                                        <p:tgtEl>
+                                          <p:spTgt spid="8"/>
+                                        </p:tgtEl>
+                                      </p:cBhvr>
+                                    </p:animEffect>
+                                  </p:childTnLst>
+                                </p:cTn>
+                              </p:par>
+                            </p:childTnLst>
+                          </p:cTn>
+                        </p:par>
+                      </p:childTnLst>
+                    </p:cTn>
+                  </p:par>
+                  <p:par>
+                    <p:cTn id="14" fill="hold">
+                      <p:stCondLst>
+                        <p:cond delay="indefinite"/>
+                      </p:stCondLst>
+                      <p:childTnLst>
+                        <p:par>
+                          <p:cTn id="15" fill="hold">
+                            <p:stCondLst>
+                              <p:cond delay="0"/>
+                            </p:stCondLst>
+                            <p:childTnLst>
+                              <p:par>
+                                <p:cTn id="16" presetID="10" presetClass="entr" presetSubtype="0" fill="hold" grpId="0" nodeType="clickEffect">
+                                  <p:stCondLst>
+                                    <p:cond delay="0"/>
+                                  </p:stCondLst>
+                                  <p:childTnLst>
+                                    <p:set>
+                                      <p:cBhvr>
+                                        <p:cTn id="17" dur="1" fill="hold">
+                                          <p:stCondLst>
+                                            <p:cond delay="0"/>
+                                          </p:stCondLst>
+                                        </p:cTn>
+                                        <p:tgtEl>
+                                          <p:spTgt spid="42"/>
+                                        </p:tgtEl>
+                                        <p:attrNameLst>
+                                          <p:attrName>style.visibility</p:attrName>
+                                        </p:attrNameLst>
+                                      </p:cBhvr>
+                                      <p:to>
+                                        <p:strVal val="visible"/>
+                                      </p:to>
+                                    </p:set>
+                                    <p:animEffect transition="in" filter="fade">
+                                      <p:cBhvr>
+                                        <p:cTn id="18" dur="500"/>
+                                        <p:tgtEl>
+                                          <p:spTgt spid="42"/>
+                                        </p:tgtEl>
+                                      </p:cBhvr>
+                                    </p:animEffect>
+                                  </p:childTnLst>
+                                </p:cTn>
+                              </p:par>
+                              <p:par>
+                                <p:cTn id="19" presetID="10" presetClass="entr" presetSubtype="0" fill="hold" nodeType="withEffect">
+                                  <p:stCondLst>
+                                    <p:cond delay="0"/>
+                                  </p:stCondLst>
+                                  <p:childTnLst>
+                                    <p:set>
+                                      <p:cBhvr>
+                                        <p:cTn id="20" dur="1" fill="hold">
+                                          <p:stCondLst>
+                                            <p:cond delay="0"/>
+                                          </p:stCondLst>
+                                        </p:cTn>
+                                        <p:tgtEl>
+                                          <p:spTgt spid="41"/>
+                                        </p:tgtEl>
+                                        <p:attrNameLst>
+                                          <p:attrName>style.visibility</p:attrName>
+                                        </p:attrNameLst>
+                                      </p:cBhvr>
+                                      <p:to>
+                                        <p:strVal val="visible"/>
+                                      </p:to>
+                                    </p:set>
+                                    <p:animEffect transition="in" filter="fade">
+                                      <p:cBhvr>
+                                        <p:cTn id="21" dur="500"/>
+                                        <p:tgtEl>
+                                          <p:spTgt spid="41"/>
+                                        </p:tgtEl>
+                                      </p:cBhvr>
+                                    </p:animEffect>
+                                  </p:childTnLst>
+                                </p:cTn>
+                              </p:par>
+                            </p:childTnLst>
+                          </p:cTn>
+                        </p:par>
+                      </p:childTnLst>
+                    </p:cTn>
+                  </p:par>
+                  <p:par>
+                    <p:cTn id="22" fill="hold">
+                      <p:stCondLst>
+                        <p:cond delay="indefinite"/>
+                      </p:stCondLst>
+                      <p:childTnLst>
+                        <p:par>
+                          <p:cTn id="23" fill="hold">
+                            <p:stCondLst>
+                              <p:cond delay="0"/>
+                            </p:stCondLst>
+                            <p:childTnLst>
+                              <p:par>
+                                <p:cTn id="24" presetID="10" presetClass="entr" presetSubtype="0" fill="hold" grpId="0" nodeType="clickEffect">
+                                  <p:stCondLst>
+                                    <p:cond delay="0"/>
+                                  </p:stCondLst>
+                                  <p:childTnLst>
+                                    <p:set>
+                                      <p:cBhvr>
+                                        <p:cTn id="25" dur="1" fill="hold">
+                                          <p:stCondLst>
+                                            <p:cond delay="0"/>
+                                          </p:stCondLst>
+                                        </p:cTn>
+                                        <p:tgtEl>
+                                          <p:spTgt spid="43"/>
+                                        </p:tgtEl>
+                                        <p:attrNameLst>
+                                          <p:attrName>style.visibility</p:attrName>
+                                        </p:attrNameLst>
+                                      </p:cBhvr>
+                                      <p:to>
+                                        <p:strVal val="visible"/>
+                                      </p:to>
+                                    </p:set>
+                                    <p:animEffect transition="in" filter="fade">
+                                      <p:cBhvr>
+                                        <p:cTn id="26" dur="500"/>
+                                        <p:tgtEl>
+                                          <p:spTgt spid="43"/>
+                                        </p:tgtEl>
+                                      </p:cBhvr>
+                                    </p:animEffect>
+                                  </p:childTnLst>
+                                </p:cTn>
+                              </p:par>
+                              <p:par>
+                                <p:cTn id="27" presetID="10" presetClass="entr" presetSubtype="0" fill="hold" grpId="0" nodeType="withEffect">
+                                  <p:stCondLst>
+                                    <p:cond delay="0"/>
+                                  </p:stCondLst>
+                                  <p:childTnLst>
+                                    <p:set>
+                                      <p:cBhvr>
+                                        <p:cTn id="28" dur="1" fill="hold">
+                                          <p:stCondLst>
+                                            <p:cond delay="0"/>
+                                          </p:stCondLst>
+                                        </p:cTn>
+                                        <p:tgtEl>
+                                          <p:spTgt spid="38"/>
+                                        </p:tgtEl>
+                                        <p:attrNameLst>
+                                          <p:attrName>style.visibility</p:attrName>
+                                        </p:attrNameLst>
+                                      </p:cBhvr>
+                                      <p:to>
+                                        <p:strVal val="visible"/>
+                                      </p:to>
+                                    </p:set>
+                                    <p:animEffect transition="in" filter="fade">
+                                      <p:cBhvr>
+                                        <p:cTn id="29" dur="500"/>
+                                        <p:tgtEl>
+                                          <p:spTgt spid="38"/>
+                                        </p:tgtEl>
+                                      </p:cBhvr>
+                                    </p:animEffect>
+                                  </p:childTnLst>
+                                </p:cTn>
+                              </p:par>
+                              <p:par>
+                                <p:cTn id="30" presetID="10" presetClass="entr" presetSubtype="0" fill="hold" grpId="0" nodeType="withEffect">
+                                  <p:stCondLst>
+                                    <p:cond delay="0"/>
+                                  </p:stCondLst>
+                                  <p:childTnLst>
+                                    <p:set>
+                                      <p:cBhvr>
+                                        <p:cTn id="31" dur="1" fill="hold">
+                                          <p:stCondLst>
+                                            <p:cond delay="0"/>
+                                          </p:stCondLst>
+                                        </p:cTn>
+                                        <p:tgtEl>
+                                          <p:spTgt spid="40"/>
+                                        </p:tgtEl>
+                                        <p:attrNameLst>
+                                          <p:attrName>style.visibility</p:attrName>
+                                        </p:attrNameLst>
+                                      </p:cBhvr>
+                                      <p:to>
+                                        <p:strVal val="visible"/>
+                                      </p:to>
+                                    </p:set>
+                                    <p:animEffect transition="in" filter="fade">
+                                      <p:cBhvr>
+                                        <p:cTn id="32" dur="500"/>
+                                        <p:tgtEl>
+                                          <p:spTgt spid="40"/>
+                                        </p:tgtEl>
+                                      </p:cBhvr>
+                                    </p:animEffect>
+                                  </p:childTnLst>
+                                </p:cTn>
+                              </p:par>
+                            </p:childTnLst>
+                          </p:cTn>
+                        </p:par>
+                      </p:childTnLst>
+                    </p:cTn>
+                  </p:par>
+                  <p:par>
+                    <p:cTn id="33" fill="hold">
+                      <p:stCondLst>
+                        <p:cond delay="indefinite"/>
+                      </p:stCondLst>
+                      <p:childTnLst>
+                        <p:par>
+                          <p:cTn id="34" fill="hold">
+                            <p:stCondLst>
+                              <p:cond delay="0"/>
+                            </p:stCondLst>
+                            <p:childTnLst>
+                              <p:par>
+                                <p:cTn id="35" presetID="10" presetClass="entr" presetSubtype="0" fill="hold" nodeType="clickEffect">
+                                  <p:stCondLst>
+                                    <p:cond delay="0"/>
+                                  </p:stCondLst>
+                                  <p:childTnLst>
+                                    <p:set>
+                                      <p:cBhvr>
+                                        <p:cTn id="36" dur="1" fill="hold">
+                                          <p:stCondLst>
+                                            <p:cond delay="0"/>
+                                          </p:stCondLst>
+                                        </p:cTn>
+                                        <p:tgtEl>
+                                          <p:spTgt spid="12"/>
+                                        </p:tgtEl>
+                                        <p:attrNameLst>
+                                          <p:attrName>style.visibility</p:attrName>
+                                        </p:attrNameLst>
+                                      </p:cBhvr>
+                                      <p:to>
+                                        <p:strVal val="visible"/>
+                                      </p:to>
+                                    </p:set>
+                                    <p:animEffect transition="in" filter="fade">
+                                      <p:cBhvr>
+                                        <p:cTn id="37" dur="500"/>
+                                        <p:tgtEl>
+                                          <p:spTgt spid="12"/>
+                                        </p:tgtEl>
+                                      </p:cBhvr>
+                                    </p:animEffect>
+                                  </p:childTnLst>
+                                </p:cTn>
+                              </p:par>
+                              <p:par>
+                                <p:cTn id="38" presetID="10" presetClass="entr" presetSubtype="0" fill="hold" nodeType="withEffect">
+                                  <p:stCondLst>
+                                    <p:cond delay="0"/>
+                                  </p:stCondLst>
+                                  <p:childTnLst>
+                                    <p:set>
+                                      <p:cBhvr>
+                                        <p:cTn id="39" dur="1" fill="hold">
+                                          <p:stCondLst>
+                                            <p:cond delay="0"/>
+                                          </p:stCondLst>
+                                        </p:cTn>
+                                        <p:tgtEl>
+                                          <p:spTgt spid="15"/>
+                                        </p:tgtEl>
+                                        <p:attrNameLst>
+                                          <p:attrName>style.visibility</p:attrName>
+                                        </p:attrNameLst>
+                                      </p:cBhvr>
+                                      <p:to>
+                                        <p:strVal val="visible"/>
+                                      </p:to>
+                                    </p:set>
+                                    <p:animEffect transition="in" filter="fade">
+                                      <p:cBhvr>
+                                        <p:cTn id="40" dur="500"/>
+                                        <p:tgtEl>
+                                          <p:spTgt spid="15"/>
+                                        </p:tgtEl>
+                                      </p:cBhvr>
+                                    </p:animEffect>
+                                  </p:childTnLst>
+                                </p:cTn>
+                              </p:par>
+                              <p:par>
+                                <p:cTn id="41" presetID="10" presetClass="entr" presetSubtype="0" fill="hold" grpId="0" nodeType="withEffect">
+                                  <p:stCondLst>
+                                    <p:cond delay="0"/>
+                                  </p:stCondLst>
+                                  <p:childTnLst>
+                                    <p:set>
+                                      <p:cBhvr>
+                                        <p:cTn id="42" dur="1" fill="hold">
+                                          <p:stCondLst>
+                                            <p:cond delay="0"/>
+                                          </p:stCondLst>
+                                        </p:cTn>
+                                        <p:tgtEl>
+                                          <p:spTgt spid="46"/>
+                                        </p:tgtEl>
+                                        <p:attrNameLst>
+                                          <p:attrName>style.visibility</p:attrName>
+                                        </p:attrNameLst>
+                                      </p:cBhvr>
+                                      <p:to>
+                                        <p:strVal val="visible"/>
+                                      </p:to>
+                                    </p:set>
+                                    <p:animEffect transition="in" filter="fade">
+                                      <p:cBhvr>
+                                        <p:cTn id="43" dur="500"/>
+                                        <p:tgtEl>
+                                          <p:spTgt spid="46"/>
+                                        </p:tgtEl>
+                                      </p:cBhvr>
+                                    </p:animEffect>
+                                  </p:childTnLst>
+                                </p:cTn>
+                              </p:par>
+                              <p:par>
+                                <p:cTn id="44" presetID="10" presetClass="entr" presetSubtype="0" fill="hold" grpId="0" nodeType="withEffect">
+                                  <p:stCondLst>
+                                    <p:cond delay="0"/>
+                                  </p:stCondLst>
+                                  <p:childTnLst>
+                                    <p:set>
+                                      <p:cBhvr>
+                                        <p:cTn id="45" dur="1" fill="hold">
+                                          <p:stCondLst>
+                                            <p:cond delay="0"/>
+                                          </p:stCondLst>
+                                        </p:cTn>
+                                        <p:tgtEl>
+                                          <p:spTgt spid="29"/>
+                                        </p:tgtEl>
+                                        <p:attrNameLst>
+                                          <p:attrName>style.visibility</p:attrName>
+                                        </p:attrNameLst>
+                                      </p:cBhvr>
+                                      <p:to>
+                                        <p:strVal val="visible"/>
+                                      </p:to>
+                                    </p:set>
+                                    <p:animEffect transition="in" filter="fade">
+                                      <p:cBhvr>
+                                        <p:cTn id="46" dur="500"/>
+                                        <p:tgtEl>
+                                          <p:spTgt spid="29"/>
+                                        </p:tgtEl>
+                                      </p:cBhvr>
+                                    </p:animEffect>
+                                  </p:childTnLst>
+                                </p:cTn>
+                              </p:par>
+                            </p:childTnLst>
+                          </p:cTn>
+                        </p:par>
+                      </p:childTnLst>
+                    </p:cTn>
+                  </p:par>
+                  <p:par>
+                    <p:cTn id="47" fill="hold">
+                      <p:stCondLst>
+                        <p:cond delay="indefinite"/>
+                      </p:stCondLst>
+                      <p:childTnLst>
+                        <p:par>
+                          <p:cTn id="48" fill="hold">
+                            <p:stCondLst>
+                              <p:cond delay="0"/>
+                            </p:stCondLst>
+                            <p:childTnLst>
+                              <p:par>
+                                <p:cTn id="49" presetID="10" presetClass="entr" presetSubtype="0" fill="hold" nodeType="clickEffect">
+                                  <p:stCondLst>
+                                    <p:cond delay="0"/>
+                                  </p:stCondLst>
+                                  <p:childTnLst>
+                                    <p:set>
+                                      <p:cBhvr>
+                                        <p:cTn id="50" dur="1" fill="hold">
+                                          <p:stCondLst>
+                                            <p:cond delay="0"/>
+                                          </p:stCondLst>
+                                        </p:cTn>
+                                        <p:tgtEl>
+                                          <p:spTgt spid="25"/>
+                                        </p:tgtEl>
+                                        <p:attrNameLst>
+                                          <p:attrName>style.visibility</p:attrName>
+                                        </p:attrNameLst>
+                                      </p:cBhvr>
+                                      <p:to>
+                                        <p:strVal val="visible"/>
+                                      </p:to>
+                                    </p:set>
+                                    <p:animEffect transition="in" filter="fade">
+                                      <p:cBhvr>
+                                        <p:cTn id="51" dur="500"/>
+                                        <p:tgtEl>
+                                          <p:spTgt spid="25"/>
+                                        </p:tgtEl>
+                                      </p:cBhvr>
+                                    </p:animEffect>
+                                  </p:childTnLst>
+                                </p:cTn>
+                              </p:par>
+                              <p:par>
+                                <p:cTn id="52" presetID="10" presetClass="entr" presetSubtype="0" fill="hold" grpId="0" nodeType="withEffect">
+                                  <p:stCondLst>
+                                    <p:cond delay="0"/>
+                                  </p:stCondLst>
+                                  <p:childTnLst>
+                                    <p:set>
+                                      <p:cBhvr>
+                                        <p:cTn id="53" dur="1" fill="hold">
+                                          <p:stCondLst>
+                                            <p:cond delay="0"/>
+                                          </p:stCondLst>
+                                        </p:cTn>
+                                        <p:tgtEl>
+                                          <p:spTgt spid="21"/>
+                                        </p:tgtEl>
+                                        <p:attrNameLst>
+                                          <p:attrName>style.visibility</p:attrName>
+                                        </p:attrNameLst>
+                                      </p:cBhvr>
+                                      <p:to>
+                                        <p:strVal val="visible"/>
+                                      </p:to>
+                                    </p:set>
+                                    <p:animEffect transition="in" filter="fade">
+                                      <p:cBhvr>
+                                        <p:cTn id="54" dur="500"/>
+                                        <p:tgtEl>
+                                          <p:spTgt spid="21"/>
+                                        </p:tgtEl>
+                                      </p:cBhvr>
+                                    </p:animEffect>
+                                  </p:childTnLst>
+                                </p:cTn>
+                              </p:par>
+                              <p:par>
+                                <p:cTn id="55" presetID="10" presetClass="entr" presetSubtype="0" fill="hold" grpId="0" nodeType="withEffect">
+                                  <p:stCondLst>
+                                    <p:cond delay="0"/>
+                                  </p:stCondLst>
+                                  <p:childTnLst>
+                                    <p:set>
+                                      <p:cBhvr>
+                                        <p:cTn id="56" dur="1" fill="hold">
+                                          <p:stCondLst>
+                                            <p:cond delay="0"/>
+                                          </p:stCondLst>
+                                        </p:cTn>
+                                        <p:tgtEl>
+                                          <p:spTgt spid="59"/>
+                                        </p:tgtEl>
+                                        <p:attrNameLst>
+                                          <p:attrName>style.visibility</p:attrName>
+                                        </p:attrNameLst>
+                                      </p:cBhvr>
+                                      <p:to>
+                                        <p:strVal val="visible"/>
+                                      </p:to>
+                                    </p:set>
+                                    <p:animEffect transition="in" filter="fade">
+                                      <p:cBhvr>
+                                        <p:cTn id="57" dur="500"/>
+                                        <p:tgtEl>
+                                          <p:spTgt spid="59"/>
+                                        </p:tgtEl>
+                                      </p:cBhvr>
+                                    </p:animEffect>
+                                  </p:childTnLst>
+                                </p:cTn>
+                              </p:par>
+                            </p:childTnLst>
+                          </p:cTn>
+                        </p:par>
+                      </p:childTnLst>
+                    </p:cTn>
+                  </p:par>
+                  <p:par>
+                    <p:cTn id="58" fill="hold">
+                      <p:stCondLst>
+                        <p:cond delay="indefinite"/>
+                      </p:stCondLst>
+                      <p:childTnLst>
+                        <p:par>
+                          <p:cTn id="59" fill="hold">
+                            <p:stCondLst>
+                              <p:cond delay="0"/>
+                            </p:stCondLst>
+                            <p:childTnLst>
+                              <p:par>
+                                <p:cTn id="60" presetID="10" presetClass="entr" presetSubtype="0" fill="hold" nodeType="clickEffect">
+                                  <p:stCondLst>
+                                    <p:cond delay="0"/>
+                                  </p:stCondLst>
+                                  <p:childTnLst>
+                                    <p:set>
+                                      <p:cBhvr>
+                                        <p:cTn id="61" dur="1" fill="hold">
+                                          <p:stCondLst>
+                                            <p:cond delay="0"/>
+                                          </p:stCondLst>
+                                        </p:cTn>
+                                        <p:tgtEl>
+                                          <p:spTgt spid="50"/>
+                                        </p:tgtEl>
+                                        <p:attrNameLst>
+                                          <p:attrName>style.visibility</p:attrName>
+                                        </p:attrNameLst>
+                                      </p:cBhvr>
+                                      <p:to>
+                                        <p:strVal val="visible"/>
+                                      </p:to>
+                                    </p:set>
+                                    <p:animEffect transition="in" filter="fade">
+                                      <p:cBhvr>
+                                        <p:cTn id="62" dur="500"/>
+                                        <p:tgtEl>
+                                          <p:spTgt spid="50"/>
+                                        </p:tgtEl>
+                                      </p:cBhvr>
+                                    </p:animEffect>
+                                  </p:childTnLst>
+                                </p:cTn>
+                              </p:par>
+                              <p:par>
+                                <p:cTn id="63" presetID="10" presetClass="entr" presetSubtype="0" fill="hold" grpId="0" nodeType="withEffect">
+                                  <p:stCondLst>
+                                    <p:cond delay="0"/>
+                                  </p:stCondLst>
+                                  <p:childTnLst>
+                                    <p:set>
+                                      <p:cBhvr>
+                                        <p:cTn id="64" dur="1" fill="hold">
+                                          <p:stCondLst>
+                                            <p:cond delay="0"/>
+                                          </p:stCondLst>
+                                        </p:cTn>
+                                        <p:tgtEl>
+                                          <p:spTgt spid="35"/>
+                                        </p:tgtEl>
+                                        <p:attrNameLst>
+                                          <p:attrName>style.visibility</p:attrName>
+                                        </p:attrNameLst>
+                                      </p:cBhvr>
+                                      <p:to>
+                                        <p:strVal val="visible"/>
+                                      </p:to>
+                                    </p:set>
+                                    <p:animEffect transition="in" filter="fade">
+                                      <p:cBhvr>
+                                        <p:cTn id="65" dur="500"/>
+                                        <p:tgtEl>
+                                          <p:spTgt spid="35"/>
+                                        </p:tgtEl>
+                                      </p:cBhvr>
+                                    </p:animEffect>
+                                  </p:childTnLst>
+                                </p:cTn>
+                              </p:par>
+                              <p:par>
+                                <p:cTn id="66" presetID="10" presetClass="entr" presetSubtype="0" fill="hold" grpId="0" nodeType="withEffect">
+                                  <p:stCondLst>
+                                    <p:cond delay="0"/>
+                                  </p:stCondLst>
+                                  <p:childTnLst>
+                                    <p:set>
+                                      <p:cBhvr>
+                                        <p:cTn id="67" dur="1" fill="hold">
+                                          <p:stCondLst>
+                                            <p:cond delay="0"/>
+                                          </p:stCondLst>
+                                        </p:cTn>
+                                        <p:tgtEl>
+                                          <p:spTgt spid="34"/>
+                                        </p:tgtEl>
+                                        <p:attrNameLst>
+                                          <p:attrName>style.visibility</p:attrName>
+                                        </p:attrNameLst>
+                                      </p:cBhvr>
+                                      <p:to>
+                                        <p:strVal val="visible"/>
+                                      </p:to>
+                                    </p:set>
+                                    <p:animEffect transition="in" filter="fade">
+                                      <p:cBhvr>
+                                        <p:cTn id="68" dur="500"/>
+                                        <p:tgtEl>
+                                          <p:spTgt spid="34"/>
+                                        </p:tgtEl>
+                                      </p:cBhvr>
+                                    </p:animEffect>
+                                  </p:childTnLst>
+                                </p:cTn>
+                              </p:par>
+                              <p:par>
+                                <p:cTn id="69" presetID="10" presetClass="entr" presetSubtype="0" fill="hold" grpId="0" nodeType="withEffect">
+                                  <p:stCondLst>
+                                    <p:cond delay="0"/>
+                                  </p:stCondLst>
+                                  <p:childTnLst>
+                                    <p:set>
+                                      <p:cBhvr>
+                                        <p:cTn id="70" dur="1" fill="hold">
+                                          <p:stCondLst>
+                                            <p:cond delay="0"/>
+                                          </p:stCondLst>
+                                        </p:cTn>
+                                        <p:tgtEl>
+                                          <p:spTgt spid="32"/>
+                                        </p:tgtEl>
+                                        <p:attrNameLst>
+                                          <p:attrName>style.visibility</p:attrName>
+                                        </p:attrNameLst>
+                                      </p:cBhvr>
+                                      <p:to>
+                                        <p:strVal val="visible"/>
+                                      </p:to>
+                                    </p:set>
+                                    <p:animEffect transition="in" filter="fade">
+                                      <p:cBhvr>
+                                        <p:cTn id="71" dur="500"/>
+                                        <p:tgtEl>
+                                          <p:spTgt spid="32"/>
+                                        </p:tgtEl>
+                                      </p:cBhvr>
+                                    </p:animEffect>
+                                  </p:childTnLst>
+                                </p:cTn>
+                              </p:par>
+                              <p:par>
+                                <p:cTn id="72" presetID="10" presetClass="entr" presetSubtype="0" fill="hold" grpId="0" nodeType="withEffect">
+                                  <p:stCondLst>
+                                    <p:cond delay="0"/>
+                                  </p:stCondLst>
+                                  <p:childTnLst>
+                                    <p:set>
+                                      <p:cBhvr>
+                                        <p:cTn id="73" dur="1" fill="hold">
+                                          <p:stCondLst>
+                                            <p:cond delay="0"/>
+                                          </p:stCondLst>
+                                        </p:cTn>
+                                        <p:tgtEl>
+                                          <p:spTgt spid="54"/>
+                                        </p:tgtEl>
+                                        <p:attrNameLst>
+                                          <p:attrName>style.visibility</p:attrName>
+                                        </p:attrNameLst>
+                                      </p:cBhvr>
+                                      <p:to>
+                                        <p:strVal val="visible"/>
+                                      </p:to>
+                                    </p:set>
+                                    <p:animEffect transition="in" filter="fade">
+                                      <p:cBhvr>
+                                        <p:cTn id="74" dur="500"/>
+                                        <p:tgtEl>
+                                          <p:spTgt spid="54"/>
+                                        </p:tgtEl>
+                                      </p:cBhvr>
+                                    </p:animEffect>
+                                  </p:childTnLst>
+                                </p:cTn>
+                              </p:par>
+                            </p:childTnLst>
+                          </p:cTn>
+                        </p:par>
+                      </p:childTnLst>
+                    </p:cTn>
+                  </p:par>
+                  <p:par>
+                    <p:cTn id="75" fill="hold">
+                      <p:stCondLst>
+                        <p:cond delay="indefinite"/>
+                      </p:stCondLst>
+                      <p:childTnLst>
+                        <p:par>
+                          <p:cTn id="76" fill="hold">
+                            <p:stCondLst>
+                              <p:cond delay="0"/>
+                            </p:stCondLst>
+                            <p:childTnLst>
+                              <p:par>
+                                <p:cTn id="77" presetID="10" presetClass="entr" presetSubtype="0" fill="hold" nodeType="clickEffect">
+                                  <p:stCondLst>
+                                    <p:cond delay="0"/>
+                                  </p:stCondLst>
+                                  <p:childTnLst>
+                                    <p:set>
+                                      <p:cBhvr>
+                                        <p:cTn id="78" dur="1" fill="hold">
+                                          <p:stCondLst>
+                                            <p:cond delay="0"/>
+                                          </p:stCondLst>
+                                        </p:cTn>
+                                        <p:tgtEl>
+                                          <p:spTgt spid="62"/>
+                                        </p:tgtEl>
+                                        <p:attrNameLst>
+                                          <p:attrName>style.visibility</p:attrName>
+                                        </p:attrNameLst>
+                                      </p:cBhvr>
+                                      <p:to>
+                                        <p:strVal val="visible"/>
+                                      </p:to>
+                                    </p:set>
+                                    <p:animEffect transition="in" filter="fade">
+                                      <p:cBhvr>
+                                        <p:cTn id="79" dur="500"/>
+                                        <p:tgtEl>
+                                          <p:spTgt spid="62"/>
+                                        </p:tgtEl>
+                                      </p:cBhvr>
+                                    </p:animEffect>
+                                  </p:childTnLst>
+                                </p:cTn>
+                              </p:par>
+                              <p:par>
+                                <p:cTn id="80" presetID="10" presetClass="entr" presetSubtype="0" fill="hold" grpId="0" nodeType="withEffect">
+                                  <p:stCondLst>
+                                    <p:cond delay="0"/>
+                                  </p:stCondLst>
+                                  <p:childTnLst>
+                                    <p:set>
+                                      <p:cBhvr>
+                                        <p:cTn id="81" dur="1" fill="hold">
+                                          <p:stCondLst>
+                                            <p:cond delay="0"/>
+                                          </p:stCondLst>
+                                        </p:cTn>
+                                        <p:tgtEl>
+                                          <p:spTgt spid="60"/>
+                                        </p:tgtEl>
+                                        <p:attrNameLst>
+                                          <p:attrName>style.visibility</p:attrName>
+                                        </p:attrNameLst>
+                                      </p:cBhvr>
+                                      <p:to>
+                                        <p:strVal val="visible"/>
+                                      </p:to>
+                                    </p:set>
+                                    <p:animEffect transition="in" filter="fade">
+                                      <p:cBhvr>
+                                        <p:cTn id="82" dur="500"/>
+                                        <p:tgtEl>
+                                          <p:spTgt spid="60"/>
+                                        </p:tgtEl>
+                                      </p:cBhvr>
+                                    </p:animEffect>
+                                  </p:childTnLst>
+                                </p:cTn>
+                              </p:par>
+                              <p:par>
+                                <p:cTn id="83" presetID="10" presetClass="entr" presetSubtype="0" fill="hold" grpId="0" nodeType="withEffect">
+                                  <p:stCondLst>
+                                    <p:cond delay="0"/>
+                                  </p:stCondLst>
+                                  <p:childTnLst>
+                                    <p:set>
+                                      <p:cBhvr>
+                                        <p:cTn id="84" dur="1" fill="hold">
+                                          <p:stCondLst>
+                                            <p:cond delay="0"/>
+                                          </p:stCondLst>
+                                        </p:cTn>
+                                        <p:tgtEl>
+                                          <p:spTgt spid="64"/>
+                                        </p:tgtEl>
+                                        <p:attrNameLst>
+                                          <p:attrName>style.visibility</p:attrName>
+                                        </p:attrNameLst>
+                                      </p:cBhvr>
+                                      <p:to>
+                                        <p:strVal val="visible"/>
+                                      </p:to>
+                                    </p:set>
+                                    <p:animEffect transition="in" filter="fade">
+                                      <p:cBhvr>
+                                        <p:cTn id="85" dur="500"/>
+                                        <p:tgtEl>
+                                          <p:spTgt spid="64"/>
+                                        </p:tgtEl>
+                                      </p:cBhvr>
+                                    </p:animEffect>
+                                  </p:childTnLst>
+                                </p:cTn>
+                              </p:par>
+                            </p:childTnLst>
+                          </p:cTn>
+                        </p:par>
+                      </p:childTnLst>
+                    </p:cTn>
+                  </p:par>
+                </p:childTnLst>
+              </p:cTn>
+              <p:prevCondLst>
+                <p:cond evt="onPrev" delay="0">
+                  <p:tgtEl>
+                    <p:sldTgt/>
+                  </p:tgtEl>
+                </p:cond>
+              </p:prevCondLst>
+              <p:nextCondLst>
+                <p:cond evt="onNext" delay="0">
+                  <p:tgtEl>
+                    <p:sldTgt/>
+                  </p:tgtEl>
+                </p:cond>
+              </p:nextCondLst>
+            </p:seq>
+          </p:childTnLst>
+        </p:cTn>
+      </p:par>
+    </p:tnLst>
+    <p:bldLst>
+      <p:bldP spid="8" grpId="0" animBg="1"/>
+      <p:bldP spid="9" grpId="0" animBg="1"/>
+      <p:bldP spid="10" grpId="0"/>
+      <p:bldP spid="38" grpId="0" animBg="1"/>
+      <p:bldP spid="40" grpId="0" animBg="1"/>
+      <p:bldP spid="42" grpId="0"/>
+      <p:bldP spid="32" grpId="0" animBg="1"/>
+      <p:bldP spid="34" grpId="0" animBg="1"/>
+      <p:bldP spid="35" grpId="0"/>
+      <p:bldP spid="29" grpId="0" animBg="1"/>
+      <p:bldP spid="21" grpId="0" animBg="1"/>
+      <p:bldP spid="43" grpId="0"/>
+      <p:bldP spid="46" grpId="0" animBg="1"/>
+      <p:bldP spid="54" grpId="0"/>
+      <p:bldP spid="59" grpId="0"/>
+      <p:bldP spid="60" grpId="0" animBg="1"/>
+      <p:bldP spid="64" grpId="0"/>
+    </p:bldLst>
+  </p:timing>
 </p:sld>
 </file>
 
@@ -19430,12 +20753,12 @@
             <a:graphicData uri="http://schemas.openxmlformats.org/presentationml/2006/ole">
               <mc:AlternateContent xmlns:mc="http://schemas.openxmlformats.org/markup-compatibility/2006">
                 <mc:Choice xmlns:v="urn:schemas-microsoft-com:vml" Requires="v">
-                  <p:oleObj spid="_x0000_s1200" r:id="rId3" imgW="9815760" imgH="1358640" progId="">
+                  <p:oleObj r:id="rId2" imgW="9815760" imgH="1358640" progId="">
                     <p:embed/>
                   </p:oleObj>
                 </mc:Choice>
                 <mc:Fallback>
-                  <p:oleObj r:id="rId3" imgW="9815760" imgH="1358640" progId="">
+                  <p:oleObj r:id="rId2" imgW="9815760" imgH="1358640" progId="">
                     <p:embed/>
                     <p:pic>
                       <p:nvPicPr>
@@ -19444,7 +20767,7 @@
                         <p:nvPr/>
                       </p:nvPicPr>
                       <p:blipFill>
-                        <a:blip r:embed="rId4"/>
+                        <a:blip r:embed="rId3"/>
                         <a:stretch>
                           <a:fillRect/>
                         </a:stretch>
@@ -20354,12 +21677,12 @@
             <a:graphicData uri="http://schemas.openxmlformats.org/presentationml/2006/ole">
               <mc:AlternateContent xmlns:mc="http://schemas.openxmlformats.org/markup-compatibility/2006">
                 <mc:Choice xmlns:v="urn:schemas-microsoft-com:vml" Requires="v">
-                  <p:oleObj spid="_x0000_s1201" r:id="rId5" imgW="9815760" imgH="1345680" progId="">
+                  <p:oleObj r:id="rId4" imgW="9815760" imgH="1345680" progId="">
                     <p:embed/>
                   </p:oleObj>
                 </mc:Choice>
                 <mc:Fallback>
-                  <p:oleObj r:id="rId5" imgW="9815760" imgH="1345680" progId="">
+                  <p:oleObj r:id="rId4" imgW="9815760" imgH="1345680" progId="">
                     <p:embed/>
                     <p:pic>
                       <p:nvPicPr>
@@ -20368,7 +21691,7 @@
                         <p:nvPr/>
                       </p:nvPicPr>
                       <p:blipFill>
-                        <a:blip r:embed="rId6"/>
+                        <a:blip r:embed="rId5"/>
                         <a:stretch>
                           <a:fillRect/>
                         </a:stretch>
@@ -20443,12 +21766,12 @@
           <a:graphicData uri="http://schemas.openxmlformats.org/presentationml/2006/ole">
             <mc:AlternateContent xmlns:mc="http://schemas.openxmlformats.org/markup-compatibility/2006">
               <mc:Choice xmlns:v="urn:schemas-microsoft-com:vml" Requires="v">
-                <p:oleObj spid="_x0000_s1202" r:id="rId7" imgW="9815760" imgH="1358640" progId="">
+                <p:oleObj r:id="rId6" imgW="9815760" imgH="1358640" progId="">
                   <p:embed/>
                 </p:oleObj>
               </mc:Choice>
               <mc:Fallback>
-                <p:oleObj r:id="rId7" imgW="9815760" imgH="1358640" progId="">
+                <p:oleObj r:id="rId6" imgW="9815760" imgH="1358640" progId="">
                   <p:embed/>
                   <p:pic>
                     <p:nvPicPr>
@@ -20457,7 +21780,7 @@
                       <p:nvPr/>
                     </p:nvPicPr>
                     <p:blipFill>
-                      <a:blip r:embed="rId8"/>
+                      <a:blip r:embed="rId7"/>
                       <a:stretch>
                         <a:fillRect/>
                       </a:stretch>
@@ -20493,7 +21816,7 @@
           <p:nvPr/>
         </p:nvPicPr>
         <p:blipFill rotWithShape="1">
-          <a:blip r:embed="rId9"/>
+          <a:blip r:embed="rId8"/>
           <a:srcRect l="4605" t="20587" r="58452" b="18446"/>
           <a:stretch/>
         </p:blipFill>
@@ -20522,7 +21845,7 @@
           <p:nvPr/>
         </p:nvPicPr>
         <p:blipFill rotWithShape="1">
-          <a:blip r:embed="rId10"/>
+          <a:blip r:embed="rId9"/>
           <a:srcRect l="71614" t="20707" r="11587" b="29743"/>
           <a:stretch/>
         </p:blipFill>
@@ -23165,7 +24488,7 @@
         </p:nvGrpSpPr>
         <p:grpSpPr>
           <a:xfrm>
-            <a:off x="566715" y="4307150"/>
+            <a:off x="535958" y="3212976"/>
             <a:ext cx="2372129" cy="2025559"/>
             <a:chOff x="1928664" y="1412776"/>
             <a:chExt cx="2372129" cy="2025559"/>
@@ -23377,7 +24700,7 @@
         </p:nvGrpSpPr>
         <p:grpSpPr>
           <a:xfrm>
-            <a:off x="3728463" y="4307150"/>
+            <a:off x="3728463" y="3212976"/>
             <a:ext cx="2449073" cy="2025559"/>
             <a:chOff x="1928664" y="1412776"/>
             <a:chExt cx="2449073" cy="2025559"/>
@@ -23577,10 +24900,10 @@
       </p:grpSp>
       <p:pic>
         <p:nvPicPr>
-          <p:cNvPr id="3" name="圖片 2">
+          <p:cNvPr id="8" name="圖片 7">
             <a:extLst>
               <a:ext uri="{FF2B5EF4-FFF2-40B4-BE49-F238E27FC236}">
-                <a16:creationId xmlns:a16="http://schemas.microsoft.com/office/drawing/2014/main" id="{0F756CAC-0594-E685-319E-1D19C7EBB1F8}"/>
+                <a16:creationId xmlns:a16="http://schemas.microsoft.com/office/drawing/2014/main" id="{3DE18E1D-4021-8EC3-5B92-DD8D31250DD3}"/>
               </a:ext>
             </a:extLst>
           </p:cNvPr>
@@ -23597,58 +24920,13 @@
               </a:ext>
             </a:extLst>
           </a:blip>
-          <a:srcRect t="2780" b="19504"/>
-          <a:stretch/>
-        </p:blipFill>
-        <p:spPr>
-          <a:xfrm>
-            <a:off x="704528" y="2132856"/>
-            <a:ext cx="1706898" cy="1706898"/>
-          </a:xfrm>
-          <a:prstGeom prst="flowChartConnector">
-            <a:avLst/>
-          </a:prstGeom>
-          <a:ln>
-            <a:noFill/>
-          </a:ln>
-          <a:effectLst>
-            <a:outerShdw blurRad="190500" algn="tl" rotWithShape="0">
-              <a:srgbClr val="000000">
-                <a:alpha val="70000"/>
-              </a:srgbClr>
-            </a:outerShdw>
-          </a:effectLst>
-        </p:spPr>
-      </p:pic>
-      <p:pic>
-        <p:nvPicPr>
-          <p:cNvPr id="8" name="圖片 7">
-            <a:extLst>
-              <a:ext uri="{FF2B5EF4-FFF2-40B4-BE49-F238E27FC236}">
-                <a16:creationId xmlns:a16="http://schemas.microsoft.com/office/drawing/2014/main" id="{3DE18E1D-4021-8EC3-5B92-DD8D31250DD3}"/>
-              </a:ext>
-            </a:extLst>
-          </p:cNvPr>
-          <p:cNvPicPr>
-            <a:picLocks noChangeAspect="1"/>
-          </p:cNvPicPr>
-          <p:nvPr/>
-        </p:nvPicPr>
-        <p:blipFill rotWithShape="1">
-          <a:blip r:embed="rId3" cstate="print">
-            <a:extLst>
-              <a:ext uri="{28A0092B-C50C-407E-A947-70E740481C1C}">
-                <a14:useLocalDpi xmlns:a14="http://schemas.microsoft.com/office/drawing/2010/main" val="0"/>
-              </a:ext>
-            </a:extLst>
-          </a:blip>
           <a:srcRect t="13445" b="19637"/>
           <a:stretch/>
         </p:blipFill>
         <p:spPr>
           <a:xfrm>
-            <a:off x="4016896" y="2129352"/>
-            <a:ext cx="1706898" cy="1706898"/>
+            <a:off x="4186136" y="1421990"/>
+            <a:ext cx="1356818" cy="1356818"/>
           </a:xfrm>
           <a:prstGeom prst="flowChartConnector">
             <a:avLst/>
@@ -23670,7 +24948,7 @@
           <p:nvPr/>
         </p:nvPicPr>
         <p:blipFill rotWithShape="1">
-          <a:blip r:embed="rId4" cstate="print">
+          <a:blip r:embed="rId3" cstate="print">
             <a:extLst>
               <a:ext uri="{28A0092B-C50C-407E-A947-70E740481C1C}">
                 <a14:useLocalDpi xmlns:a14="http://schemas.microsoft.com/office/drawing/2010/main" val="0"/>
@@ -23682,8 +24960,8 @@
         </p:blipFill>
         <p:spPr>
           <a:xfrm>
-            <a:off x="7329264" y="2129352"/>
-            <a:ext cx="1706898" cy="1706898"/>
+            <a:off x="7700638" y="1433058"/>
+            <a:ext cx="1356818" cy="1356818"/>
           </a:xfrm>
           <a:prstGeom prst="flowChartConnector">
             <a:avLst/>
@@ -23704,7 +24982,7 @@
         </p:nvGrpSpPr>
         <p:grpSpPr>
           <a:xfrm>
-            <a:off x="7041232" y="4307150"/>
+            <a:off x="7257256" y="3212976"/>
             <a:ext cx="2372129" cy="2025559"/>
             <a:chOff x="1928664" y="1412776"/>
             <a:chExt cx="2372129" cy="2025559"/>
@@ -23902,6 +25180,41 @@
           </p:txBody>
         </p:sp>
       </p:grpSp>
+      <p:pic>
+        <p:nvPicPr>
+          <p:cNvPr id="4" name="圖片 3">
+            <a:extLst>
+              <a:ext uri="{FF2B5EF4-FFF2-40B4-BE49-F238E27FC236}">
+                <a16:creationId xmlns:a16="http://schemas.microsoft.com/office/drawing/2014/main" id="{2B17D68D-BE52-6C21-AF72-9925E026F487}"/>
+              </a:ext>
+            </a:extLst>
+          </p:cNvPr>
+          <p:cNvPicPr>
+            <a:picLocks noChangeAspect="1"/>
+          </p:cNvPicPr>
+          <p:nvPr/>
+        </p:nvPicPr>
+        <p:blipFill rotWithShape="1">
+          <a:blip r:embed="rId4" cstate="print">
+            <a:extLst>
+              <a:ext uri="{28A0092B-C50C-407E-A947-70E740481C1C}">
+                <a14:useLocalDpi xmlns:a14="http://schemas.microsoft.com/office/drawing/2010/main" val="0"/>
+              </a:ext>
+            </a:extLst>
+          </a:blip>
+          <a:srcRect l="-417" t="513" r="417" b="21771"/>
+          <a:stretch/>
+        </p:blipFill>
+        <p:spPr>
+          <a:xfrm>
+            <a:off x="848544" y="1412776"/>
+            <a:ext cx="1356818" cy="1356818"/>
+          </a:xfrm>
+          <a:prstGeom prst="flowChartConnector">
+            <a:avLst/>
+          </a:prstGeom>
+        </p:spPr>
+      </p:pic>
     </p:spTree>
     <p:extLst>
       <p:ext uri="{BB962C8B-B14F-4D97-AF65-F5344CB8AC3E}">
@@ -26047,7 +27360,7 @@
         </p:nvGrpSpPr>
         <p:grpSpPr>
           <a:xfrm>
-            <a:off x="6249144" y="3789040"/>
+            <a:off x="6359223" y="3121226"/>
             <a:ext cx="2372129" cy="2025559"/>
             <a:chOff x="1928664" y="1412776"/>
             <a:chExt cx="2372129" cy="2025559"/>
@@ -26275,8 +27588,8 @@
         </p:blipFill>
         <p:spPr>
           <a:xfrm>
-            <a:off x="6609184" y="1628800"/>
-            <a:ext cx="1706898" cy="1706898"/>
+            <a:off x="6681192" y="1484784"/>
+            <a:ext cx="1356818" cy="1356818"/>
           </a:xfrm>
           <a:prstGeom prst="flowChartConnector">
             <a:avLst/>
@@ -26297,7 +27610,7 @@
         </p:nvGrpSpPr>
         <p:grpSpPr>
           <a:xfrm>
-            <a:off x="2000672" y="3789040"/>
+            <a:off x="2000672" y="3121226"/>
             <a:ext cx="2372129" cy="1704959"/>
             <a:chOff x="1928664" y="1412776"/>
             <a:chExt cx="2372129" cy="1704959"/>
@@ -26473,6 +27786,41 @@
           </p:txBody>
         </p:sp>
       </p:grpSp>
+      <p:pic>
+        <p:nvPicPr>
+          <p:cNvPr id="4" name="圖片 3">
+            <a:extLst>
+              <a:ext uri="{FF2B5EF4-FFF2-40B4-BE49-F238E27FC236}">
+                <a16:creationId xmlns:a16="http://schemas.microsoft.com/office/drawing/2014/main" id="{87B8FEEC-CBA4-D724-3C04-7F29BC36A5F8}"/>
+              </a:ext>
+            </a:extLst>
+          </p:cNvPr>
+          <p:cNvPicPr>
+            <a:picLocks noChangeAspect="1"/>
+          </p:cNvPicPr>
+          <p:nvPr/>
+        </p:nvPicPr>
+        <p:blipFill rotWithShape="1">
+          <a:blip r:embed="rId3" cstate="print">
+            <a:extLst>
+              <a:ext uri="{28A0092B-C50C-407E-A947-70E740481C1C}">
+                <a14:useLocalDpi xmlns:a14="http://schemas.microsoft.com/office/drawing/2010/main" val="0"/>
+              </a:ext>
+            </a:extLst>
+          </a:blip>
+          <a:srcRect t="6614" b="14800"/>
+          <a:stretch/>
+        </p:blipFill>
+        <p:spPr>
+          <a:xfrm>
+            <a:off x="2199426" y="1484784"/>
+            <a:ext cx="1356818" cy="1356818"/>
+          </a:xfrm>
+          <a:prstGeom prst="flowChartConnector">
+            <a:avLst/>
+          </a:prstGeom>
+        </p:spPr>
+      </p:pic>
     </p:spTree>
     <p:extLst>
       <p:ext uri="{BB962C8B-B14F-4D97-AF65-F5344CB8AC3E}">
